--- a/XIOS-SZ CompressionV2.pptx
+++ b/XIOS-SZ CompressionV2.pptx
@@ -5,20 +5,23 @@
     <p:sldMasterId id="2147483672" r:id="rId1"/>
   </p:sldMasterIdLst>
   <p:notesMasterIdLst>
-    <p:notesMasterId r:id="rId13"/>
+    <p:notesMasterId r:id="rId16"/>
   </p:notesMasterIdLst>
   <p:sldIdLst>
     <p:sldId id="256" r:id="rId2"/>
     <p:sldId id="261" r:id="rId3"/>
     <p:sldId id="311" r:id="rId4"/>
-    <p:sldId id="319" r:id="rId5"/>
-    <p:sldId id="317" r:id="rId6"/>
-    <p:sldId id="318" r:id="rId7"/>
-    <p:sldId id="320" r:id="rId8"/>
-    <p:sldId id="321" r:id="rId9"/>
-    <p:sldId id="316" r:id="rId10"/>
-    <p:sldId id="263" r:id="rId11"/>
-    <p:sldId id="265" r:id="rId12"/>
+    <p:sldId id="324" r:id="rId5"/>
+    <p:sldId id="323" r:id="rId6"/>
+    <p:sldId id="322" r:id="rId7"/>
+    <p:sldId id="319" r:id="rId8"/>
+    <p:sldId id="317" r:id="rId9"/>
+    <p:sldId id="318" r:id="rId10"/>
+    <p:sldId id="320" r:id="rId11"/>
+    <p:sldId id="321" r:id="rId12"/>
+    <p:sldId id="316" r:id="rId13"/>
+    <p:sldId id="263" r:id="rId14"/>
+    <p:sldId id="265" r:id="rId15"/>
   </p:sldIdLst>
   <p:sldSz cx="9906000" cy="6858000" type="A4"/>
   <p:notesSz cx="6858000" cy="9144000"/>
@@ -5761,7 +5764,7 @@
           <a:p>
             <a:fld id="{11D3B19A-3584-45BE-9D65-7210B57503B6}" type="datetimeFigureOut">
               <a:rPr lang="x-none" smtClean="0"/>
-              <a:t>6/8/23</a:t>
+              <a:t>6/13/23</a:t>
             </a:fld>
             <a:endParaRPr lang="x-none"/>
           </a:p>
@@ -6094,7 +6097,7 @@
           <a:p>
             <a:fld id="{C092DB6C-9952-4C5B-AD11-733F1C5CBA35}" type="slidenum">
               <a:rPr lang="x-none" smtClean="0"/>
-              <a:t>6</a:t>
+              <a:t>9</a:t>
             </a:fld>
             <a:endParaRPr lang="x-none"/>
           </a:p>
@@ -6244,7 +6247,7 @@
           <a:p>
             <a:fld id="{30263952-EF9F-574F-8E67-8B7132D3334C}" type="datetimeFigureOut">
               <a:rPr lang="x-none" smtClean="0"/>
-              <a:t>6/8/23</a:t>
+              <a:t>6/13/23</a:t>
             </a:fld>
             <a:endParaRPr lang="x-none"/>
           </a:p>
@@ -6414,7 +6417,7 @@
           <a:p>
             <a:fld id="{30263952-EF9F-574F-8E67-8B7132D3334C}" type="datetimeFigureOut">
               <a:rPr lang="x-none" smtClean="0"/>
-              <a:t>6/8/23</a:t>
+              <a:t>6/13/23</a:t>
             </a:fld>
             <a:endParaRPr lang="x-none"/>
           </a:p>
@@ -6594,7 +6597,7 @@
           <a:p>
             <a:fld id="{30263952-EF9F-574F-8E67-8B7132D3334C}" type="datetimeFigureOut">
               <a:rPr lang="x-none" smtClean="0"/>
-              <a:t>6/8/23</a:t>
+              <a:t>6/13/23</a:t>
             </a:fld>
             <a:endParaRPr lang="x-none"/>
           </a:p>
@@ -6764,7 +6767,7 @@
           <a:p>
             <a:fld id="{30263952-EF9F-574F-8E67-8B7132D3334C}" type="datetimeFigureOut">
               <a:rPr lang="x-none" smtClean="0"/>
-              <a:t>6/8/23</a:t>
+              <a:t>6/13/23</a:t>
             </a:fld>
             <a:endParaRPr lang="x-none"/>
           </a:p>
@@ -7008,7 +7011,7 @@
           <a:p>
             <a:fld id="{30263952-EF9F-574F-8E67-8B7132D3334C}" type="datetimeFigureOut">
               <a:rPr lang="x-none" smtClean="0"/>
-              <a:t>6/8/23</a:t>
+              <a:t>6/13/23</a:t>
             </a:fld>
             <a:endParaRPr lang="x-none"/>
           </a:p>
@@ -7240,7 +7243,7 @@
           <a:p>
             <a:fld id="{30263952-EF9F-574F-8E67-8B7132D3334C}" type="datetimeFigureOut">
               <a:rPr lang="x-none" smtClean="0"/>
-              <a:t>6/8/23</a:t>
+              <a:t>6/13/23</a:t>
             </a:fld>
             <a:endParaRPr lang="x-none"/>
           </a:p>
@@ -7607,7 +7610,7 @@
           <a:p>
             <a:fld id="{30263952-EF9F-574F-8E67-8B7132D3334C}" type="datetimeFigureOut">
               <a:rPr lang="x-none" smtClean="0"/>
-              <a:t>6/8/23</a:t>
+              <a:t>6/13/23</a:t>
             </a:fld>
             <a:endParaRPr lang="x-none"/>
           </a:p>
@@ -7725,7 +7728,7 @@
           <a:p>
             <a:fld id="{30263952-EF9F-574F-8E67-8B7132D3334C}" type="datetimeFigureOut">
               <a:rPr lang="x-none" smtClean="0"/>
-              <a:t>6/8/23</a:t>
+              <a:t>6/13/23</a:t>
             </a:fld>
             <a:endParaRPr lang="x-none"/>
           </a:p>
@@ -7820,7 +7823,7 @@
           <a:p>
             <a:fld id="{30263952-EF9F-574F-8E67-8B7132D3334C}" type="datetimeFigureOut">
               <a:rPr lang="x-none" smtClean="0"/>
-              <a:t>6/8/23</a:t>
+              <a:t>6/13/23</a:t>
             </a:fld>
             <a:endParaRPr lang="x-none"/>
           </a:p>
@@ -8097,7 +8100,7 @@
           <a:p>
             <a:fld id="{30263952-EF9F-574F-8E67-8B7132D3334C}" type="datetimeFigureOut">
               <a:rPr lang="x-none" smtClean="0"/>
-              <a:t>6/8/23</a:t>
+              <a:t>6/13/23</a:t>
             </a:fld>
             <a:endParaRPr lang="x-none"/>
           </a:p>
@@ -8354,7 +8357,7 @@
           <a:p>
             <a:fld id="{30263952-EF9F-574F-8E67-8B7132D3334C}" type="datetimeFigureOut">
               <a:rPr lang="x-none" smtClean="0"/>
-              <a:t>6/8/23</a:t>
+              <a:t>6/13/23</a:t>
             </a:fld>
             <a:endParaRPr lang="x-none"/>
           </a:p>
@@ -8567,7 +8570,7 @@
           <a:p>
             <a:fld id="{30263952-EF9F-574F-8E67-8B7132D3334C}" type="datetimeFigureOut">
               <a:rPr lang="x-none" smtClean="0"/>
-              <a:t>6/8/23</a:t>
+              <a:t>6/13/23</a:t>
             </a:fld>
             <a:endParaRPr lang="x-none"/>
           </a:p>
@@ -9369,348 +9372,32 @@
         </p:nvSpPr>
         <p:spPr/>
         <p:txBody>
-          <a:bodyPr/>
+          <a:bodyPr vert="horz" lIns="91440" tIns="45720" rIns="91440" bIns="45720" rtlCol="0" anchor="ctr">
+            <a:normAutofit/>
+          </a:bodyPr>
           <a:lstStyle/>
           <a:p>
             <a:r>
-              <a:rPr lang="en-US" dirty="0"/>
-              <a:t>Conclusion/Your thoughts</a:t>
-            </a:r>
-            <a:endParaRPr lang="x-none" dirty="0"/>
-          </a:p>
-        </p:txBody>
-      </p:sp>
-      <p:graphicFrame>
-        <p:nvGraphicFramePr>
-          <p:cNvPr id="5" name="Content Placeholder 2">
-            <a:extLst>
-              <a:ext uri="{FF2B5EF4-FFF2-40B4-BE49-F238E27FC236}">
-                <a16:creationId xmlns:a16="http://schemas.microsoft.com/office/drawing/2014/main" id="{794C3A0B-4391-36B5-57AB-9F0571380CE0}"/>
-              </a:ext>
-            </a:extLst>
-          </p:cNvPr>
-          <p:cNvGraphicFramePr>
-            <a:graphicFrameLocks noGrp="1"/>
-          </p:cNvGraphicFramePr>
-          <p:nvPr>
-            <p:ph idx="1"/>
-            <p:extLst>
-              <p:ext uri="{D42A27DB-BD31-4B8C-83A1-F6EECF244321}">
-                <p14:modId xmlns:p14="http://schemas.microsoft.com/office/powerpoint/2010/main" val="1580873191"/>
-              </p:ext>
-            </p:extLst>
-          </p:nvPr>
-        </p:nvGraphicFramePr>
-        <p:xfrm>
-          <a:off x="681038" y="1690691"/>
-          <a:ext cx="8543925" cy="4486272"/>
-        </p:xfrm>
-        <a:graphic>
-          <a:graphicData uri="http://schemas.openxmlformats.org/drawingml/2006/diagram">
-            <dgm:relIds xmlns:dgm="http://schemas.openxmlformats.org/drawingml/2006/diagram" xmlns:r="http://schemas.openxmlformats.org/officeDocument/2006/relationships" r:dm="rId2" r:lo="rId3" r:qs="rId4" r:cs="rId5"/>
-          </a:graphicData>
-        </a:graphic>
-      </p:graphicFrame>
-    </p:spTree>
-    <p:extLst>
-      <p:ext uri="{BB962C8B-B14F-4D97-AF65-F5344CB8AC3E}">
-        <p14:creationId xmlns:p14="http://schemas.microsoft.com/office/powerpoint/2010/main" val="1420543566"/>
-      </p:ext>
-    </p:extLst>
-  </p:cSld>
-  <p:clrMapOvr>
-    <a:masterClrMapping/>
-  </p:clrMapOvr>
-</p:sld>
-</file>
-
-<file path=ppt/slides/slide11.xml><?xml version="1.0" encoding="utf-8"?>
-<p:sld xmlns:a="http://schemas.openxmlformats.org/drawingml/2006/main" xmlns:r="http://schemas.openxmlformats.org/officeDocument/2006/relationships" xmlns:p="http://schemas.openxmlformats.org/presentationml/2006/main">
-  <p:cSld>
-    <p:bg>
-      <p:bgPr>
-        <a:solidFill>
-          <a:schemeClr val="bg1"/>
-        </a:solidFill>
-        <a:effectLst/>
-      </p:bgPr>
-    </p:bg>
-    <p:spTree>
-      <p:nvGrpSpPr>
-        <p:cNvPr id="1" name=""/>
-        <p:cNvGrpSpPr/>
-        <p:nvPr/>
-      </p:nvGrpSpPr>
-      <p:grpSpPr>
-        <a:xfrm>
-          <a:off x="0" y="0"/>
-          <a:ext cx="0" cy="0"/>
-          <a:chOff x="0" y="0"/>
-          <a:chExt cx="0" cy="0"/>
-        </a:xfrm>
-      </p:grpSpPr>
-      <p:sp useBgFill="1">
-        <p:nvSpPr>
-          <p:cNvPr id="8" name="Rectangle 7">
-            <a:extLst>
-              <a:ext uri="{FF2B5EF4-FFF2-40B4-BE49-F238E27FC236}">
-                <a16:creationId xmlns:a16="http://schemas.microsoft.com/office/drawing/2014/main" id="{98DDA986-B6EE-4642-AC60-0490373E69D0}"/>
-              </a:ext>
-              <a:ext uri="{C183D7F6-B498-43B3-948B-1728B52AA6E4}">
-                <adec:decorative xmlns:adec="http://schemas.microsoft.com/office/drawing/2017/decorative" val="1"/>
-              </a:ext>
-            </a:extLst>
-          </p:cNvPr>
-          <p:cNvSpPr>
-            <a:spLocks noGrp="1" noRot="1" noChangeAspect="1" noMove="1" noResize="1" noEditPoints="1" noAdjustHandles="1" noChangeArrowheads="1" noChangeShapeType="1" noTextEdit="1"/>
-          </p:cNvSpPr>
-          <p:nvPr>
-            <p:extLst>
-              <p:ext uri="{386F3935-93C4-4BCD-93E2-E3B085C9AB24}">
-                <p16:designElem xmlns:p16="http://schemas.microsoft.com/office/powerpoint/2015/main" val="1"/>
-              </p:ext>
-            </p:extLst>
-          </p:nvPr>
-        </p:nvSpPr>
-        <p:spPr>
-          <a:xfrm>
-            <a:off x="0" y="0"/>
-            <a:ext cx="9906000" cy="6858000"/>
-          </a:xfrm>
-          <a:prstGeom prst="rect">
-            <a:avLst/>
-          </a:prstGeom>
-          <a:ln w="12700" cap="flat" cmpd="sng" algn="ctr">
-            <a:noFill/>
-            <a:prstDash val="solid"/>
-            <a:miter lim="800000"/>
-          </a:ln>
-          <a:effectLst/>
-          <a:extLst>
-            <a:ext uri="{91240B29-F687-4F45-9708-019B960494DF}">
-              <a14:hiddenLine xmlns:a14="http://schemas.microsoft.com/office/drawing/2010/main" w="12700" cap="flat" cmpd="sng" algn="ctr">
-                <a:solidFill>
-                  <a:schemeClr val="accent1">
-                    <a:shade val="50000"/>
-                  </a:schemeClr>
-                </a:solidFill>
-                <a:prstDash val="solid"/>
-                <a:miter lim="800000"/>
-              </a14:hiddenLine>
-            </a:ext>
-          </a:extLst>
-        </p:spPr>
-        <p:style>
-          <a:lnRef idx="2">
-            <a:schemeClr val="accent1">
-              <a:shade val="50000"/>
-            </a:schemeClr>
-          </a:lnRef>
-          <a:fillRef idx="1">
-            <a:schemeClr val="accent1"/>
-          </a:fillRef>
-          <a:effectRef idx="0">
-            <a:schemeClr val="accent1"/>
-          </a:effectRef>
-          <a:fontRef idx="minor">
-            <a:schemeClr val="lt1"/>
-          </a:fontRef>
-        </p:style>
-        <p:txBody>
-          <a:bodyPr rtlCol="0" anchor="ctr"/>
-          <a:lstStyle/>
-          <a:p>
-            <a:pPr algn="ctr"/>
-            <a:endParaRPr lang="en-US"/>
+              <a:rPr lang="en-US" sz="3600" dirty="0"/>
+              <a:t>Experiment Results</a:t>
+            </a:r>
+            <a:endParaRPr lang="en-US" sz="3600" kern="1200" dirty="0">
+              <a:solidFill>
+                <a:schemeClr val="tx1"/>
+              </a:solidFill>
+              <a:latin typeface="+mj-lt"/>
+              <a:ea typeface="+mj-ea"/>
+              <a:cs typeface="+mj-cs"/>
+            </a:endParaRPr>
           </a:p>
         </p:txBody>
       </p:sp>
       <p:sp>
         <p:nvSpPr>
-          <p:cNvPr id="10" name="Rectangle 9">
+          <p:cNvPr id="21" name="Content Placeholder 20">
             <a:extLst>
               <a:ext uri="{FF2B5EF4-FFF2-40B4-BE49-F238E27FC236}">
-                <a16:creationId xmlns:a16="http://schemas.microsoft.com/office/drawing/2014/main" id="{80B62878-12EF-4E97-A284-47BAFC30DA2E}"/>
-              </a:ext>
-              <a:ext uri="{C183D7F6-B498-43B3-948B-1728B52AA6E4}">
-                <adec:decorative xmlns:adec="http://schemas.microsoft.com/office/drawing/2017/decorative" val="1"/>
-              </a:ext>
-            </a:extLst>
-          </p:cNvPr>
-          <p:cNvSpPr>
-            <a:spLocks noGrp="1" noRot="1" noChangeAspect="1" noMove="1" noResize="1" noEditPoints="1" noAdjustHandles="1" noChangeArrowheads="1" noChangeShapeType="1" noTextEdit="1"/>
-          </p:cNvSpPr>
-          <p:nvPr>
-            <p:extLst>
-              <p:ext uri="{386F3935-93C4-4BCD-93E2-E3B085C9AB24}">
-                <p16:designElem xmlns:p16="http://schemas.microsoft.com/office/powerpoint/2015/main" val="1"/>
-              </p:ext>
-            </p:extLst>
-          </p:nvPr>
-        </p:nvSpPr>
-        <p:spPr>
-          <a:xfrm>
-            <a:off x="0" y="0"/>
-            <a:ext cx="9906000" cy="6858000"/>
-          </a:xfrm>
-          <a:prstGeom prst="rect">
-            <a:avLst/>
-          </a:prstGeom>
-          <a:solidFill>
-            <a:schemeClr val="accent2">
-              <a:lumMod val="20000"/>
-              <a:lumOff val="80000"/>
-            </a:schemeClr>
-          </a:solidFill>
-          <a:ln>
-            <a:noFill/>
-          </a:ln>
-        </p:spPr>
-        <p:style>
-          <a:lnRef idx="2">
-            <a:schemeClr val="accent1">
-              <a:shade val="50000"/>
-            </a:schemeClr>
-          </a:lnRef>
-          <a:fillRef idx="1">
-            <a:schemeClr val="accent1"/>
-          </a:fillRef>
-          <a:effectRef idx="0">
-            <a:schemeClr val="accent1"/>
-          </a:effectRef>
-          <a:fontRef idx="minor">
-            <a:schemeClr val="lt1"/>
-          </a:fontRef>
-        </p:style>
-        <p:txBody>
-          <a:bodyPr rtlCol="0" anchor="ctr"/>
-          <a:lstStyle/>
-          <a:p>
-            <a:pPr algn="ctr"/>
-            <a:endParaRPr lang="en-US"/>
-          </a:p>
-        </p:txBody>
-      </p:sp>
-      <p:sp>
-        <p:nvSpPr>
-          <p:cNvPr id="12" name="Rectangle 11">
-            <a:extLst>
-              <a:ext uri="{FF2B5EF4-FFF2-40B4-BE49-F238E27FC236}">
-                <a16:creationId xmlns:a16="http://schemas.microsoft.com/office/drawing/2014/main" id="{6D79188D-1ED5-4705-B8C7-5D6FB7670AB3}"/>
-              </a:ext>
-              <a:ext uri="{C183D7F6-B498-43B3-948B-1728B52AA6E4}">
-                <adec:decorative xmlns:adec="http://schemas.microsoft.com/office/drawing/2017/decorative" val="1"/>
-              </a:ext>
-            </a:extLst>
-          </p:cNvPr>
-          <p:cNvSpPr>
-            <a:spLocks noGrp="1" noRot="1" noChangeAspect="1" noMove="1" noResize="1" noEditPoints="1" noAdjustHandles="1" noChangeArrowheads="1" noChangeShapeType="1" noTextEdit="1"/>
-          </p:cNvSpPr>
-          <p:nvPr>
-            <p:extLst>
-              <p:ext uri="{386F3935-93C4-4BCD-93E2-E3B085C9AB24}">
-                <p16:designElem xmlns:p16="http://schemas.microsoft.com/office/powerpoint/2015/main" val="1"/>
-              </p:ext>
-            </p:extLst>
-          </p:nvPr>
-        </p:nvSpPr>
-        <p:spPr>
-          <a:xfrm>
-            <a:off x="565105" y="685800"/>
-            <a:ext cx="8775789" cy="5486400"/>
-          </a:xfrm>
-          <a:prstGeom prst="rect">
-            <a:avLst/>
-          </a:prstGeom>
-          <a:solidFill>
-            <a:schemeClr val="bg1"/>
-          </a:solidFill>
-          <a:ln>
-            <a:noFill/>
-          </a:ln>
-        </p:spPr>
-        <p:style>
-          <a:lnRef idx="2">
-            <a:schemeClr val="accent1">
-              <a:shade val="50000"/>
-            </a:schemeClr>
-          </a:lnRef>
-          <a:fillRef idx="1">
-            <a:schemeClr val="accent1"/>
-          </a:fillRef>
-          <a:effectRef idx="0">
-            <a:schemeClr val="accent1"/>
-          </a:effectRef>
-          <a:fontRef idx="minor">
-            <a:schemeClr val="lt1"/>
-          </a:fontRef>
-        </p:style>
-        <p:txBody>
-          <a:bodyPr rtlCol="0" anchor="ctr"/>
-          <a:lstStyle/>
-          <a:p>
-            <a:pPr algn="ctr"/>
-            <a:endParaRPr lang="en-US"/>
-          </a:p>
-        </p:txBody>
-      </p:sp>
-      <p:sp>
-        <p:nvSpPr>
-          <p:cNvPr id="2" name="Title 1">
-            <a:extLst>
-              <a:ext uri="{FF2B5EF4-FFF2-40B4-BE49-F238E27FC236}">
-                <a16:creationId xmlns:a16="http://schemas.microsoft.com/office/drawing/2014/main" id="{8CD68CC9-5290-CA44-80BF-980FA5C9772E}"/>
-              </a:ext>
-            </a:extLst>
-          </p:cNvPr>
-          <p:cNvSpPr>
-            <a:spLocks noGrp="1"/>
-          </p:cNvSpPr>
-          <p:nvPr>
-            <p:ph type="title"/>
-          </p:nvPr>
-        </p:nvSpPr>
-        <p:spPr>
-          <a:xfrm>
-            <a:off x="1313043" y="1261137"/>
-            <a:ext cx="7279913" cy="888360"/>
-          </a:xfrm>
-        </p:spPr>
-        <p:txBody>
-          <a:bodyPr anchor="b">
-            <a:normAutofit/>
-          </a:bodyPr>
-          <a:lstStyle/>
-          <a:p>
-            <a:pPr algn="ctr"/>
-            <a:r>
-              <a:rPr lang="en-US" sz="3600" b="1" dirty="0">
-                <a:solidFill>
-                  <a:schemeClr val="tx1">
-                    <a:lumMod val="65000"/>
-                    <a:lumOff val="35000"/>
-                  </a:schemeClr>
-                </a:solidFill>
-              </a:rPr>
-              <a:t>Action items</a:t>
-            </a:r>
-            <a:endParaRPr lang="x-none" sz="3600" b="1">
-              <a:solidFill>
-                <a:schemeClr val="tx1">
-                  <a:lumMod val="65000"/>
-                  <a:lumOff val="35000"/>
-                </a:schemeClr>
-              </a:solidFill>
-            </a:endParaRPr>
-          </a:p>
-        </p:txBody>
-      </p:sp>
-      <p:sp>
-        <p:nvSpPr>
-          <p:cNvPr id="3" name="Content Placeholder 2">
-            <a:extLst>
-              <a:ext uri="{FF2B5EF4-FFF2-40B4-BE49-F238E27FC236}">
-                <a16:creationId xmlns:a16="http://schemas.microsoft.com/office/drawing/2014/main" id="{470DCF87-3B99-6A40-813B-84A2E5356F75}"/>
+                <a16:creationId xmlns:a16="http://schemas.microsoft.com/office/drawing/2014/main" id="{11EFBED9-E4D9-0AF9-5025-88897EA85708}"/>
               </a:ext>
             </a:extLst>
           </p:cNvPr>
@@ -9723,299 +9410,39 @@
         </p:nvSpPr>
         <p:spPr>
           <a:xfrm>
-            <a:off x="1313043" y="2427383"/>
-            <a:ext cx="7279913" cy="3169482"/>
+            <a:off x="681038" y="2381249"/>
+            <a:ext cx="8543925" cy="3795713"/>
           </a:xfrm>
         </p:spPr>
         <p:txBody>
-          <a:bodyPr anchor="t">
-            <a:normAutofit/>
-          </a:bodyPr>
-          <a:lstStyle/>
-          <a:p>
-            <a:r>
-              <a:rPr lang="en-US" sz="2400" dirty="0">
-                <a:solidFill>
-                  <a:schemeClr val="tx1">
-                    <a:lumMod val="65000"/>
-                    <a:lumOff val="35000"/>
-                  </a:schemeClr>
-                </a:solidFill>
-              </a:rPr>
-              <a:t>Implementing SZ compression in XIOS used the H5Z-SZ filter from </a:t>
-            </a:r>
-            <a:r>
-              <a:rPr lang="en-US" sz="2400" dirty="0" err="1">
-                <a:solidFill>
-                  <a:schemeClr val="tx1">
-                    <a:lumMod val="65000"/>
-                    <a:lumOff val="35000"/>
-                  </a:schemeClr>
-                </a:solidFill>
-              </a:rPr>
-              <a:t>NetCDF</a:t>
-            </a:r>
-            <a:r>
-              <a:rPr lang="en-US" sz="2400" dirty="0">
-                <a:solidFill>
-                  <a:schemeClr val="tx1">
-                    <a:lumMod val="65000"/>
-                    <a:lumOff val="35000"/>
-                  </a:schemeClr>
-                </a:solidFill>
-              </a:rPr>
-              <a:t> API calls.</a:t>
-            </a:r>
-          </a:p>
-          <a:p>
-            <a:r>
-              <a:rPr lang="en-US" sz="2400" dirty="0">
-                <a:solidFill>
-                  <a:schemeClr val="tx1">
-                    <a:lumMod val="65000"/>
-                    <a:lumOff val="35000"/>
-                  </a:schemeClr>
-                </a:solidFill>
-              </a:rPr>
-              <a:t>Modified XIOS to perform SZ compression by utilizing</a:t>
-            </a:r>
-            <a:endParaRPr lang="x-none" sz="2400">
-              <a:solidFill>
-                <a:schemeClr val="tx1">
-                  <a:lumMod val="65000"/>
-                  <a:lumOff val="35000"/>
-                </a:schemeClr>
-              </a:solidFill>
-            </a:endParaRPr>
-          </a:p>
-        </p:txBody>
-      </p:sp>
-    </p:spTree>
-    <p:extLst>
-      <p:ext uri="{BB962C8B-B14F-4D97-AF65-F5344CB8AC3E}">
-        <p14:creationId xmlns:p14="http://schemas.microsoft.com/office/powerpoint/2010/main" val="1434249210"/>
-      </p:ext>
-    </p:extLst>
-  </p:cSld>
-  <p:clrMapOvr>
-    <a:masterClrMapping/>
-  </p:clrMapOvr>
-</p:sld>
-</file>
-
-<file path=ppt/slides/slide2.xml><?xml version="1.0" encoding="utf-8"?>
-<p:sld xmlns:a="http://schemas.openxmlformats.org/drawingml/2006/main" xmlns:r="http://schemas.openxmlformats.org/officeDocument/2006/relationships" xmlns:p="http://schemas.openxmlformats.org/presentationml/2006/main">
-  <p:cSld>
-    <p:spTree>
-      <p:nvGrpSpPr>
-        <p:cNvPr id="1" name=""/>
-        <p:cNvGrpSpPr/>
-        <p:nvPr/>
-      </p:nvGrpSpPr>
-      <p:grpSpPr>
-        <a:xfrm>
-          <a:off x="0" y="0"/>
-          <a:ext cx="0" cy="0"/>
-          <a:chOff x="0" y="0"/>
-          <a:chExt cx="0" cy="0"/>
-        </a:xfrm>
-      </p:grpSpPr>
-      <p:sp>
-        <p:nvSpPr>
-          <p:cNvPr id="2" name="Title 1">
-            <a:extLst>
-              <a:ext uri="{FF2B5EF4-FFF2-40B4-BE49-F238E27FC236}">
-                <a16:creationId xmlns:a16="http://schemas.microsoft.com/office/drawing/2014/main" id="{8CD68CC9-5290-CA44-80BF-980FA5C9772E}"/>
-              </a:ext>
-            </a:extLst>
-          </p:cNvPr>
-          <p:cNvSpPr>
-            <a:spLocks noGrp="1"/>
-          </p:cNvSpPr>
-          <p:nvPr>
-            <p:ph type="title"/>
-          </p:nvPr>
-        </p:nvSpPr>
-        <p:spPr/>
-        <p:txBody>
           <a:bodyPr/>
           <a:lstStyle/>
           <a:p>
             <a:r>
               <a:rPr lang="en-US" dirty="0"/>
-              <a:t>Summary</a:t>
-            </a:r>
-            <a:endParaRPr lang="x-none" dirty="0"/>
-          </a:p>
-        </p:txBody>
-      </p:sp>
-      <p:graphicFrame>
-        <p:nvGraphicFramePr>
-          <p:cNvPr id="5" name="Content Placeholder 2">
-            <a:extLst>
-              <a:ext uri="{FF2B5EF4-FFF2-40B4-BE49-F238E27FC236}">
-                <a16:creationId xmlns:a16="http://schemas.microsoft.com/office/drawing/2014/main" id="{F1691754-C045-1B32-EE64-19ED85539E6B}"/>
-              </a:ext>
-            </a:extLst>
-          </p:cNvPr>
-          <p:cNvGraphicFramePr>
-            <a:graphicFrameLocks noGrp="1"/>
-          </p:cNvGraphicFramePr>
-          <p:nvPr>
-            <p:ph idx="1"/>
-            <p:extLst>
-              <p:ext uri="{D42A27DB-BD31-4B8C-83A1-F6EECF244321}">
-                <p14:modId xmlns:p14="http://schemas.microsoft.com/office/powerpoint/2010/main" val="2240489191"/>
-              </p:ext>
-            </p:extLst>
-          </p:nvPr>
-        </p:nvGraphicFramePr>
-        <p:xfrm>
-          <a:off x="681038" y="1690691"/>
-          <a:ext cx="8543925" cy="4486272"/>
-        </p:xfrm>
-        <a:graphic>
-          <a:graphicData uri="http://schemas.openxmlformats.org/drawingml/2006/diagram">
-            <dgm:relIds xmlns:dgm="http://schemas.openxmlformats.org/drawingml/2006/diagram" xmlns:r="http://schemas.openxmlformats.org/officeDocument/2006/relationships" r:dm="rId2" r:lo="rId3" r:qs="rId4" r:cs="rId5"/>
-          </a:graphicData>
-        </a:graphic>
-      </p:graphicFrame>
-    </p:spTree>
-    <p:extLst>
-      <p:ext uri="{BB962C8B-B14F-4D97-AF65-F5344CB8AC3E}">
-        <p14:creationId xmlns:p14="http://schemas.microsoft.com/office/powerpoint/2010/main" val="3304241832"/>
-      </p:ext>
-    </p:extLst>
-  </p:cSld>
-  <p:clrMapOvr>
-    <a:masterClrMapping/>
-  </p:clrMapOvr>
-</p:sld>
-</file>
-
-<file path=ppt/slides/slide3.xml><?xml version="1.0" encoding="utf-8"?>
-<p:sld xmlns:a="http://schemas.openxmlformats.org/drawingml/2006/main" xmlns:r="http://schemas.openxmlformats.org/officeDocument/2006/relationships" xmlns:p="http://schemas.openxmlformats.org/presentationml/2006/main">
-  <p:cSld>
-    <p:bg>
-      <p:bgPr>
-        <a:solidFill>
-          <a:schemeClr val="bg1"/>
-        </a:solidFill>
-        <a:effectLst/>
-      </p:bgPr>
-    </p:bg>
-    <p:spTree>
-      <p:nvGrpSpPr>
-        <p:cNvPr id="1" name=""/>
-        <p:cNvGrpSpPr/>
-        <p:nvPr/>
-      </p:nvGrpSpPr>
-      <p:grpSpPr>
-        <a:xfrm>
-          <a:off x="0" y="0"/>
-          <a:ext cx="0" cy="0"/>
-          <a:chOff x="0" y="0"/>
-          <a:chExt cx="0" cy="0"/>
-        </a:xfrm>
-      </p:grpSpPr>
-      <p:sp useBgFill="1">
-        <p:nvSpPr>
-          <p:cNvPr id="10" name="Rectangle 9">
-            <a:extLst>
-              <a:ext uri="{FF2B5EF4-FFF2-40B4-BE49-F238E27FC236}">
-                <a16:creationId xmlns:a16="http://schemas.microsoft.com/office/drawing/2014/main" id="{1A95671B-3CC6-4792-9114-B74FAEA224E6}"/>
-              </a:ext>
-              <a:ext uri="{C183D7F6-B498-43B3-948B-1728B52AA6E4}">
-                <adec:decorative xmlns:adec="http://schemas.microsoft.com/office/drawing/2017/decorative" val="1"/>
-              </a:ext>
-            </a:extLst>
-          </p:cNvPr>
-          <p:cNvSpPr>
-            <a:spLocks noGrp="1" noRot="1" noChangeAspect="1" noMove="1" noResize="1" noEditPoints="1" noAdjustHandles="1" noChangeArrowheads="1" noChangeShapeType="1" noTextEdit="1"/>
-          </p:cNvSpPr>
-          <p:nvPr>
-            <p:extLst>
-              <p:ext uri="{386F3935-93C4-4BCD-93E2-E3B085C9AB24}">
-                <p16:designElem xmlns:p16="http://schemas.microsoft.com/office/powerpoint/2015/main" val="1"/>
-              </p:ext>
-            </p:extLst>
-          </p:nvPr>
-        </p:nvSpPr>
-        <p:spPr>
-          <a:xfrm>
-            <a:off x="0" y="0"/>
-            <a:ext cx="9903523" cy="6858000"/>
-          </a:xfrm>
-          <a:prstGeom prst="rect">
-            <a:avLst/>
-          </a:prstGeom>
-          <a:ln>
-            <a:noFill/>
-          </a:ln>
-        </p:spPr>
-        <p:style>
-          <a:lnRef idx="2">
-            <a:schemeClr val="accent1">
-              <a:shade val="50000"/>
-            </a:schemeClr>
-          </a:lnRef>
-          <a:fillRef idx="1">
-            <a:schemeClr val="accent1"/>
-          </a:fillRef>
-          <a:effectRef idx="0">
-            <a:schemeClr val="accent1"/>
-          </a:effectRef>
-          <a:fontRef idx="minor">
-            <a:schemeClr val="lt1"/>
-          </a:fontRef>
-        </p:style>
-        <p:txBody>
-          <a:bodyPr rtlCol="0" anchor="ctr"/>
-          <a:lstStyle/>
-          <a:p>
-            <a:pPr algn="ctr"/>
-            <a:endParaRPr lang="en-US"/>
-          </a:p>
-        </p:txBody>
-      </p:sp>
-      <p:sp>
-        <p:nvSpPr>
-          <p:cNvPr id="2" name="Title 1">
-            <a:extLst>
-              <a:ext uri="{FF2B5EF4-FFF2-40B4-BE49-F238E27FC236}">
-                <a16:creationId xmlns:a16="http://schemas.microsoft.com/office/drawing/2014/main" id="{8CD68CC9-5290-CA44-80BF-980FA5C9772E}"/>
-              </a:ext>
-            </a:extLst>
-          </p:cNvPr>
-          <p:cNvSpPr>
-            <a:spLocks noGrp="1"/>
-          </p:cNvSpPr>
-          <p:nvPr>
-            <p:ph type="title"/>
-          </p:nvPr>
-        </p:nvSpPr>
-        <p:spPr>
-          <a:xfrm>
-            <a:off x="819149" y="174032"/>
-            <a:ext cx="8267700" cy="1111843"/>
-          </a:xfrm>
-        </p:spPr>
-        <p:txBody>
-          <a:bodyPr vert="horz" lIns="91440" tIns="45720" rIns="91440" bIns="45720" rtlCol="0" anchor="ctr">
-            <a:normAutofit/>
-          </a:bodyPr>
-          <a:lstStyle/>
-          <a:p>
-            <a:r>
-              <a:rPr lang="en-US" sz="3600" kern="1200" dirty="0">
-                <a:solidFill>
-                  <a:schemeClr val="tx1"/>
-                </a:solidFill>
-                <a:latin typeface="+mj-lt"/>
-                <a:ea typeface="+mj-ea"/>
-                <a:cs typeface="+mj-cs"/>
-              </a:rPr>
-              <a:t>Integrate SZ Compression in XIOS</a:t>
+              <a:t>Scenario</a:t>
+            </a:r>
+          </a:p>
+          <a:p>
+            <a:pPr lvl="1"/>
+            <a:r>
+              <a:rPr lang="en-US" dirty="0" err="1"/>
+              <a:t>nocompress</a:t>
+            </a:r>
+            <a:r>
+              <a:rPr lang="en-US" dirty="0"/>
+              <a:t>: r3316_N96eORCA1_kmt-ab447_gnu</a:t>
+            </a:r>
+          </a:p>
+          <a:p>
+            <a:pPr lvl="1"/>
+            <a:r>
+              <a:rPr lang="en-US" dirty="0" err="1"/>
+              <a:t>gzip</a:t>
+            </a:r>
+            <a:r>
+              <a:rPr lang="en-US" dirty="0"/>
+              <a:t>: r3316_N96eORCA1_kmt-ab447_gzip</a:t>
             </a:r>
           </a:p>
         </p:txBody>
@@ -10229,1527 +9656,6 @@
             <a:pPr marL="0"/>
             <a:r>
               <a:rPr lang="en-US" dirty="0"/>
-              <a:t>Introduction</a:t>
-            </a:r>
-          </a:p>
-        </p:txBody>
-      </p:sp>
-      <p:sp>
-        <p:nvSpPr>
-          <p:cNvPr id="12" name="Content Placeholder 11">
-            <a:extLst>
-              <a:ext uri="{FF2B5EF4-FFF2-40B4-BE49-F238E27FC236}">
-                <a16:creationId xmlns:a16="http://schemas.microsoft.com/office/drawing/2014/main" id="{243C258F-452F-B757-EB95-FC1B37D21CC4}"/>
-              </a:ext>
-            </a:extLst>
-          </p:cNvPr>
-          <p:cNvSpPr>
-            <a:spLocks noGrp="1"/>
-          </p:cNvSpPr>
-          <p:nvPr>
-            <p:ph idx="1"/>
-          </p:nvPr>
-        </p:nvSpPr>
-        <p:spPr>
-          <a:xfrm>
-            <a:off x="681038" y="2401843"/>
-            <a:ext cx="8543925" cy="3775120"/>
-          </a:xfrm>
-        </p:spPr>
-        <p:txBody>
-          <a:bodyPr/>
-          <a:lstStyle/>
-          <a:p>
-            <a:r>
-              <a:rPr lang="en-US" dirty="0"/>
-              <a:t>XIOS, is a library for managing climate data I/O. The configuration is based on XML.</a:t>
-            </a:r>
-          </a:p>
-          <a:p>
-            <a:r>
-              <a:rPr lang="en-US" dirty="0"/>
-              <a:t>SZ is lossless compression that offer high compression ratio supported C and Fortran API.</a:t>
-            </a:r>
-          </a:p>
-        </p:txBody>
-      </p:sp>
-    </p:spTree>
-    <p:extLst>
-      <p:ext uri="{BB962C8B-B14F-4D97-AF65-F5344CB8AC3E}">
-        <p14:creationId xmlns:p14="http://schemas.microsoft.com/office/powerpoint/2010/main" val="502780945"/>
-      </p:ext>
-    </p:extLst>
-  </p:cSld>
-  <p:clrMapOvr>
-    <a:masterClrMapping/>
-  </p:clrMapOvr>
-</p:sld>
-</file>
-
-<file path=ppt/slides/slide4.xml><?xml version="1.0" encoding="utf-8"?>
-<p:sld xmlns:a="http://schemas.openxmlformats.org/drawingml/2006/main" xmlns:r="http://schemas.openxmlformats.org/officeDocument/2006/relationships" xmlns:p="http://schemas.openxmlformats.org/presentationml/2006/main">
-  <p:cSld>
-    <p:bg>
-      <p:bgPr>
-        <a:solidFill>
-          <a:schemeClr val="bg1"/>
-        </a:solidFill>
-        <a:effectLst/>
-      </p:bgPr>
-    </p:bg>
-    <p:spTree>
-      <p:nvGrpSpPr>
-        <p:cNvPr id="1" name=""/>
-        <p:cNvGrpSpPr/>
-        <p:nvPr/>
-      </p:nvGrpSpPr>
-      <p:grpSpPr>
-        <a:xfrm>
-          <a:off x="0" y="0"/>
-          <a:ext cx="0" cy="0"/>
-          <a:chOff x="0" y="0"/>
-          <a:chExt cx="0" cy="0"/>
-        </a:xfrm>
-      </p:grpSpPr>
-      <p:sp useBgFill="1">
-        <p:nvSpPr>
-          <p:cNvPr id="10" name="Rectangle 9">
-            <a:extLst>
-              <a:ext uri="{FF2B5EF4-FFF2-40B4-BE49-F238E27FC236}">
-                <a16:creationId xmlns:a16="http://schemas.microsoft.com/office/drawing/2014/main" id="{1A95671B-3CC6-4792-9114-B74FAEA224E6}"/>
-              </a:ext>
-              <a:ext uri="{C183D7F6-B498-43B3-948B-1728B52AA6E4}">
-                <adec:decorative xmlns:adec="http://schemas.microsoft.com/office/drawing/2017/decorative" val="1"/>
-              </a:ext>
-            </a:extLst>
-          </p:cNvPr>
-          <p:cNvSpPr>
-            <a:spLocks noGrp="1" noRot="1" noChangeAspect="1" noMove="1" noResize="1" noEditPoints="1" noAdjustHandles="1" noChangeArrowheads="1" noChangeShapeType="1" noTextEdit="1"/>
-          </p:cNvSpPr>
-          <p:nvPr>
-            <p:extLst>
-              <p:ext uri="{386F3935-93C4-4BCD-93E2-E3B085C9AB24}">
-                <p16:designElem xmlns:p16="http://schemas.microsoft.com/office/powerpoint/2015/main" val="1"/>
-              </p:ext>
-            </p:extLst>
-          </p:nvPr>
-        </p:nvSpPr>
-        <p:spPr>
-          <a:xfrm>
-            <a:off x="0" y="0"/>
-            <a:ext cx="9903523" cy="6858000"/>
-          </a:xfrm>
-          <a:prstGeom prst="rect">
-            <a:avLst/>
-          </a:prstGeom>
-          <a:ln>
-            <a:noFill/>
-          </a:ln>
-        </p:spPr>
-        <p:style>
-          <a:lnRef idx="2">
-            <a:schemeClr val="accent1">
-              <a:shade val="50000"/>
-            </a:schemeClr>
-          </a:lnRef>
-          <a:fillRef idx="1">
-            <a:schemeClr val="accent1"/>
-          </a:fillRef>
-          <a:effectRef idx="0">
-            <a:schemeClr val="accent1"/>
-          </a:effectRef>
-          <a:fontRef idx="minor">
-            <a:schemeClr val="lt1"/>
-          </a:fontRef>
-        </p:style>
-        <p:txBody>
-          <a:bodyPr rtlCol="0" anchor="ctr"/>
-          <a:lstStyle/>
-          <a:p>
-            <a:pPr algn="ctr"/>
-            <a:endParaRPr lang="en-US"/>
-          </a:p>
-        </p:txBody>
-      </p:sp>
-      <p:sp>
-        <p:nvSpPr>
-          <p:cNvPr id="2" name="Title 1">
-            <a:extLst>
-              <a:ext uri="{FF2B5EF4-FFF2-40B4-BE49-F238E27FC236}">
-                <a16:creationId xmlns:a16="http://schemas.microsoft.com/office/drawing/2014/main" id="{8CD68CC9-5290-CA44-80BF-980FA5C9772E}"/>
-              </a:ext>
-            </a:extLst>
-          </p:cNvPr>
-          <p:cNvSpPr>
-            <a:spLocks noGrp="1"/>
-          </p:cNvSpPr>
-          <p:nvPr>
-            <p:ph type="title"/>
-          </p:nvPr>
-        </p:nvSpPr>
-        <p:spPr>
-          <a:xfrm>
-            <a:off x="819149" y="174032"/>
-            <a:ext cx="8267700" cy="1111843"/>
-          </a:xfrm>
-        </p:spPr>
-        <p:txBody>
-          <a:bodyPr vert="horz" lIns="91440" tIns="45720" rIns="91440" bIns="45720" rtlCol="0" anchor="ctr">
-            <a:normAutofit/>
-          </a:bodyPr>
-          <a:lstStyle/>
-          <a:p>
-            <a:r>
-              <a:rPr lang="en-US" sz="3600" kern="1200" dirty="0">
-                <a:solidFill>
-                  <a:schemeClr val="tx1"/>
-                </a:solidFill>
-                <a:latin typeface="+mj-lt"/>
-                <a:ea typeface="+mj-ea"/>
-                <a:cs typeface="+mj-cs"/>
-              </a:rPr>
-              <a:t>Integrate SZ Compression in XIOS</a:t>
-            </a:r>
-          </a:p>
-        </p:txBody>
-      </p:sp>
-      <p:sp>
-        <p:nvSpPr>
-          <p:cNvPr id="4" name="Content Placeholder 2">
-            <a:extLst>
-              <a:ext uri="{FF2B5EF4-FFF2-40B4-BE49-F238E27FC236}">
-                <a16:creationId xmlns:a16="http://schemas.microsoft.com/office/drawing/2014/main" id="{B0DB67BD-27B4-564E-B96F-A0BF6F882EA1}"/>
-              </a:ext>
-            </a:extLst>
-          </p:cNvPr>
-          <p:cNvSpPr txBox="1">
-            <a:spLocks/>
-          </p:cNvSpPr>
-          <p:nvPr/>
-        </p:nvSpPr>
-        <p:spPr>
-          <a:xfrm>
-            <a:off x="819149" y="1459907"/>
-            <a:ext cx="8267699" cy="767904"/>
-          </a:xfrm>
-          <a:prstGeom prst="rect">
-            <a:avLst/>
-          </a:prstGeom>
-        </p:spPr>
-        <p:style>
-          <a:lnRef idx="1">
-            <a:schemeClr val="accent4"/>
-          </a:lnRef>
-          <a:fillRef idx="3">
-            <a:schemeClr val="accent4"/>
-          </a:fillRef>
-          <a:effectRef idx="2">
-            <a:schemeClr val="accent4"/>
-          </a:effectRef>
-          <a:fontRef idx="minor">
-            <a:schemeClr val="lt1"/>
-          </a:fontRef>
-        </p:style>
-        <p:txBody>
-          <a:bodyPr vert="horz" lIns="91440" tIns="45720" rIns="91440" bIns="45720" rtlCol="0" anchor="ctr">
-            <a:normAutofit/>
-          </a:bodyPr>
-          <a:lstStyle>
-            <a:lvl1pPr marL="228600" indent="-228600" algn="l" defTabSz="914400" rtl="0" eaLnBrk="1" latinLnBrk="0" hangingPunct="1">
-              <a:lnSpc>
-                <a:spcPct val="90000"/>
-              </a:lnSpc>
-              <a:spcBef>
-                <a:spcPts val="1000"/>
-              </a:spcBef>
-              <a:buFont typeface="Arial" panose="020B0604020202020204" pitchFamily="34" charset="0"/>
-              <a:buChar char="•"/>
-              <a:defRPr sz="2800" kern="1200">
-                <a:solidFill>
-                  <a:schemeClr val="tx1"/>
-                </a:solidFill>
-                <a:latin typeface="+mn-lt"/>
-                <a:ea typeface="+mn-ea"/>
-                <a:cs typeface="+mn-cs"/>
-              </a:defRPr>
-            </a:lvl1pPr>
-            <a:lvl2pPr marL="685800" indent="-228600" algn="l" defTabSz="914400" rtl="0" eaLnBrk="1" latinLnBrk="0" hangingPunct="1">
-              <a:lnSpc>
-                <a:spcPct val="90000"/>
-              </a:lnSpc>
-              <a:spcBef>
-                <a:spcPts val="500"/>
-              </a:spcBef>
-              <a:buFont typeface="Arial" panose="020B0604020202020204" pitchFamily="34" charset="0"/>
-              <a:buChar char="•"/>
-              <a:defRPr sz="2400" kern="1200">
-                <a:solidFill>
-                  <a:schemeClr val="tx1"/>
-                </a:solidFill>
-                <a:latin typeface="+mn-lt"/>
-                <a:ea typeface="+mn-ea"/>
-                <a:cs typeface="+mn-cs"/>
-              </a:defRPr>
-            </a:lvl2pPr>
-            <a:lvl3pPr marL="1143000" indent="-228600" algn="l" defTabSz="914400" rtl="0" eaLnBrk="1" latinLnBrk="0" hangingPunct="1">
-              <a:lnSpc>
-                <a:spcPct val="90000"/>
-              </a:lnSpc>
-              <a:spcBef>
-                <a:spcPts val="500"/>
-              </a:spcBef>
-              <a:buFont typeface="Arial" panose="020B0604020202020204" pitchFamily="34" charset="0"/>
-              <a:buChar char="•"/>
-              <a:defRPr sz="2000" kern="1200">
-                <a:solidFill>
-                  <a:schemeClr val="tx1"/>
-                </a:solidFill>
-                <a:latin typeface="+mn-lt"/>
-                <a:ea typeface="+mn-ea"/>
-                <a:cs typeface="+mn-cs"/>
-              </a:defRPr>
-            </a:lvl3pPr>
-            <a:lvl4pPr marL="1600200" indent="-228600" algn="l" defTabSz="914400" rtl="0" eaLnBrk="1" latinLnBrk="0" hangingPunct="1">
-              <a:lnSpc>
-                <a:spcPct val="90000"/>
-              </a:lnSpc>
-              <a:spcBef>
-                <a:spcPts val="500"/>
-              </a:spcBef>
-              <a:buFont typeface="Arial" panose="020B0604020202020204" pitchFamily="34" charset="0"/>
-              <a:buChar char="•"/>
-              <a:defRPr sz="1800" kern="1200">
-                <a:solidFill>
-                  <a:schemeClr val="tx1"/>
-                </a:solidFill>
-                <a:latin typeface="+mn-lt"/>
-                <a:ea typeface="+mn-ea"/>
-                <a:cs typeface="+mn-cs"/>
-              </a:defRPr>
-            </a:lvl4pPr>
-            <a:lvl5pPr marL="2057400" indent="-228600" algn="l" defTabSz="914400" rtl="0" eaLnBrk="1" latinLnBrk="0" hangingPunct="1">
-              <a:lnSpc>
-                <a:spcPct val="90000"/>
-              </a:lnSpc>
-              <a:spcBef>
-                <a:spcPts val="500"/>
-              </a:spcBef>
-              <a:buFont typeface="Arial" panose="020B0604020202020204" pitchFamily="34" charset="0"/>
-              <a:buChar char="•"/>
-              <a:defRPr sz="1800" kern="1200">
-                <a:solidFill>
-                  <a:schemeClr val="tx1"/>
-                </a:solidFill>
-                <a:latin typeface="+mn-lt"/>
-                <a:ea typeface="+mn-ea"/>
-                <a:cs typeface="+mn-cs"/>
-              </a:defRPr>
-            </a:lvl5pPr>
-            <a:lvl6pPr marL="2514600" indent="-228600" algn="l" defTabSz="914400" rtl="0" eaLnBrk="1" latinLnBrk="0" hangingPunct="1">
-              <a:lnSpc>
-                <a:spcPct val="90000"/>
-              </a:lnSpc>
-              <a:spcBef>
-                <a:spcPts val="500"/>
-              </a:spcBef>
-              <a:buFont typeface="Arial" panose="020B0604020202020204" pitchFamily="34" charset="0"/>
-              <a:buChar char="•"/>
-              <a:defRPr sz="1800" kern="1200">
-                <a:solidFill>
-                  <a:schemeClr val="tx1"/>
-                </a:solidFill>
-                <a:latin typeface="+mn-lt"/>
-                <a:ea typeface="+mn-ea"/>
-                <a:cs typeface="+mn-cs"/>
-              </a:defRPr>
-            </a:lvl6pPr>
-            <a:lvl7pPr marL="2971800" indent="-228600" algn="l" defTabSz="914400" rtl="0" eaLnBrk="1" latinLnBrk="0" hangingPunct="1">
-              <a:lnSpc>
-                <a:spcPct val="90000"/>
-              </a:lnSpc>
-              <a:spcBef>
-                <a:spcPts val="500"/>
-              </a:spcBef>
-              <a:buFont typeface="Arial" panose="020B0604020202020204" pitchFamily="34" charset="0"/>
-              <a:buChar char="•"/>
-              <a:defRPr sz="1800" kern="1200">
-                <a:solidFill>
-                  <a:schemeClr val="tx1"/>
-                </a:solidFill>
-                <a:latin typeface="+mn-lt"/>
-                <a:ea typeface="+mn-ea"/>
-                <a:cs typeface="+mn-cs"/>
-              </a:defRPr>
-            </a:lvl7pPr>
-            <a:lvl8pPr marL="3429000" indent="-228600" algn="l" defTabSz="914400" rtl="0" eaLnBrk="1" latinLnBrk="0" hangingPunct="1">
-              <a:lnSpc>
-                <a:spcPct val="90000"/>
-              </a:lnSpc>
-              <a:spcBef>
-                <a:spcPts val="500"/>
-              </a:spcBef>
-              <a:buFont typeface="Arial" panose="020B0604020202020204" pitchFamily="34" charset="0"/>
-              <a:buChar char="•"/>
-              <a:defRPr sz="1800" kern="1200">
-                <a:solidFill>
-                  <a:schemeClr val="tx1"/>
-                </a:solidFill>
-                <a:latin typeface="+mn-lt"/>
-                <a:ea typeface="+mn-ea"/>
-                <a:cs typeface="+mn-cs"/>
-              </a:defRPr>
-            </a:lvl8pPr>
-            <a:lvl9pPr marL="3886200" indent="-228600" algn="l" defTabSz="914400" rtl="0" eaLnBrk="1" latinLnBrk="0" hangingPunct="1">
-              <a:lnSpc>
-                <a:spcPct val="90000"/>
-              </a:lnSpc>
-              <a:spcBef>
-                <a:spcPts val="500"/>
-              </a:spcBef>
-              <a:buFont typeface="Arial" panose="020B0604020202020204" pitchFamily="34" charset="0"/>
-              <a:buChar char="•"/>
-              <a:defRPr sz="1800" kern="1200">
-                <a:solidFill>
-                  <a:schemeClr val="tx1"/>
-                </a:solidFill>
-                <a:latin typeface="+mn-lt"/>
-                <a:ea typeface="+mn-ea"/>
-                <a:cs typeface="+mn-cs"/>
-              </a:defRPr>
-            </a:lvl9pPr>
-          </a:lstStyle>
-          <a:p>
-            <a:pPr marL="0"/>
-            <a:r>
-              <a:rPr lang="en-US" dirty="0"/>
-              <a:t>Proposed Integration</a:t>
-            </a:r>
-          </a:p>
-        </p:txBody>
-      </p:sp>
-      <p:sp>
-        <p:nvSpPr>
-          <p:cNvPr id="6" name="Content Placeholder 5">
-            <a:extLst>
-              <a:ext uri="{FF2B5EF4-FFF2-40B4-BE49-F238E27FC236}">
-                <a16:creationId xmlns:a16="http://schemas.microsoft.com/office/drawing/2014/main" id="{AD46290A-7900-A519-0912-1BDFD53D40E6}"/>
-              </a:ext>
-            </a:extLst>
-          </p:cNvPr>
-          <p:cNvSpPr>
-            <a:spLocks noGrp="1"/>
-          </p:cNvSpPr>
-          <p:nvPr>
-            <p:ph idx="1"/>
-          </p:nvPr>
-        </p:nvSpPr>
-        <p:spPr>
-          <a:xfrm>
-            <a:off x="681038" y="2401843"/>
-            <a:ext cx="8543925" cy="1505139"/>
-          </a:xfrm>
-        </p:spPr>
-        <p:txBody>
-          <a:bodyPr>
-            <a:normAutofit fontScale="77500" lnSpcReduction="20000"/>
-          </a:bodyPr>
-          <a:lstStyle/>
-          <a:p>
-            <a:r>
-              <a:rPr lang="en-US" dirty="0"/>
-              <a:t>The climate data uses </a:t>
-            </a:r>
-            <a:r>
-              <a:rPr lang="en-US" dirty="0" err="1"/>
-              <a:t>NetCDF</a:t>
-            </a:r>
-            <a:r>
-              <a:rPr lang="en-US" dirty="0"/>
-              <a:t> format to store the model.</a:t>
-            </a:r>
-          </a:p>
-          <a:p>
-            <a:r>
-              <a:rPr lang="en-US" dirty="0"/>
-              <a:t>The H5Z-SZ filter support to apply SZ compression for NetCDF4 format</a:t>
-            </a:r>
-          </a:p>
-          <a:p>
-            <a:r>
-              <a:rPr lang="en-US" dirty="0"/>
-              <a:t>The approach to implement SZ compression as shown below figure</a:t>
-            </a:r>
-          </a:p>
-          <a:p>
-            <a:endParaRPr lang="en-US" dirty="0"/>
-          </a:p>
-        </p:txBody>
-      </p:sp>
-      <p:pic>
-        <p:nvPicPr>
-          <p:cNvPr id="7" name="Picture 6" descr="A picture containing text, screenshot, font, diagram&#10;&#10;Description automatically generated">
-            <a:extLst>
-              <a:ext uri="{FF2B5EF4-FFF2-40B4-BE49-F238E27FC236}">
-                <a16:creationId xmlns:a16="http://schemas.microsoft.com/office/drawing/2014/main" id="{FA1C4A7C-CA20-1C03-E2E5-424B0ECBD62C}"/>
-              </a:ext>
-            </a:extLst>
-          </p:cNvPr>
-          <p:cNvPicPr>
-            <a:picLocks noChangeAspect="1"/>
-          </p:cNvPicPr>
-          <p:nvPr/>
-        </p:nvPicPr>
-        <p:blipFill>
-          <a:blip r:embed="rId2"/>
-          <a:stretch>
-            <a:fillRect/>
-          </a:stretch>
-        </p:blipFill>
-        <p:spPr>
-          <a:xfrm>
-            <a:off x="681037" y="3687718"/>
-            <a:ext cx="8543926" cy="2328220"/>
-          </a:xfrm>
-          <a:prstGeom prst="rect">
-            <a:avLst/>
-          </a:prstGeom>
-        </p:spPr>
-      </p:pic>
-    </p:spTree>
-    <p:extLst>
-      <p:ext uri="{BB962C8B-B14F-4D97-AF65-F5344CB8AC3E}">
-        <p14:creationId xmlns:p14="http://schemas.microsoft.com/office/powerpoint/2010/main" val="4135278916"/>
-      </p:ext>
-    </p:extLst>
-  </p:cSld>
-  <p:clrMapOvr>
-    <a:masterClrMapping/>
-  </p:clrMapOvr>
-</p:sld>
-</file>
-
-<file path=ppt/slides/slide5.xml><?xml version="1.0" encoding="utf-8"?>
-<p:sld xmlns:a="http://schemas.openxmlformats.org/drawingml/2006/main" xmlns:r="http://schemas.openxmlformats.org/officeDocument/2006/relationships" xmlns:p="http://schemas.openxmlformats.org/presentationml/2006/main">
-  <p:cSld>
-    <p:spTree>
-      <p:nvGrpSpPr>
-        <p:cNvPr id="1" name=""/>
-        <p:cNvGrpSpPr/>
-        <p:nvPr/>
-      </p:nvGrpSpPr>
-      <p:grpSpPr>
-        <a:xfrm>
-          <a:off x="0" y="0"/>
-          <a:ext cx="0" cy="0"/>
-          <a:chOff x="0" y="0"/>
-          <a:chExt cx="0" cy="0"/>
-        </a:xfrm>
-      </p:grpSpPr>
-      <p:sp>
-        <p:nvSpPr>
-          <p:cNvPr id="2" name="Title 1">
-            <a:extLst>
-              <a:ext uri="{FF2B5EF4-FFF2-40B4-BE49-F238E27FC236}">
-                <a16:creationId xmlns:a16="http://schemas.microsoft.com/office/drawing/2014/main" id="{A3519FDB-625D-B164-7E61-BE65F97C13FB}"/>
-              </a:ext>
-            </a:extLst>
-          </p:cNvPr>
-          <p:cNvSpPr>
-            <a:spLocks noGrp="1"/>
-          </p:cNvSpPr>
-          <p:nvPr>
-            <p:ph type="title"/>
-          </p:nvPr>
-        </p:nvSpPr>
-        <p:spPr/>
-        <p:txBody>
-          <a:bodyPr/>
-          <a:lstStyle/>
-          <a:p>
-            <a:r>
-              <a:rPr lang="en-US" dirty="0"/>
-              <a:t>Preparing Different Scenarios</a:t>
-            </a:r>
-          </a:p>
-        </p:txBody>
-      </p:sp>
-      <p:sp>
-        <p:nvSpPr>
-          <p:cNvPr id="3" name="Content Placeholder 2">
-            <a:extLst>
-              <a:ext uri="{FF2B5EF4-FFF2-40B4-BE49-F238E27FC236}">
-                <a16:creationId xmlns:a16="http://schemas.microsoft.com/office/drawing/2014/main" id="{1331C16C-C90F-628F-B867-5A02479A6747}"/>
-              </a:ext>
-            </a:extLst>
-          </p:cNvPr>
-          <p:cNvSpPr>
-            <a:spLocks noGrp="1"/>
-          </p:cNvSpPr>
-          <p:nvPr>
-            <p:ph idx="1"/>
-          </p:nvPr>
-        </p:nvSpPr>
-        <p:spPr>
-          <a:xfrm>
-            <a:off x="681038" y="2328671"/>
-            <a:ext cx="8543925" cy="3848291"/>
-          </a:xfrm>
-        </p:spPr>
-        <p:txBody>
-          <a:bodyPr/>
-          <a:lstStyle/>
-          <a:p>
-            <a:r>
-              <a:rPr lang="en-US" dirty="0"/>
-              <a:t>The different scenarios and configurations are needed to perform different scenarios evaluation</a:t>
-            </a:r>
-          </a:p>
-          <a:p>
-            <a:r>
-              <a:rPr lang="en-US" dirty="0"/>
-              <a:t>The Low GloSea6 codebase is managed using </a:t>
-            </a:r>
-            <a:r>
-              <a:rPr lang="en-US"/>
-              <a:t>subversion + FCM </a:t>
-            </a:r>
-            <a:r>
-              <a:rPr lang="en-US" dirty="0"/>
-              <a:t>and the XIOS codebase is managed using git</a:t>
-            </a:r>
-          </a:p>
-          <a:p>
-            <a:r>
-              <a:rPr lang="en-US" dirty="0"/>
-              <a:t>The VCS supports creating branches to help develop and incubate features. This feature can help to have different scenarios without comment/uncomment code.</a:t>
-            </a:r>
-          </a:p>
-          <a:p>
-            <a:endParaRPr lang="en-US" dirty="0"/>
-          </a:p>
-          <a:p>
-            <a:endParaRPr lang="en-US" dirty="0"/>
-          </a:p>
-        </p:txBody>
-      </p:sp>
-      <p:sp>
-        <p:nvSpPr>
-          <p:cNvPr id="4" name="Content Placeholder 2">
-            <a:extLst>
-              <a:ext uri="{FF2B5EF4-FFF2-40B4-BE49-F238E27FC236}">
-                <a16:creationId xmlns:a16="http://schemas.microsoft.com/office/drawing/2014/main" id="{ADFB6ED1-232D-9A0E-F728-7910A8F07624}"/>
-              </a:ext>
-            </a:extLst>
-          </p:cNvPr>
-          <p:cNvSpPr txBox="1">
-            <a:spLocks/>
-          </p:cNvSpPr>
-          <p:nvPr/>
-        </p:nvSpPr>
-        <p:spPr>
-          <a:xfrm>
-            <a:off x="819149" y="1459907"/>
-            <a:ext cx="8267699" cy="767904"/>
-          </a:xfrm>
-          <a:prstGeom prst="rect">
-            <a:avLst/>
-          </a:prstGeom>
-        </p:spPr>
-        <p:style>
-          <a:lnRef idx="1">
-            <a:schemeClr val="accent4"/>
-          </a:lnRef>
-          <a:fillRef idx="3">
-            <a:schemeClr val="accent4"/>
-          </a:fillRef>
-          <a:effectRef idx="2">
-            <a:schemeClr val="accent4"/>
-          </a:effectRef>
-          <a:fontRef idx="minor">
-            <a:schemeClr val="lt1"/>
-          </a:fontRef>
-        </p:style>
-        <p:txBody>
-          <a:bodyPr vert="horz" lIns="91440" tIns="45720" rIns="91440" bIns="45720" rtlCol="0" anchor="ctr">
-            <a:normAutofit/>
-          </a:bodyPr>
-          <a:lstStyle>
-            <a:lvl1pPr marL="228600" indent="-228600" algn="l" defTabSz="914400" rtl="0" eaLnBrk="1" latinLnBrk="0" hangingPunct="1">
-              <a:lnSpc>
-                <a:spcPct val="90000"/>
-              </a:lnSpc>
-              <a:spcBef>
-                <a:spcPts val="1000"/>
-              </a:spcBef>
-              <a:buFont typeface="Arial" panose="020B0604020202020204" pitchFamily="34" charset="0"/>
-              <a:buChar char="•"/>
-              <a:defRPr sz="2800" kern="1200">
-                <a:solidFill>
-                  <a:schemeClr val="tx1"/>
-                </a:solidFill>
-                <a:latin typeface="+mn-lt"/>
-                <a:ea typeface="+mn-ea"/>
-                <a:cs typeface="+mn-cs"/>
-              </a:defRPr>
-            </a:lvl1pPr>
-            <a:lvl2pPr marL="685800" indent="-228600" algn="l" defTabSz="914400" rtl="0" eaLnBrk="1" latinLnBrk="0" hangingPunct="1">
-              <a:lnSpc>
-                <a:spcPct val="90000"/>
-              </a:lnSpc>
-              <a:spcBef>
-                <a:spcPts val="500"/>
-              </a:spcBef>
-              <a:buFont typeface="Arial" panose="020B0604020202020204" pitchFamily="34" charset="0"/>
-              <a:buChar char="•"/>
-              <a:defRPr sz="2400" kern="1200">
-                <a:solidFill>
-                  <a:schemeClr val="tx1"/>
-                </a:solidFill>
-                <a:latin typeface="+mn-lt"/>
-                <a:ea typeface="+mn-ea"/>
-                <a:cs typeface="+mn-cs"/>
-              </a:defRPr>
-            </a:lvl2pPr>
-            <a:lvl3pPr marL="1143000" indent="-228600" algn="l" defTabSz="914400" rtl="0" eaLnBrk="1" latinLnBrk="0" hangingPunct="1">
-              <a:lnSpc>
-                <a:spcPct val="90000"/>
-              </a:lnSpc>
-              <a:spcBef>
-                <a:spcPts val="500"/>
-              </a:spcBef>
-              <a:buFont typeface="Arial" panose="020B0604020202020204" pitchFamily="34" charset="0"/>
-              <a:buChar char="•"/>
-              <a:defRPr sz="2000" kern="1200">
-                <a:solidFill>
-                  <a:schemeClr val="tx1"/>
-                </a:solidFill>
-                <a:latin typeface="+mn-lt"/>
-                <a:ea typeface="+mn-ea"/>
-                <a:cs typeface="+mn-cs"/>
-              </a:defRPr>
-            </a:lvl3pPr>
-            <a:lvl4pPr marL="1600200" indent="-228600" algn="l" defTabSz="914400" rtl="0" eaLnBrk="1" latinLnBrk="0" hangingPunct="1">
-              <a:lnSpc>
-                <a:spcPct val="90000"/>
-              </a:lnSpc>
-              <a:spcBef>
-                <a:spcPts val="500"/>
-              </a:spcBef>
-              <a:buFont typeface="Arial" panose="020B0604020202020204" pitchFamily="34" charset="0"/>
-              <a:buChar char="•"/>
-              <a:defRPr sz="1800" kern="1200">
-                <a:solidFill>
-                  <a:schemeClr val="tx1"/>
-                </a:solidFill>
-                <a:latin typeface="+mn-lt"/>
-                <a:ea typeface="+mn-ea"/>
-                <a:cs typeface="+mn-cs"/>
-              </a:defRPr>
-            </a:lvl4pPr>
-            <a:lvl5pPr marL="2057400" indent="-228600" algn="l" defTabSz="914400" rtl="0" eaLnBrk="1" latinLnBrk="0" hangingPunct="1">
-              <a:lnSpc>
-                <a:spcPct val="90000"/>
-              </a:lnSpc>
-              <a:spcBef>
-                <a:spcPts val="500"/>
-              </a:spcBef>
-              <a:buFont typeface="Arial" panose="020B0604020202020204" pitchFamily="34" charset="0"/>
-              <a:buChar char="•"/>
-              <a:defRPr sz="1800" kern="1200">
-                <a:solidFill>
-                  <a:schemeClr val="tx1"/>
-                </a:solidFill>
-                <a:latin typeface="+mn-lt"/>
-                <a:ea typeface="+mn-ea"/>
-                <a:cs typeface="+mn-cs"/>
-              </a:defRPr>
-            </a:lvl5pPr>
-            <a:lvl6pPr marL="2514600" indent="-228600" algn="l" defTabSz="914400" rtl="0" eaLnBrk="1" latinLnBrk="0" hangingPunct="1">
-              <a:lnSpc>
-                <a:spcPct val="90000"/>
-              </a:lnSpc>
-              <a:spcBef>
-                <a:spcPts val="500"/>
-              </a:spcBef>
-              <a:buFont typeface="Arial" panose="020B0604020202020204" pitchFamily="34" charset="0"/>
-              <a:buChar char="•"/>
-              <a:defRPr sz="1800" kern="1200">
-                <a:solidFill>
-                  <a:schemeClr val="tx1"/>
-                </a:solidFill>
-                <a:latin typeface="+mn-lt"/>
-                <a:ea typeface="+mn-ea"/>
-                <a:cs typeface="+mn-cs"/>
-              </a:defRPr>
-            </a:lvl6pPr>
-            <a:lvl7pPr marL="2971800" indent="-228600" algn="l" defTabSz="914400" rtl="0" eaLnBrk="1" latinLnBrk="0" hangingPunct="1">
-              <a:lnSpc>
-                <a:spcPct val="90000"/>
-              </a:lnSpc>
-              <a:spcBef>
-                <a:spcPts val="500"/>
-              </a:spcBef>
-              <a:buFont typeface="Arial" panose="020B0604020202020204" pitchFamily="34" charset="0"/>
-              <a:buChar char="•"/>
-              <a:defRPr sz="1800" kern="1200">
-                <a:solidFill>
-                  <a:schemeClr val="tx1"/>
-                </a:solidFill>
-                <a:latin typeface="+mn-lt"/>
-                <a:ea typeface="+mn-ea"/>
-                <a:cs typeface="+mn-cs"/>
-              </a:defRPr>
-            </a:lvl7pPr>
-            <a:lvl8pPr marL="3429000" indent="-228600" algn="l" defTabSz="914400" rtl="0" eaLnBrk="1" latinLnBrk="0" hangingPunct="1">
-              <a:lnSpc>
-                <a:spcPct val="90000"/>
-              </a:lnSpc>
-              <a:spcBef>
-                <a:spcPts val="500"/>
-              </a:spcBef>
-              <a:buFont typeface="Arial" panose="020B0604020202020204" pitchFamily="34" charset="0"/>
-              <a:buChar char="•"/>
-              <a:defRPr sz="1800" kern="1200">
-                <a:solidFill>
-                  <a:schemeClr val="tx1"/>
-                </a:solidFill>
-                <a:latin typeface="+mn-lt"/>
-                <a:ea typeface="+mn-ea"/>
-                <a:cs typeface="+mn-cs"/>
-              </a:defRPr>
-            </a:lvl8pPr>
-            <a:lvl9pPr marL="3886200" indent="-228600" algn="l" defTabSz="914400" rtl="0" eaLnBrk="1" latinLnBrk="0" hangingPunct="1">
-              <a:lnSpc>
-                <a:spcPct val="90000"/>
-              </a:lnSpc>
-              <a:spcBef>
-                <a:spcPts val="500"/>
-              </a:spcBef>
-              <a:buFont typeface="Arial" panose="020B0604020202020204" pitchFamily="34" charset="0"/>
-              <a:buChar char="•"/>
-              <a:defRPr sz="1800" kern="1200">
-                <a:solidFill>
-                  <a:schemeClr val="tx1"/>
-                </a:solidFill>
-                <a:latin typeface="+mn-lt"/>
-                <a:ea typeface="+mn-ea"/>
-                <a:cs typeface="+mn-cs"/>
-              </a:defRPr>
-            </a:lvl9pPr>
-          </a:lstStyle>
-          <a:p>
-            <a:pPr marL="0"/>
-            <a:r>
-              <a:rPr lang="en-US" dirty="0"/>
-              <a:t>VCS Branching</a:t>
-            </a:r>
-          </a:p>
-        </p:txBody>
-      </p:sp>
-    </p:spTree>
-    <p:extLst>
-      <p:ext uri="{BB962C8B-B14F-4D97-AF65-F5344CB8AC3E}">
-        <p14:creationId xmlns:p14="http://schemas.microsoft.com/office/powerpoint/2010/main" val="807937657"/>
-      </p:ext>
-    </p:extLst>
-  </p:cSld>
-  <p:clrMapOvr>
-    <a:masterClrMapping/>
-  </p:clrMapOvr>
-</p:sld>
-</file>
-
-<file path=ppt/slides/slide6.xml><?xml version="1.0" encoding="utf-8"?>
-<p:sld xmlns:a="http://schemas.openxmlformats.org/drawingml/2006/main" xmlns:r="http://schemas.openxmlformats.org/officeDocument/2006/relationships" xmlns:p="http://schemas.openxmlformats.org/presentationml/2006/main">
-  <p:cSld>
-    <p:spTree>
-      <p:nvGrpSpPr>
-        <p:cNvPr id="1" name=""/>
-        <p:cNvGrpSpPr/>
-        <p:nvPr/>
-      </p:nvGrpSpPr>
-      <p:grpSpPr>
-        <a:xfrm>
-          <a:off x="0" y="0"/>
-          <a:ext cx="0" cy="0"/>
-          <a:chOff x="0" y="0"/>
-          <a:chExt cx="0" cy="0"/>
-        </a:xfrm>
-      </p:grpSpPr>
-      <p:sp>
-        <p:nvSpPr>
-          <p:cNvPr id="2" name="Title 1">
-            <a:extLst>
-              <a:ext uri="{FF2B5EF4-FFF2-40B4-BE49-F238E27FC236}">
-                <a16:creationId xmlns:a16="http://schemas.microsoft.com/office/drawing/2014/main" id="{0DC339BA-BF21-FCEC-8889-FBB70964739F}"/>
-              </a:ext>
-            </a:extLst>
-          </p:cNvPr>
-          <p:cNvSpPr>
-            <a:spLocks noGrp="1"/>
-          </p:cNvSpPr>
-          <p:nvPr>
-            <p:ph type="title"/>
-          </p:nvPr>
-        </p:nvSpPr>
-        <p:spPr/>
-        <p:txBody>
-          <a:bodyPr/>
-          <a:lstStyle/>
-          <a:p>
-            <a:r>
-              <a:rPr lang="en-US" dirty="0"/>
-              <a:t>Preparing Different Scenarios</a:t>
-            </a:r>
-          </a:p>
-        </p:txBody>
-      </p:sp>
-      <p:sp>
-        <p:nvSpPr>
-          <p:cNvPr id="3" name="Content Placeholder 2">
-            <a:extLst>
-              <a:ext uri="{FF2B5EF4-FFF2-40B4-BE49-F238E27FC236}">
-                <a16:creationId xmlns:a16="http://schemas.microsoft.com/office/drawing/2014/main" id="{B47661CB-E6AB-5FD1-401E-A482AF9BDC16}"/>
-              </a:ext>
-            </a:extLst>
-          </p:cNvPr>
-          <p:cNvSpPr>
-            <a:spLocks noGrp="1"/>
-          </p:cNvSpPr>
-          <p:nvPr>
-            <p:ph idx="1"/>
-          </p:nvPr>
-        </p:nvSpPr>
-        <p:spPr>
-          <a:xfrm>
-            <a:off x="681038" y="2389631"/>
-            <a:ext cx="8543925" cy="3787331"/>
-          </a:xfrm>
-        </p:spPr>
-        <p:txBody>
-          <a:bodyPr/>
-          <a:lstStyle/>
-          <a:p>
-            <a:r>
-              <a:rPr lang="en-US" dirty="0"/>
-              <a:t>Applied different branches for scenarios:</a:t>
-            </a:r>
-          </a:p>
-          <a:p>
-            <a:pPr lvl="1"/>
-            <a:r>
-              <a:rPr lang="en-US" dirty="0" err="1"/>
-              <a:t>Nocompress</a:t>
-            </a:r>
-            <a:r>
-              <a:rPr lang="en-US" dirty="0"/>
-              <a:t>: branches/dev/</a:t>
-            </a:r>
-            <a:r>
-              <a:rPr lang="en-US" dirty="0" err="1"/>
-              <a:t>changwon</a:t>
-            </a:r>
-            <a:endParaRPr lang="en-US" dirty="0"/>
-          </a:p>
-          <a:p>
-            <a:pPr lvl="1"/>
-            <a:r>
-              <a:rPr lang="en-US" dirty="0" err="1"/>
-              <a:t>gzip</a:t>
-            </a:r>
-            <a:r>
-              <a:rPr lang="en-US" dirty="0"/>
-              <a:t>: branches/dev/</a:t>
-            </a:r>
-            <a:r>
-              <a:rPr lang="en-US" dirty="0" err="1"/>
-              <a:t>hongik</a:t>
-            </a:r>
-            <a:endParaRPr lang="en-US" dirty="0"/>
-          </a:p>
-          <a:p>
-            <a:r>
-              <a:rPr lang="en-US" dirty="0"/>
-              <a:t>Other examples:</a:t>
-            </a:r>
-          </a:p>
-          <a:p>
-            <a:pPr lvl="1"/>
-            <a:r>
-              <a:rPr lang="en-US" dirty="0"/>
-              <a:t>main: stable branch at production</a:t>
-            </a:r>
-          </a:p>
-          <a:p>
-            <a:pPr lvl="1"/>
-            <a:r>
-              <a:rPr lang="en-US" dirty="0"/>
-              <a:t>develop: pre-production code</a:t>
-            </a:r>
-          </a:p>
-          <a:p>
-            <a:pPr lvl="1"/>
-            <a:r>
-              <a:rPr lang="en-US" dirty="0"/>
-              <a:t>feature/x-feature: development of new feature</a:t>
-            </a:r>
-          </a:p>
-          <a:p>
-            <a:pPr lvl="1"/>
-            <a:endParaRPr lang="en-US" dirty="0"/>
-          </a:p>
-          <a:p>
-            <a:pPr lvl="1"/>
-            <a:endParaRPr lang="en-US" dirty="0"/>
-          </a:p>
-        </p:txBody>
-      </p:sp>
-      <p:sp>
-        <p:nvSpPr>
-          <p:cNvPr id="4" name="Content Placeholder 2">
-            <a:extLst>
-              <a:ext uri="{FF2B5EF4-FFF2-40B4-BE49-F238E27FC236}">
-                <a16:creationId xmlns:a16="http://schemas.microsoft.com/office/drawing/2014/main" id="{F5565075-36BF-FF9A-D49C-3525E37E9CE9}"/>
-              </a:ext>
-            </a:extLst>
-          </p:cNvPr>
-          <p:cNvSpPr txBox="1">
-            <a:spLocks/>
-          </p:cNvSpPr>
-          <p:nvPr/>
-        </p:nvSpPr>
-        <p:spPr>
-          <a:xfrm>
-            <a:off x="819149" y="1459907"/>
-            <a:ext cx="8267699" cy="767904"/>
-          </a:xfrm>
-          <a:prstGeom prst="rect">
-            <a:avLst/>
-          </a:prstGeom>
-        </p:spPr>
-        <p:style>
-          <a:lnRef idx="1">
-            <a:schemeClr val="accent4"/>
-          </a:lnRef>
-          <a:fillRef idx="3">
-            <a:schemeClr val="accent4"/>
-          </a:fillRef>
-          <a:effectRef idx="2">
-            <a:schemeClr val="accent4"/>
-          </a:effectRef>
-          <a:fontRef idx="minor">
-            <a:schemeClr val="lt1"/>
-          </a:fontRef>
-        </p:style>
-        <p:txBody>
-          <a:bodyPr vert="horz" lIns="91440" tIns="45720" rIns="91440" bIns="45720" rtlCol="0" anchor="ctr">
-            <a:normAutofit/>
-          </a:bodyPr>
-          <a:lstStyle>
-            <a:lvl1pPr marL="228600" indent="-228600" algn="l" defTabSz="914400" rtl="0" eaLnBrk="1" latinLnBrk="0" hangingPunct="1">
-              <a:lnSpc>
-                <a:spcPct val="90000"/>
-              </a:lnSpc>
-              <a:spcBef>
-                <a:spcPts val="1000"/>
-              </a:spcBef>
-              <a:buFont typeface="Arial" panose="020B0604020202020204" pitchFamily="34" charset="0"/>
-              <a:buChar char="•"/>
-              <a:defRPr sz="2800" kern="1200">
-                <a:solidFill>
-                  <a:schemeClr val="tx1"/>
-                </a:solidFill>
-                <a:latin typeface="+mn-lt"/>
-                <a:ea typeface="+mn-ea"/>
-                <a:cs typeface="+mn-cs"/>
-              </a:defRPr>
-            </a:lvl1pPr>
-            <a:lvl2pPr marL="685800" indent="-228600" algn="l" defTabSz="914400" rtl="0" eaLnBrk="1" latinLnBrk="0" hangingPunct="1">
-              <a:lnSpc>
-                <a:spcPct val="90000"/>
-              </a:lnSpc>
-              <a:spcBef>
-                <a:spcPts val="500"/>
-              </a:spcBef>
-              <a:buFont typeface="Arial" panose="020B0604020202020204" pitchFamily="34" charset="0"/>
-              <a:buChar char="•"/>
-              <a:defRPr sz="2400" kern="1200">
-                <a:solidFill>
-                  <a:schemeClr val="tx1"/>
-                </a:solidFill>
-                <a:latin typeface="+mn-lt"/>
-                <a:ea typeface="+mn-ea"/>
-                <a:cs typeface="+mn-cs"/>
-              </a:defRPr>
-            </a:lvl2pPr>
-            <a:lvl3pPr marL="1143000" indent="-228600" algn="l" defTabSz="914400" rtl="0" eaLnBrk="1" latinLnBrk="0" hangingPunct="1">
-              <a:lnSpc>
-                <a:spcPct val="90000"/>
-              </a:lnSpc>
-              <a:spcBef>
-                <a:spcPts val="500"/>
-              </a:spcBef>
-              <a:buFont typeface="Arial" panose="020B0604020202020204" pitchFamily="34" charset="0"/>
-              <a:buChar char="•"/>
-              <a:defRPr sz="2000" kern="1200">
-                <a:solidFill>
-                  <a:schemeClr val="tx1"/>
-                </a:solidFill>
-                <a:latin typeface="+mn-lt"/>
-                <a:ea typeface="+mn-ea"/>
-                <a:cs typeface="+mn-cs"/>
-              </a:defRPr>
-            </a:lvl3pPr>
-            <a:lvl4pPr marL="1600200" indent="-228600" algn="l" defTabSz="914400" rtl="0" eaLnBrk="1" latinLnBrk="0" hangingPunct="1">
-              <a:lnSpc>
-                <a:spcPct val="90000"/>
-              </a:lnSpc>
-              <a:spcBef>
-                <a:spcPts val="500"/>
-              </a:spcBef>
-              <a:buFont typeface="Arial" panose="020B0604020202020204" pitchFamily="34" charset="0"/>
-              <a:buChar char="•"/>
-              <a:defRPr sz="1800" kern="1200">
-                <a:solidFill>
-                  <a:schemeClr val="tx1"/>
-                </a:solidFill>
-                <a:latin typeface="+mn-lt"/>
-                <a:ea typeface="+mn-ea"/>
-                <a:cs typeface="+mn-cs"/>
-              </a:defRPr>
-            </a:lvl4pPr>
-            <a:lvl5pPr marL="2057400" indent="-228600" algn="l" defTabSz="914400" rtl="0" eaLnBrk="1" latinLnBrk="0" hangingPunct="1">
-              <a:lnSpc>
-                <a:spcPct val="90000"/>
-              </a:lnSpc>
-              <a:spcBef>
-                <a:spcPts val="500"/>
-              </a:spcBef>
-              <a:buFont typeface="Arial" panose="020B0604020202020204" pitchFamily="34" charset="0"/>
-              <a:buChar char="•"/>
-              <a:defRPr sz="1800" kern="1200">
-                <a:solidFill>
-                  <a:schemeClr val="tx1"/>
-                </a:solidFill>
-                <a:latin typeface="+mn-lt"/>
-                <a:ea typeface="+mn-ea"/>
-                <a:cs typeface="+mn-cs"/>
-              </a:defRPr>
-            </a:lvl5pPr>
-            <a:lvl6pPr marL="2514600" indent="-228600" algn="l" defTabSz="914400" rtl="0" eaLnBrk="1" latinLnBrk="0" hangingPunct="1">
-              <a:lnSpc>
-                <a:spcPct val="90000"/>
-              </a:lnSpc>
-              <a:spcBef>
-                <a:spcPts val="500"/>
-              </a:spcBef>
-              <a:buFont typeface="Arial" panose="020B0604020202020204" pitchFamily="34" charset="0"/>
-              <a:buChar char="•"/>
-              <a:defRPr sz="1800" kern="1200">
-                <a:solidFill>
-                  <a:schemeClr val="tx1"/>
-                </a:solidFill>
-                <a:latin typeface="+mn-lt"/>
-                <a:ea typeface="+mn-ea"/>
-                <a:cs typeface="+mn-cs"/>
-              </a:defRPr>
-            </a:lvl6pPr>
-            <a:lvl7pPr marL="2971800" indent="-228600" algn="l" defTabSz="914400" rtl="0" eaLnBrk="1" latinLnBrk="0" hangingPunct="1">
-              <a:lnSpc>
-                <a:spcPct val="90000"/>
-              </a:lnSpc>
-              <a:spcBef>
-                <a:spcPts val="500"/>
-              </a:spcBef>
-              <a:buFont typeface="Arial" panose="020B0604020202020204" pitchFamily="34" charset="0"/>
-              <a:buChar char="•"/>
-              <a:defRPr sz="1800" kern="1200">
-                <a:solidFill>
-                  <a:schemeClr val="tx1"/>
-                </a:solidFill>
-                <a:latin typeface="+mn-lt"/>
-                <a:ea typeface="+mn-ea"/>
-                <a:cs typeface="+mn-cs"/>
-              </a:defRPr>
-            </a:lvl7pPr>
-            <a:lvl8pPr marL="3429000" indent="-228600" algn="l" defTabSz="914400" rtl="0" eaLnBrk="1" latinLnBrk="0" hangingPunct="1">
-              <a:lnSpc>
-                <a:spcPct val="90000"/>
-              </a:lnSpc>
-              <a:spcBef>
-                <a:spcPts val="500"/>
-              </a:spcBef>
-              <a:buFont typeface="Arial" panose="020B0604020202020204" pitchFamily="34" charset="0"/>
-              <a:buChar char="•"/>
-              <a:defRPr sz="1800" kern="1200">
-                <a:solidFill>
-                  <a:schemeClr val="tx1"/>
-                </a:solidFill>
-                <a:latin typeface="+mn-lt"/>
-                <a:ea typeface="+mn-ea"/>
-                <a:cs typeface="+mn-cs"/>
-              </a:defRPr>
-            </a:lvl8pPr>
-            <a:lvl9pPr marL="3886200" indent="-228600" algn="l" defTabSz="914400" rtl="0" eaLnBrk="1" latinLnBrk="0" hangingPunct="1">
-              <a:lnSpc>
-                <a:spcPct val="90000"/>
-              </a:lnSpc>
-              <a:spcBef>
-                <a:spcPts val="500"/>
-              </a:spcBef>
-              <a:buFont typeface="Arial" panose="020B0604020202020204" pitchFamily="34" charset="0"/>
-              <a:buChar char="•"/>
-              <a:defRPr sz="1800" kern="1200">
-                <a:solidFill>
-                  <a:schemeClr val="tx1"/>
-                </a:solidFill>
-                <a:latin typeface="+mn-lt"/>
-                <a:ea typeface="+mn-ea"/>
-                <a:cs typeface="+mn-cs"/>
-              </a:defRPr>
-            </a:lvl9pPr>
-          </a:lstStyle>
-          <a:p>
-            <a:pPr marL="0"/>
-            <a:r>
-              <a:rPr lang="en-US" dirty="0"/>
-              <a:t>Examples</a:t>
-            </a:r>
-          </a:p>
-        </p:txBody>
-      </p:sp>
-    </p:spTree>
-    <p:extLst>
-      <p:ext uri="{BB962C8B-B14F-4D97-AF65-F5344CB8AC3E}">
-        <p14:creationId xmlns:p14="http://schemas.microsoft.com/office/powerpoint/2010/main" val="887008805"/>
-      </p:ext>
-    </p:extLst>
-  </p:cSld>
-  <p:clrMapOvr>
-    <a:masterClrMapping/>
-  </p:clrMapOvr>
-</p:sld>
-</file>
-
-<file path=ppt/slides/slide7.xml><?xml version="1.0" encoding="utf-8"?>
-<p:sld xmlns:a="http://schemas.openxmlformats.org/drawingml/2006/main" xmlns:r="http://schemas.openxmlformats.org/officeDocument/2006/relationships" xmlns:p="http://schemas.openxmlformats.org/presentationml/2006/main">
-  <p:cSld>
-    <p:spTree>
-      <p:nvGrpSpPr>
-        <p:cNvPr id="1" name=""/>
-        <p:cNvGrpSpPr/>
-        <p:nvPr/>
-      </p:nvGrpSpPr>
-      <p:grpSpPr>
-        <a:xfrm>
-          <a:off x="0" y="0"/>
-          <a:ext cx="0" cy="0"/>
-          <a:chOff x="0" y="0"/>
-          <a:chExt cx="0" cy="0"/>
-        </a:xfrm>
-      </p:grpSpPr>
-      <p:sp>
-        <p:nvSpPr>
-          <p:cNvPr id="2" name="Title 1">
-            <a:extLst>
-              <a:ext uri="{FF2B5EF4-FFF2-40B4-BE49-F238E27FC236}">
-                <a16:creationId xmlns:a16="http://schemas.microsoft.com/office/drawing/2014/main" id="{8CD68CC9-5290-CA44-80BF-980FA5C9772E}"/>
-              </a:ext>
-            </a:extLst>
-          </p:cNvPr>
-          <p:cNvSpPr>
-            <a:spLocks noGrp="1"/>
-          </p:cNvSpPr>
-          <p:nvPr>
-            <p:ph type="title"/>
-          </p:nvPr>
-        </p:nvSpPr>
-        <p:spPr/>
-        <p:txBody>
-          <a:bodyPr vert="horz" lIns="91440" tIns="45720" rIns="91440" bIns="45720" rtlCol="0" anchor="ctr">
-            <a:normAutofit/>
-          </a:bodyPr>
-          <a:lstStyle/>
-          <a:p>
-            <a:r>
-              <a:rPr lang="en-US" sz="3600" dirty="0"/>
-              <a:t>Experiment Results</a:t>
-            </a:r>
-            <a:endParaRPr lang="en-US" sz="3600" kern="1200" dirty="0">
-              <a:solidFill>
-                <a:schemeClr val="tx1"/>
-              </a:solidFill>
-              <a:latin typeface="+mj-lt"/>
-              <a:ea typeface="+mj-ea"/>
-              <a:cs typeface="+mj-cs"/>
-            </a:endParaRPr>
-          </a:p>
-        </p:txBody>
-      </p:sp>
-      <p:sp>
-        <p:nvSpPr>
-          <p:cNvPr id="21" name="Content Placeholder 20">
-            <a:extLst>
-              <a:ext uri="{FF2B5EF4-FFF2-40B4-BE49-F238E27FC236}">
-                <a16:creationId xmlns:a16="http://schemas.microsoft.com/office/drawing/2014/main" id="{11EFBED9-E4D9-0AF9-5025-88897EA85708}"/>
-              </a:ext>
-            </a:extLst>
-          </p:cNvPr>
-          <p:cNvSpPr>
-            <a:spLocks noGrp="1"/>
-          </p:cNvSpPr>
-          <p:nvPr>
-            <p:ph idx="1"/>
-          </p:nvPr>
-        </p:nvSpPr>
-        <p:spPr>
-          <a:xfrm>
-            <a:off x="681038" y="2381249"/>
-            <a:ext cx="8543925" cy="3795713"/>
-          </a:xfrm>
-        </p:spPr>
-        <p:txBody>
-          <a:bodyPr/>
-          <a:lstStyle/>
-          <a:p>
-            <a:r>
-              <a:rPr lang="en-US" dirty="0"/>
-              <a:t>Scenario</a:t>
-            </a:r>
-          </a:p>
-          <a:p>
-            <a:pPr lvl="1"/>
-            <a:r>
-              <a:rPr lang="en-US" dirty="0" err="1"/>
-              <a:t>nocompress</a:t>
-            </a:r>
-            <a:r>
-              <a:rPr lang="en-US" dirty="0"/>
-              <a:t>: r3316_N96eORCA1_kmt-ab447_gnu</a:t>
-            </a:r>
-          </a:p>
-          <a:p>
-            <a:pPr lvl="1"/>
-            <a:r>
-              <a:rPr lang="en-US" dirty="0" err="1"/>
-              <a:t>gzip</a:t>
-            </a:r>
-            <a:r>
-              <a:rPr lang="en-US" dirty="0"/>
-              <a:t>: r3316_N96eORCA1_kmt-ab447_gzip</a:t>
-            </a:r>
-          </a:p>
-        </p:txBody>
-      </p:sp>
-      <p:sp>
-        <p:nvSpPr>
-          <p:cNvPr id="4" name="Content Placeholder 2">
-            <a:extLst>
-              <a:ext uri="{FF2B5EF4-FFF2-40B4-BE49-F238E27FC236}">
-                <a16:creationId xmlns:a16="http://schemas.microsoft.com/office/drawing/2014/main" id="{B0DB67BD-27B4-564E-B96F-A0BF6F882EA1}"/>
-              </a:ext>
-            </a:extLst>
-          </p:cNvPr>
-          <p:cNvSpPr txBox="1">
-            <a:spLocks/>
-          </p:cNvSpPr>
-          <p:nvPr/>
-        </p:nvSpPr>
-        <p:spPr>
-          <a:xfrm>
-            <a:off x="819149" y="1459907"/>
-            <a:ext cx="8267699" cy="767904"/>
-          </a:xfrm>
-          <a:prstGeom prst="rect">
-            <a:avLst/>
-          </a:prstGeom>
-        </p:spPr>
-        <p:style>
-          <a:lnRef idx="1">
-            <a:schemeClr val="accent4"/>
-          </a:lnRef>
-          <a:fillRef idx="3">
-            <a:schemeClr val="accent4"/>
-          </a:fillRef>
-          <a:effectRef idx="2">
-            <a:schemeClr val="accent4"/>
-          </a:effectRef>
-          <a:fontRef idx="minor">
-            <a:schemeClr val="lt1"/>
-          </a:fontRef>
-        </p:style>
-        <p:txBody>
-          <a:bodyPr vert="horz" lIns="91440" tIns="45720" rIns="91440" bIns="45720" rtlCol="0" anchor="ctr">
-            <a:normAutofit/>
-          </a:bodyPr>
-          <a:lstStyle>
-            <a:lvl1pPr marL="228600" indent="-228600" algn="l" defTabSz="914400" rtl="0" eaLnBrk="1" latinLnBrk="0" hangingPunct="1">
-              <a:lnSpc>
-                <a:spcPct val="90000"/>
-              </a:lnSpc>
-              <a:spcBef>
-                <a:spcPts val="1000"/>
-              </a:spcBef>
-              <a:buFont typeface="Arial" panose="020B0604020202020204" pitchFamily="34" charset="0"/>
-              <a:buChar char="•"/>
-              <a:defRPr sz="2800" kern="1200">
-                <a:solidFill>
-                  <a:schemeClr val="tx1"/>
-                </a:solidFill>
-                <a:latin typeface="+mn-lt"/>
-                <a:ea typeface="+mn-ea"/>
-                <a:cs typeface="+mn-cs"/>
-              </a:defRPr>
-            </a:lvl1pPr>
-            <a:lvl2pPr marL="685800" indent="-228600" algn="l" defTabSz="914400" rtl="0" eaLnBrk="1" latinLnBrk="0" hangingPunct="1">
-              <a:lnSpc>
-                <a:spcPct val="90000"/>
-              </a:lnSpc>
-              <a:spcBef>
-                <a:spcPts val="500"/>
-              </a:spcBef>
-              <a:buFont typeface="Arial" panose="020B0604020202020204" pitchFamily="34" charset="0"/>
-              <a:buChar char="•"/>
-              <a:defRPr sz="2400" kern="1200">
-                <a:solidFill>
-                  <a:schemeClr val="tx1"/>
-                </a:solidFill>
-                <a:latin typeface="+mn-lt"/>
-                <a:ea typeface="+mn-ea"/>
-                <a:cs typeface="+mn-cs"/>
-              </a:defRPr>
-            </a:lvl2pPr>
-            <a:lvl3pPr marL="1143000" indent="-228600" algn="l" defTabSz="914400" rtl="0" eaLnBrk="1" latinLnBrk="0" hangingPunct="1">
-              <a:lnSpc>
-                <a:spcPct val="90000"/>
-              </a:lnSpc>
-              <a:spcBef>
-                <a:spcPts val="500"/>
-              </a:spcBef>
-              <a:buFont typeface="Arial" panose="020B0604020202020204" pitchFamily="34" charset="0"/>
-              <a:buChar char="•"/>
-              <a:defRPr sz="2000" kern="1200">
-                <a:solidFill>
-                  <a:schemeClr val="tx1"/>
-                </a:solidFill>
-                <a:latin typeface="+mn-lt"/>
-                <a:ea typeface="+mn-ea"/>
-                <a:cs typeface="+mn-cs"/>
-              </a:defRPr>
-            </a:lvl3pPr>
-            <a:lvl4pPr marL="1600200" indent="-228600" algn="l" defTabSz="914400" rtl="0" eaLnBrk="1" latinLnBrk="0" hangingPunct="1">
-              <a:lnSpc>
-                <a:spcPct val="90000"/>
-              </a:lnSpc>
-              <a:spcBef>
-                <a:spcPts val="500"/>
-              </a:spcBef>
-              <a:buFont typeface="Arial" panose="020B0604020202020204" pitchFamily="34" charset="0"/>
-              <a:buChar char="•"/>
-              <a:defRPr sz="1800" kern="1200">
-                <a:solidFill>
-                  <a:schemeClr val="tx1"/>
-                </a:solidFill>
-                <a:latin typeface="+mn-lt"/>
-                <a:ea typeface="+mn-ea"/>
-                <a:cs typeface="+mn-cs"/>
-              </a:defRPr>
-            </a:lvl4pPr>
-            <a:lvl5pPr marL="2057400" indent="-228600" algn="l" defTabSz="914400" rtl="0" eaLnBrk="1" latinLnBrk="0" hangingPunct="1">
-              <a:lnSpc>
-                <a:spcPct val="90000"/>
-              </a:lnSpc>
-              <a:spcBef>
-                <a:spcPts val="500"/>
-              </a:spcBef>
-              <a:buFont typeface="Arial" panose="020B0604020202020204" pitchFamily="34" charset="0"/>
-              <a:buChar char="•"/>
-              <a:defRPr sz="1800" kern="1200">
-                <a:solidFill>
-                  <a:schemeClr val="tx1"/>
-                </a:solidFill>
-                <a:latin typeface="+mn-lt"/>
-                <a:ea typeface="+mn-ea"/>
-                <a:cs typeface="+mn-cs"/>
-              </a:defRPr>
-            </a:lvl5pPr>
-            <a:lvl6pPr marL="2514600" indent="-228600" algn="l" defTabSz="914400" rtl="0" eaLnBrk="1" latinLnBrk="0" hangingPunct="1">
-              <a:lnSpc>
-                <a:spcPct val="90000"/>
-              </a:lnSpc>
-              <a:spcBef>
-                <a:spcPts val="500"/>
-              </a:spcBef>
-              <a:buFont typeface="Arial" panose="020B0604020202020204" pitchFamily="34" charset="0"/>
-              <a:buChar char="•"/>
-              <a:defRPr sz="1800" kern="1200">
-                <a:solidFill>
-                  <a:schemeClr val="tx1"/>
-                </a:solidFill>
-                <a:latin typeface="+mn-lt"/>
-                <a:ea typeface="+mn-ea"/>
-                <a:cs typeface="+mn-cs"/>
-              </a:defRPr>
-            </a:lvl6pPr>
-            <a:lvl7pPr marL="2971800" indent="-228600" algn="l" defTabSz="914400" rtl="0" eaLnBrk="1" latinLnBrk="0" hangingPunct="1">
-              <a:lnSpc>
-                <a:spcPct val="90000"/>
-              </a:lnSpc>
-              <a:spcBef>
-                <a:spcPts val="500"/>
-              </a:spcBef>
-              <a:buFont typeface="Arial" panose="020B0604020202020204" pitchFamily="34" charset="0"/>
-              <a:buChar char="•"/>
-              <a:defRPr sz="1800" kern="1200">
-                <a:solidFill>
-                  <a:schemeClr val="tx1"/>
-                </a:solidFill>
-                <a:latin typeface="+mn-lt"/>
-                <a:ea typeface="+mn-ea"/>
-                <a:cs typeface="+mn-cs"/>
-              </a:defRPr>
-            </a:lvl7pPr>
-            <a:lvl8pPr marL="3429000" indent="-228600" algn="l" defTabSz="914400" rtl="0" eaLnBrk="1" latinLnBrk="0" hangingPunct="1">
-              <a:lnSpc>
-                <a:spcPct val="90000"/>
-              </a:lnSpc>
-              <a:spcBef>
-                <a:spcPts val="500"/>
-              </a:spcBef>
-              <a:buFont typeface="Arial" panose="020B0604020202020204" pitchFamily="34" charset="0"/>
-              <a:buChar char="•"/>
-              <a:defRPr sz="1800" kern="1200">
-                <a:solidFill>
-                  <a:schemeClr val="tx1"/>
-                </a:solidFill>
-                <a:latin typeface="+mn-lt"/>
-                <a:ea typeface="+mn-ea"/>
-                <a:cs typeface="+mn-cs"/>
-              </a:defRPr>
-            </a:lvl8pPr>
-            <a:lvl9pPr marL="3886200" indent="-228600" algn="l" defTabSz="914400" rtl="0" eaLnBrk="1" latinLnBrk="0" hangingPunct="1">
-              <a:lnSpc>
-                <a:spcPct val="90000"/>
-              </a:lnSpc>
-              <a:spcBef>
-                <a:spcPts val="500"/>
-              </a:spcBef>
-              <a:buFont typeface="Arial" panose="020B0604020202020204" pitchFamily="34" charset="0"/>
-              <a:buChar char="•"/>
-              <a:defRPr sz="1800" kern="1200">
-                <a:solidFill>
-                  <a:schemeClr val="tx1"/>
-                </a:solidFill>
-                <a:latin typeface="+mn-lt"/>
-                <a:ea typeface="+mn-ea"/>
-                <a:cs typeface="+mn-cs"/>
-              </a:defRPr>
-            </a:lvl9pPr>
-          </a:lstStyle>
-          <a:p>
-            <a:pPr marL="0"/>
-            <a:r>
-              <a:rPr lang="en-US" dirty="0"/>
               <a:t>Run Scenario</a:t>
             </a:r>
           </a:p>
@@ -11798,7 +9704,7 @@
 </p:sld>
 </file>
 
-<file path=ppt/slides/slide8.xml><?xml version="1.0" encoding="utf-8"?>
+<file path=ppt/slides/slide11.xml><?xml version="1.0" encoding="utf-8"?>
 <p:sld xmlns:a="http://schemas.openxmlformats.org/drawingml/2006/main" xmlns:r="http://schemas.openxmlformats.org/officeDocument/2006/relationships" xmlns:p="http://schemas.openxmlformats.org/presentationml/2006/main">
   <p:cSld>
     <p:spTree>
@@ -12110,7 +10016,7 @@
 </p:sld>
 </file>
 
-<file path=ppt/slides/slide9.xml><?xml version="1.0" encoding="utf-8"?>
+<file path=ppt/slides/slide12.xml><?xml version="1.0" encoding="utf-8"?>
 <p:sld xmlns:a="http://schemas.openxmlformats.org/drawingml/2006/main" xmlns:r="http://schemas.openxmlformats.org/officeDocument/2006/relationships" xmlns:p="http://schemas.openxmlformats.org/presentationml/2006/main">
   <p:cSld>
     <p:spTree>
@@ -12476,6 +10382,3386 @@
     <p:extLst>
       <p:ext uri="{BB962C8B-B14F-4D97-AF65-F5344CB8AC3E}">
         <p14:creationId xmlns:p14="http://schemas.microsoft.com/office/powerpoint/2010/main" val="3228601394"/>
+      </p:ext>
+    </p:extLst>
+  </p:cSld>
+  <p:clrMapOvr>
+    <a:masterClrMapping/>
+  </p:clrMapOvr>
+</p:sld>
+</file>
+
+<file path=ppt/slides/slide13.xml><?xml version="1.0" encoding="utf-8"?>
+<p:sld xmlns:a="http://schemas.openxmlformats.org/drawingml/2006/main" xmlns:r="http://schemas.openxmlformats.org/officeDocument/2006/relationships" xmlns:p="http://schemas.openxmlformats.org/presentationml/2006/main">
+  <p:cSld>
+    <p:spTree>
+      <p:nvGrpSpPr>
+        <p:cNvPr id="1" name=""/>
+        <p:cNvGrpSpPr/>
+        <p:nvPr/>
+      </p:nvGrpSpPr>
+      <p:grpSpPr>
+        <a:xfrm>
+          <a:off x="0" y="0"/>
+          <a:ext cx="0" cy="0"/>
+          <a:chOff x="0" y="0"/>
+          <a:chExt cx="0" cy="0"/>
+        </a:xfrm>
+      </p:grpSpPr>
+      <p:sp>
+        <p:nvSpPr>
+          <p:cNvPr id="2" name="Title 1">
+            <a:extLst>
+              <a:ext uri="{FF2B5EF4-FFF2-40B4-BE49-F238E27FC236}">
+                <a16:creationId xmlns:a16="http://schemas.microsoft.com/office/drawing/2014/main" id="{8CD68CC9-5290-CA44-80BF-980FA5C9772E}"/>
+              </a:ext>
+            </a:extLst>
+          </p:cNvPr>
+          <p:cNvSpPr>
+            <a:spLocks noGrp="1"/>
+          </p:cNvSpPr>
+          <p:nvPr>
+            <p:ph type="title"/>
+          </p:nvPr>
+        </p:nvSpPr>
+        <p:spPr/>
+        <p:txBody>
+          <a:bodyPr/>
+          <a:lstStyle/>
+          <a:p>
+            <a:r>
+              <a:rPr lang="en-US" dirty="0"/>
+              <a:t>Conclusion/Your thoughts</a:t>
+            </a:r>
+            <a:endParaRPr lang="x-none" dirty="0"/>
+          </a:p>
+        </p:txBody>
+      </p:sp>
+      <p:graphicFrame>
+        <p:nvGraphicFramePr>
+          <p:cNvPr id="5" name="Content Placeholder 2">
+            <a:extLst>
+              <a:ext uri="{FF2B5EF4-FFF2-40B4-BE49-F238E27FC236}">
+                <a16:creationId xmlns:a16="http://schemas.microsoft.com/office/drawing/2014/main" id="{794C3A0B-4391-36B5-57AB-9F0571380CE0}"/>
+              </a:ext>
+            </a:extLst>
+          </p:cNvPr>
+          <p:cNvGraphicFramePr>
+            <a:graphicFrameLocks noGrp="1"/>
+          </p:cNvGraphicFramePr>
+          <p:nvPr>
+            <p:ph idx="1"/>
+            <p:extLst>
+              <p:ext uri="{D42A27DB-BD31-4B8C-83A1-F6EECF244321}">
+                <p14:modId xmlns:p14="http://schemas.microsoft.com/office/powerpoint/2010/main" val="1580873191"/>
+              </p:ext>
+            </p:extLst>
+          </p:nvPr>
+        </p:nvGraphicFramePr>
+        <p:xfrm>
+          <a:off x="681038" y="1690691"/>
+          <a:ext cx="8543925" cy="4486272"/>
+        </p:xfrm>
+        <a:graphic>
+          <a:graphicData uri="http://schemas.openxmlformats.org/drawingml/2006/diagram">
+            <dgm:relIds xmlns:dgm="http://schemas.openxmlformats.org/drawingml/2006/diagram" xmlns:r="http://schemas.openxmlformats.org/officeDocument/2006/relationships" r:dm="rId2" r:lo="rId3" r:qs="rId4" r:cs="rId5"/>
+          </a:graphicData>
+        </a:graphic>
+      </p:graphicFrame>
+    </p:spTree>
+    <p:extLst>
+      <p:ext uri="{BB962C8B-B14F-4D97-AF65-F5344CB8AC3E}">
+        <p14:creationId xmlns:p14="http://schemas.microsoft.com/office/powerpoint/2010/main" val="1420543566"/>
+      </p:ext>
+    </p:extLst>
+  </p:cSld>
+  <p:clrMapOvr>
+    <a:masterClrMapping/>
+  </p:clrMapOvr>
+</p:sld>
+</file>
+
+<file path=ppt/slides/slide14.xml><?xml version="1.0" encoding="utf-8"?>
+<p:sld xmlns:a="http://schemas.openxmlformats.org/drawingml/2006/main" xmlns:r="http://schemas.openxmlformats.org/officeDocument/2006/relationships" xmlns:p="http://schemas.openxmlformats.org/presentationml/2006/main">
+  <p:cSld>
+    <p:bg>
+      <p:bgPr>
+        <a:solidFill>
+          <a:schemeClr val="bg1"/>
+        </a:solidFill>
+        <a:effectLst/>
+      </p:bgPr>
+    </p:bg>
+    <p:spTree>
+      <p:nvGrpSpPr>
+        <p:cNvPr id="1" name=""/>
+        <p:cNvGrpSpPr/>
+        <p:nvPr/>
+      </p:nvGrpSpPr>
+      <p:grpSpPr>
+        <a:xfrm>
+          <a:off x="0" y="0"/>
+          <a:ext cx="0" cy="0"/>
+          <a:chOff x="0" y="0"/>
+          <a:chExt cx="0" cy="0"/>
+        </a:xfrm>
+      </p:grpSpPr>
+      <p:sp useBgFill="1">
+        <p:nvSpPr>
+          <p:cNvPr id="8" name="Rectangle 7">
+            <a:extLst>
+              <a:ext uri="{FF2B5EF4-FFF2-40B4-BE49-F238E27FC236}">
+                <a16:creationId xmlns:a16="http://schemas.microsoft.com/office/drawing/2014/main" id="{98DDA986-B6EE-4642-AC60-0490373E69D0}"/>
+              </a:ext>
+              <a:ext uri="{C183D7F6-B498-43B3-948B-1728B52AA6E4}">
+                <adec:decorative xmlns:adec="http://schemas.microsoft.com/office/drawing/2017/decorative" val="1"/>
+              </a:ext>
+            </a:extLst>
+          </p:cNvPr>
+          <p:cNvSpPr>
+            <a:spLocks noGrp="1" noRot="1" noChangeAspect="1" noMove="1" noResize="1" noEditPoints="1" noAdjustHandles="1" noChangeArrowheads="1" noChangeShapeType="1" noTextEdit="1"/>
+          </p:cNvSpPr>
+          <p:nvPr>
+            <p:extLst>
+              <p:ext uri="{386F3935-93C4-4BCD-93E2-E3B085C9AB24}">
+                <p16:designElem xmlns:p16="http://schemas.microsoft.com/office/powerpoint/2015/main" val="1"/>
+              </p:ext>
+            </p:extLst>
+          </p:nvPr>
+        </p:nvSpPr>
+        <p:spPr>
+          <a:xfrm>
+            <a:off x="0" y="0"/>
+            <a:ext cx="9906000" cy="6858000"/>
+          </a:xfrm>
+          <a:prstGeom prst="rect">
+            <a:avLst/>
+          </a:prstGeom>
+          <a:ln w="12700" cap="flat" cmpd="sng" algn="ctr">
+            <a:noFill/>
+            <a:prstDash val="solid"/>
+            <a:miter lim="800000"/>
+          </a:ln>
+          <a:effectLst/>
+          <a:extLst>
+            <a:ext uri="{91240B29-F687-4F45-9708-019B960494DF}">
+              <a14:hiddenLine xmlns:a14="http://schemas.microsoft.com/office/drawing/2010/main" w="12700" cap="flat" cmpd="sng" algn="ctr">
+                <a:solidFill>
+                  <a:schemeClr val="accent1">
+                    <a:shade val="50000"/>
+                  </a:schemeClr>
+                </a:solidFill>
+                <a:prstDash val="solid"/>
+                <a:miter lim="800000"/>
+              </a14:hiddenLine>
+            </a:ext>
+          </a:extLst>
+        </p:spPr>
+        <p:style>
+          <a:lnRef idx="2">
+            <a:schemeClr val="accent1">
+              <a:shade val="50000"/>
+            </a:schemeClr>
+          </a:lnRef>
+          <a:fillRef idx="1">
+            <a:schemeClr val="accent1"/>
+          </a:fillRef>
+          <a:effectRef idx="0">
+            <a:schemeClr val="accent1"/>
+          </a:effectRef>
+          <a:fontRef idx="minor">
+            <a:schemeClr val="lt1"/>
+          </a:fontRef>
+        </p:style>
+        <p:txBody>
+          <a:bodyPr rtlCol="0" anchor="ctr"/>
+          <a:lstStyle/>
+          <a:p>
+            <a:pPr algn="ctr"/>
+            <a:endParaRPr lang="en-US"/>
+          </a:p>
+        </p:txBody>
+      </p:sp>
+      <p:sp>
+        <p:nvSpPr>
+          <p:cNvPr id="10" name="Rectangle 9">
+            <a:extLst>
+              <a:ext uri="{FF2B5EF4-FFF2-40B4-BE49-F238E27FC236}">
+                <a16:creationId xmlns:a16="http://schemas.microsoft.com/office/drawing/2014/main" id="{80B62878-12EF-4E97-A284-47BAFC30DA2E}"/>
+              </a:ext>
+              <a:ext uri="{C183D7F6-B498-43B3-948B-1728B52AA6E4}">
+                <adec:decorative xmlns:adec="http://schemas.microsoft.com/office/drawing/2017/decorative" val="1"/>
+              </a:ext>
+            </a:extLst>
+          </p:cNvPr>
+          <p:cNvSpPr>
+            <a:spLocks noGrp="1" noRot="1" noChangeAspect="1" noMove="1" noResize="1" noEditPoints="1" noAdjustHandles="1" noChangeArrowheads="1" noChangeShapeType="1" noTextEdit="1"/>
+          </p:cNvSpPr>
+          <p:nvPr>
+            <p:extLst>
+              <p:ext uri="{386F3935-93C4-4BCD-93E2-E3B085C9AB24}">
+                <p16:designElem xmlns:p16="http://schemas.microsoft.com/office/powerpoint/2015/main" val="1"/>
+              </p:ext>
+            </p:extLst>
+          </p:nvPr>
+        </p:nvSpPr>
+        <p:spPr>
+          <a:xfrm>
+            <a:off x="0" y="0"/>
+            <a:ext cx="9906000" cy="6858000"/>
+          </a:xfrm>
+          <a:prstGeom prst="rect">
+            <a:avLst/>
+          </a:prstGeom>
+          <a:solidFill>
+            <a:schemeClr val="accent2">
+              <a:lumMod val="20000"/>
+              <a:lumOff val="80000"/>
+            </a:schemeClr>
+          </a:solidFill>
+          <a:ln>
+            <a:noFill/>
+          </a:ln>
+        </p:spPr>
+        <p:style>
+          <a:lnRef idx="2">
+            <a:schemeClr val="accent1">
+              <a:shade val="50000"/>
+            </a:schemeClr>
+          </a:lnRef>
+          <a:fillRef idx="1">
+            <a:schemeClr val="accent1"/>
+          </a:fillRef>
+          <a:effectRef idx="0">
+            <a:schemeClr val="accent1"/>
+          </a:effectRef>
+          <a:fontRef idx="minor">
+            <a:schemeClr val="lt1"/>
+          </a:fontRef>
+        </p:style>
+        <p:txBody>
+          <a:bodyPr rtlCol="0" anchor="ctr"/>
+          <a:lstStyle/>
+          <a:p>
+            <a:pPr algn="ctr"/>
+            <a:endParaRPr lang="en-US"/>
+          </a:p>
+        </p:txBody>
+      </p:sp>
+      <p:sp>
+        <p:nvSpPr>
+          <p:cNvPr id="12" name="Rectangle 11">
+            <a:extLst>
+              <a:ext uri="{FF2B5EF4-FFF2-40B4-BE49-F238E27FC236}">
+                <a16:creationId xmlns:a16="http://schemas.microsoft.com/office/drawing/2014/main" id="{6D79188D-1ED5-4705-B8C7-5D6FB7670AB3}"/>
+              </a:ext>
+              <a:ext uri="{C183D7F6-B498-43B3-948B-1728B52AA6E4}">
+                <adec:decorative xmlns:adec="http://schemas.microsoft.com/office/drawing/2017/decorative" val="1"/>
+              </a:ext>
+            </a:extLst>
+          </p:cNvPr>
+          <p:cNvSpPr>
+            <a:spLocks noGrp="1" noRot="1" noChangeAspect="1" noMove="1" noResize="1" noEditPoints="1" noAdjustHandles="1" noChangeArrowheads="1" noChangeShapeType="1" noTextEdit="1"/>
+          </p:cNvSpPr>
+          <p:nvPr>
+            <p:extLst>
+              <p:ext uri="{386F3935-93C4-4BCD-93E2-E3B085C9AB24}">
+                <p16:designElem xmlns:p16="http://schemas.microsoft.com/office/powerpoint/2015/main" val="1"/>
+              </p:ext>
+            </p:extLst>
+          </p:nvPr>
+        </p:nvSpPr>
+        <p:spPr>
+          <a:xfrm>
+            <a:off x="565105" y="685800"/>
+            <a:ext cx="8775789" cy="5486400"/>
+          </a:xfrm>
+          <a:prstGeom prst="rect">
+            <a:avLst/>
+          </a:prstGeom>
+          <a:solidFill>
+            <a:schemeClr val="bg1"/>
+          </a:solidFill>
+          <a:ln>
+            <a:noFill/>
+          </a:ln>
+        </p:spPr>
+        <p:style>
+          <a:lnRef idx="2">
+            <a:schemeClr val="accent1">
+              <a:shade val="50000"/>
+            </a:schemeClr>
+          </a:lnRef>
+          <a:fillRef idx="1">
+            <a:schemeClr val="accent1"/>
+          </a:fillRef>
+          <a:effectRef idx="0">
+            <a:schemeClr val="accent1"/>
+          </a:effectRef>
+          <a:fontRef idx="minor">
+            <a:schemeClr val="lt1"/>
+          </a:fontRef>
+        </p:style>
+        <p:txBody>
+          <a:bodyPr rtlCol="0" anchor="ctr"/>
+          <a:lstStyle/>
+          <a:p>
+            <a:pPr algn="ctr"/>
+            <a:endParaRPr lang="en-US"/>
+          </a:p>
+        </p:txBody>
+      </p:sp>
+      <p:sp>
+        <p:nvSpPr>
+          <p:cNvPr id="2" name="Title 1">
+            <a:extLst>
+              <a:ext uri="{FF2B5EF4-FFF2-40B4-BE49-F238E27FC236}">
+                <a16:creationId xmlns:a16="http://schemas.microsoft.com/office/drawing/2014/main" id="{8CD68CC9-5290-CA44-80BF-980FA5C9772E}"/>
+              </a:ext>
+            </a:extLst>
+          </p:cNvPr>
+          <p:cNvSpPr>
+            <a:spLocks noGrp="1"/>
+          </p:cNvSpPr>
+          <p:nvPr>
+            <p:ph type="title"/>
+          </p:nvPr>
+        </p:nvSpPr>
+        <p:spPr>
+          <a:xfrm>
+            <a:off x="1313043" y="1261137"/>
+            <a:ext cx="7279913" cy="888360"/>
+          </a:xfrm>
+        </p:spPr>
+        <p:txBody>
+          <a:bodyPr anchor="b">
+            <a:normAutofit/>
+          </a:bodyPr>
+          <a:lstStyle/>
+          <a:p>
+            <a:pPr algn="ctr"/>
+            <a:r>
+              <a:rPr lang="en-US" sz="3600" b="1" dirty="0">
+                <a:solidFill>
+                  <a:schemeClr val="tx1">
+                    <a:lumMod val="65000"/>
+                    <a:lumOff val="35000"/>
+                  </a:schemeClr>
+                </a:solidFill>
+              </a:rPr>
+              <a:t>Action items</a:t>
+            </a:r>
+            <a:endParaRPr lang="x-none" sz="3600" b="1">
+              <a:solidFill>
+                <a:schemeClr val="tx1">
+                  <a:lumMod val="65000"/>
+                  <a:lumOff val="35000"/>
+                </a:schemeClr>
+              </a:solidFill>
+            </a:endParaRPr>
+          </a:p>
+        </p:txBody>
+      </p:sp>
+      <p:sp>
+        <p:nvSpPr>
+          <p:cNvPr id="3" name="Content Placeholder 2">
+            <a:extLst>
+              <a:ext uri="{FF2B5EF4-FFF2-40B4-BE49-F238E27FC236}">
+                <a16:creationId xmlns:a16="http://schemas.microsoft.com/office/drawing/2014/main" id="{470DCF87-3B99-6A40-813B-84A2E5356F75}"/>
+              </a:ext>
+            </a:extLst>
+          </p:cNvPr>
+          <p:cNvSpPr>
+            <a:spLocks noGrp="1"/>
+          </p:cNvSpPr>
+          <p:nvPr>
+            <p:ph idx="1"/>
+          </p:nvPr>
+        </p:nvSpPr>
+        <p:spPr>
+          <a:xfrm>
+            <a:off x="1313043" y="2427383"/>
+            <a:ext cx="7279913" cy="3169482"/>
+          </a:xfrm>
+        </p:spPr>
+        <p:txBody>
+          <a:bodyPr anchor="t">
+            <a:normAutofit/>
+          </a:bodyPr>
+          <a:lstStyle/>
+          <a:p>
+            <a:r>
+              <a:rPr lang="en-US" sz="2400" dirty="0">
+                <a:solidFill>
+                  <a:schemeClr val="tx1">
+                    <a:lumMod val="65000"/>
+                    <a:lumOff val="35000"/>
+                  </a:schemeClr>
+                </a:solidFill>
+              </a:rPr>
+              <a:t>Implementing SZ compression in XIOS used the H5Z-SZ filter from </a:t>
+            </a:r>
+            <a:r>
+              <a:rPr lang="en-US" sz="2400" dirty="0" err="1">
+                <a:solidFill>
+                  <a:schemeClr val="tx1">
+                    <a:lumMod val="65000"/>
+                    <a:lumOff val="35000"/>
+                  </a:schemeClr>
+                </a:solidFill>
+              </a:rPr>
+              <a:t>NetCDF</a:t>
+            </a:r>
+            <a:r>
+              <a:rPr lang="en-US" sz="2400" dirty="0">
+                <a:solidFill>
+                  <a:schemeClr val="tx1">
+                    <a:lumMod val="65000"/>
+                    <a:lumOff val="35000"/>
+                  </a:schemeClr>
+                </a:solidFill>
+              </a:rPr>
+              <a:t> API calls.</a:t>
+            </a:r>
+          </a:p>
+          <a:p>
+            <a:r>
+              <a:rPr lang="en-US" sz="2400" dirty="0">
+                <a:solidFill>
+                  <a:schemeClr val="tx1">
+                    <a:lumMod val="65000"/>
+                    <a:lumOff val="35000"/>
+                  </a:schemeClr>
+                </a:solidFill>
+              </a:rPr>
+              <a:t>Modified XIOS to perform SZ compression by utilizing</a:t>
+            </a:r>
+            <a:endParaRPr lang="x-none" sz="2400">
+              <a:solidFill>
+                <a:schemeClr val="tx1">
+                  <a:lumMod val="65000"/>
+                  <a:lumOff val="35000"/>
+                </a:schemeClr>
+              </a:solidFill>
+            </a:endParaRPr>
+          </a:p>
+        </p:txBody>
+      </p:sp>
+    </p:spTree>
+    <p:extLst>
+      <p:ext uri="{BB962C8B-B14F-4D97-AF65-F5344CB8AC3E}">
+        <p14:creationId xmlns:p14="http://schemas.microsoft.com/office/powerpoint/2010/main" val="1434249210"/>
+      </p:ext>
+    </p:extLst>
+  </p:cSld>
+  <p:clrMapOvr>
+    <a:masterClrMapping/>
+  </p:clrMapOvr>
+</p:sld>
+</file>
+
+<file path=ppt/slides/slide2.xml><?xml version="1.0" encoding="utf-8"?>
+<p:sld xmlns:a="http://schemas.openxmlformats.org/drawingml/2006/main" xmlns:r="http://schemas.openxmlformats.org/officeDocument/2006/relationships" xmlns:p="http://schemas.openxmlformats.org/presentationml/2006/main">
+  <p:cSld>
+    <p:spTree>
+      <p:nvGrpSpPr>
+        <p:cNvPr id="1" name=""/>
+        <p:cNvGrpSpPr/>
+        <p:nvPr/>
+      </p:nvGrpSpPr>
+      <p:grpSpPr>
+        <a:xfrm>
+          <a:off x="0" y="0"/>
+          <a:ext cx="0" cy="0"/>
+          <a:chOff x="0" y="0"/>
+          <a:chExt cx="0" cy="0"/>
+        </a:xfrm>
+      </p:grpSpPr>
+      <p:sp>
+        <p:nvSpPr>
+          <p:cNvPr id="2" name="Title 1">
+            <a:extLst>
+              <a:ext uri="{FF2B5EF4-FFF2-40B4-BE49-F238E27FC236}">
+                <a16:creationId xmlns:a16="http://schemas.microsoft.com/office/drawing/2014/main" id="{8CD68CC9-5290-CA44-80BF-980FA5C9772E}"/>
+              </a:ext>
+            </a:extLst>
+          </p:cNvPr>
+          <p:cNvSpPr>
+            <a:spLocks noGrp="1"/>
+          </p:cNvSpPr>
+          <p:nvPr>
+            <p:ph type="title"/>
+          </p:nvPr>
+        </p:nvSpPr>
+        <p:spPr/>
+        <p:txBody>
+          <a:bodyPr/>
+          <a:lstStyle/>
+          <a:p>
+            <a:r>
+              <a:rPr lang="en-US" dirty="0"/>
+              <a:t>Summary</a:t>
+            </a:r>
+            <a:endParaRPr lang="x-none" dirty="0"/>
+          </a:p>
+        </p:txBody>
+      </p:sp>
+      <p:graphicFrame>
+        <p:nvGraphicFramePr>
+          <p:cNvPr id="5" name="Content Placeholder 2">
+            <a:extLst>
+              <a:ext uri="{FF2B5EF4-FFF2-40B4-BE49-F238E27FC236}">
+                <a16:creationId xmlns:a16="http://schemas.microsoft.com/office/drawing/2014/main" id="{F1691754-C045-1B32-EE64-19ED85539E6B}"/>
+              </a:ext>
+            </a:extLst>
+          </p:cNvPr>
+          <p:cNvGraphicFramePr>
+            <a:graphicFrameLocks noGrp="1"/>
+          </p:cNvGraphicFramePr>
+          <p:nvPr>
+            <p:ph idx="1"/>
+            <p:extLst>
+              <p:ext uri="{D42A27DB-BD31-4B8C-83A1-F6EECF244321}">
+                <p14:modId xmlns:p14="http://schemas.microsoft.com/office/powerpoint/2010/main" val="2240489191"/>
+              </p:ext>
+            </p:extLst>
+          </p:nvPr>
+        </p:nvGraphicFramePr>
+        <p:xfrm>
+          <a:off x="681038" y="1690691"/>
+          <a:ext cx="8543925" cy="4486272"/>
+        </p:xfrm>
+        <a:graphic>
+          <a:graphicData uri="http://schemas.openxmlformats.org/drawingml/2006/diagram">
+            <dgm:relIds xmlns:dgm="http://schemas.openxmlformats.org/drawingml/2006/diagram" xmlns:r="http://schemas.openxmlformats.org/officeDocument/2006/relationships" r:dm="rId2" r:lo="rId3" r:qs="rId4" r:cs="rId5"/>
+          </a:graphicData>
+        </a:graphic>
+      </p:graphicFrame>
+    </p:spTree>
+    <p:extLst>
+      <p:ext uri="{BB962C8B-B14F-4D97-AF65-F5344CB8AC3E}">
+        <p14:creationId xmlns:p14="http://schemas.microsoft.com/office/powerpoint/2010/main" val="3304241832"/>
+      </p:ext>
+    </p:extLst>
+  </p:cSld>
+  <p:clrMapOvr>
+    <a:masterClrMapping/>
+  </p:clrMapOvr>
+</p:sld>
+</file>
+
+<file path=ppt/slides/slide3.xml><?xml version="1.0" encoding="utf-8"?>
+<p:sld xmlns:a="http://schemas.openxmlformats.org/drawingml/2006/main" xmlns:r="http://schemas.openxmlformats.org/officeDocument/2006/relationships" xmlns:p="http://schemas.openxmlformats.org/presentationml/2006/main">
+  <p:cSld>
+    <p:bg>
+      <p:bgPr>
+        <a:solidFill>
+          <a:schemeClr val="bg1"/>
+        </a:solidFill>
+        <a:effectLst/>
+      </p:bgPr>
+    </p:bg>
+    <p:spTree>
+      <p:nvGrpSpPr>
+        <p:cNvPr id="1" name=""/>
+        <p:cNvGrpSpPr/>
+        <p:nvPr/>
+      </p:nvGrpSpPr>
+      <p:grpSpPr>
+        <a:xfrm>
+          <a:off x="0" y="0"/>
+          <a:ext cx="0" cy="0"/>
+          <a:chOff x="0" y="0"/>
+          <a:chExt cx="0" cy="0"/>
+        </a:xfrm>
+      </p:grpSpPr>
+      <p:sp>
+        <p:nvSpPr>
+          <p:cNvPr id="2" name="Title 1">
+            <a:extLst>
+              <a:ext uri="{FF2B5EF4-FFF2-40B4-BE49-F238E27FC236}">
+                <a16:creationId xmlns:a16="http://schemas.microsoft.com/office/drawing/2014/main" id="{8CD68CC9-5290-CA44-80BF-980FA5C9772E}"/>
+              </a:ext>
+            </a:extLst>
+          </p:cNvPr>
+          <p:cNvSpPr>
+            <a:spLocks noGrp="1"/>
+          </p:cNvSpPr>
+          <p:nvPr>
+            <p:ph type="title"/>
+          </p:nvPr>
+        </p:nvSpPr>
+        <p:spPr/>
+        <p:txBody>
+          <a:bodyPr vert="horz" lIns="91440" tIns="45720" rIns="91440" bIns="45720" rtlCol="0" anchor="ctr">
+            <a:normAutofit/>
+          </a:bodyPr>
+          <a:lstStyle/>
+          <a:p>
+            <a:r>
+              <a:rPr lang="en-US" sz="3600" kern="1200" dirty="0">
+                <a:solidFill>
+                  <a:schemeClr val="tx1"/>
+                </a:solidFill>
+                <a:latin typeface="+mj-lt"/>
+                <a:ea typeface="+mj-ea"/>
+                <a:cs typeface="+mj-cs"/>
+              </a:rPr>
+              <a:t>Integrate SZ Compression in XIOS</a:t>
+            </a:r>
+          </a:p>
+        </p:txBody>
+      </p:sp>
+      <p:sp>
+        <p:nvSpPr>
+          <p:cNvPr id="12" name="Content Placeholder 11">
+            <a:extLst>
+              <a:ext uri="{FF2B5EF4-FFF2-40B4-BE49-F238E27FC236}">
+                <a16:creationId xmlns:a16="http://schemas.microsoft.com/office/drawing/2014/main" id="{243C258F-452F-B757-EB95-FC1B37D21CC4}"/>
+              </a:ext>
+            </a:extLst>
+          </p:cNvPr>
+          <p:cNvSpPr>
+            <a:spLocks noGrp="1"/>
+          </p:cNvSpPr>
+          <p:nvPr>
+            <p:ph sz="half" idx="1"/>
+          </p:nvPr>
+        </p:nvSpPr>
+        <p:spPr>
+          <a:xfrm>
+            <a:off x="681037" y="2227811"/>
+            <a:ext cx="8543925" cy="3949152"/>
+          </a:xfrm>
+        </p:spPr>
+        <p:txBody>
+          <a:bodyPr/>
+          <a:lstStyle/>
+          <a:p>
+            <a:r>
+              <a:rPr lang="en-US" dirty="0"/>
+              <a:t>Low GloSea6 is a community model developed by the Korea Meteorological Administration.</a:t>
+            </a:r>
+          </a:p>
+          <a:p>
+            <a:r>
+              <a:rPr lang="en-US" dirty="0"/>
+              <a:t>Low GloSea6 consists of ATMOS and OCEAN models.</a:t>
+            </a:r>
+          </a:p>
+          <a:p>
+            <a:endParaRPr lang="en-US" dirty="0"/>
+          </a:p>
+        </p:txBody>
+      </p:sp>
+      <p:sp>
+        <p:nvSpPr>
+          <p:cNvPr id="4" name="Content Placeholder 2">
+            <a:extLst>
+              <a:ext uri="{FF2B5EF4-FFF2-40B4-BE49-F238E27FC236}">
+                <a16:creationId xmlns:a16="http://schemas.microsoft.com/office/drawing/2014/main" id="{B0DB67BD-27B4-564E-B96F-A0BF6F882EA1}"/>
+              </a:ext>
+            </a:extLst>
+          </p:cNvPr>
+          <p:cNvSpPr txBox="1">
+            <a:spLocks/>
+          </p:cNvSpPr>
+          <p:nvPr/>
+        </p:nvSpPr>
+        <p:spPr>
+          <a:xfrm>
+            <a:off x="819149" y="1459907"/>
+            <a:ext cx="8267699" cy="767904"/>
+          </a:xfrm>
+          <a:prstGeom prst="rect">
+            <a:avLst/>
+          </a:prstGeom>
+        </p:spPr>
+        <p:style>
+          <a:lnRef idx="1">
+            <a:schemeClr val="accent4"/>
+          </a:lnRef>
+          <a:fillRef idx="3">
+            <a:schemeClr val="accent4"/>
+          </a:fillRef>
+          <a:effectRef idx="2">
+            <a:schemeClr val="accent4"/>
+          </a:effectRef>
+          <a:fontRef idx="minor">
+            <a:schemeClr val="lt1"/>
+          </a:fontRef>
+        </p:style>
+        <p:txBody>
+          <a:bodyPr vert="horz" lIns="91440" tIns="45720" rIns="91440" bIns="45720" rtlCol="0" anchor="ctr">
+            <a:normAutofit/>
+          </a:bodyPr>
+          <a:lstStyle>
+            <a:lvl1pPr marL="228600" indent="-228600" algn="l" defTabSz="914400" rtl="0" eaLnBrk="1" latinLnBrk="0" hangingPunct="1">
+              <a:lnSpc>
+                <a:spcPct val="90000"/>
+              </a:lnSpc>
+              <a:spcBef>
+                <a:spcPts val="1000"/>
+              </a:spcBef>
+              <a:buFont typeface="Arial" panose="020B0604020202020204" pitchFamily="34" charset="0"/>
+              <a:buChar char="•"/>
+              <a:defRPr sz="2800" kern="1200">
+                <a:solidFill>
+                  <a:schemeClr val="tx1"/>
+                </a:solidFill>
+                <a:latin typeface="+mn-lt"/>
+                <a:ea typeface="+mn-ea"/>
+                <a:cs typeface="+mn-cs"/>
+              </a:defRPr>
+            </a:lvl1pPr>
+            <a:lvl2pPr marL="685800" indent="-228600" algn="l" defTabSz="914400" rtl="0" eaLnBrk="1" latinLnBrk="0" hangingPunct="1">
+              <a:lnSpc>
+                <a:spcPct val="90000"/>
+              </a:lnSpc>
+              <a:spcBef>
+                <a:spcPts val="500"/>
+              </a:spcBef>
+              <a:buFont typeface="Arial" panose="020B0604020202020204" pitchFamily="34" charset="0"/>
+              <a:buChar char="•"/>
+              <a:defRPr sz="2400" kern="1200">
+                <a:solidFill>
+                  <a:schemeClr val="tx1"/>
+                </a:solidFill>
+                <a:latin typeface="+mn-lt"/>
+                <a:ea typeface="+mn-ea"/>
+                <a:cs typeface="+mn-cs"/>
+              </a:defRPr>
+            </a:lvl2pPr>
+            <a:lvl3pPr marL="1143000" indent="-228600" algn="l" defTabSz="914400" rtl="0" eaLnBrk="1" latinLnBrk="0" hangingPunct="1">
+              <a:lnSpc>
+                <a:spcPct val="90000"/>
+              </a:lnSpc>
+              <a:spcBef>
+                <a:spcPts val="500"/>
+              </a:spcBef>
+              <a:buFont typeface="Arial" panose="020B0604020202020204" pitchFamily="34" charset="0"/>
+              <a:buChar char="•"/>
+              <a:defRPr sz="2000" kern="1200">
+                <a:solidFill>
+                  <a:schemeClr val="tx1"/>
+                </a:solidFill>
+                <a:latin typeface="+mn-lt"/>
+                <a:ea typeface="+mn-ea"/>
+                <a:cs typeface="+mn-cs"/>
+              </a:defRPr>
+            </a:lvl3pPr>
+            <a:lvl4pPr marL="1600200" indent="-228600" algn="l" defTabSz="914400" rtl="0" eaLnBrk="1" latinLnBrk="0" hangingPunct="1">
+              <a:lnSpc>
+                <a:spcPct val="90000"/>
+              </a:lnSpc>
+              <a:spcBef>
+                <a:spcPts val="500"/>
+              </a:spcBef>
+              <a:buFont typeface="Arial" panose="020B0604020202020204" pitchFamily="34" charset="0"/>
+              <a:buChar char="•"/>
+              <a:defRPr sz="1800" kern="1200">
+                <a:solidFill>
+                  <a:schemeClr val="tx1"/>
+                </a:solidFill>
+                <a:latin typeface="+mn-lt"/>
+                <a:ea typeface="+mn-ea"/>
+                <a:cs typeface="+mn-cs"/>
+              </a:defRPr>
+            </a:lvl4pPr>
+            <a:lvl5pPr marL="2057400" indent="-228600" algn="l" defTabSz="914400" rtl="0" eaLnBrk="1" latinLnBrk="0" hangingPunct="1">
+              <a:lnSpc>
+                <a:spcPct val="90000"/>
+              </a:lnSpc>
+              <a:spcBef>
+                <a:spcPts val="500"/>
+              </a:spcBef>
+              <a:buFont typeface="Arial" panose="020B0604020202020204" pitchFamily="34" charset="0"/>
+              <a:buChar char="•"/>
+              <a:defRPr sz="1800" kern="1200">
+                <a:solidFill>
+                  <a:schemeClr val="tx1"/>
+                </a:solidFill>
+                <a:latin typeface="+mn-lt"/>
+                <a:ea typeface="+mn-ea"/>
+                <a:cs typeface="+mn-cs"/>
+              </a:defRPr>
+            </a:lvl5pPr>
+            <a:lvl6pPr marL="2514600" indent="-228600" algn="l" defTabSz="914400" rtl="0" eaLnBrk="1" latinLnBrk="0" hangingPunct="1">
+              <a:lnSpc>
+                <a:spcPct val="90000"/>
+              </a:lnSpc>
+              <a:spcBef>
+                <a:spcPts val="500"/>
+              </a:spcBef>
+              <a:buFont typeface="Arial" panose="020B0604020202020204" pitchFamily="34" charset="0"/>
+              <a:buChar char="•"/>
+              <a:defRPr sz="1800" kern="1200">
+                <a:solidFill>
+                  <a:schemeClr val="tx1"/>
+                </a:solidFill>
+                <a:latin typeface="+mn-lt"/>
+                <a:ea typeface="+mn-ea"/>
+                <a:cs typeface="+mn-cs"/>
+              </a:defRPr>
+            </a:lvl6pPr>
+            <a:lvl7pPr marL="2971800" indent="-228600" algn="l" defTabSz="914400" rtl="0" eaLnBrk="1" latinLnBrk="0" hangingPunct="1">
+              <a:lnSpc>
+                <a:spcPct val="90000"/>
+              </a:lnSpc>
+              <a:spcBef>
+                <a:spcPts val="500"/>
+              </a:spcBef>
+              <a:buFont typeface="Arial" panose="020B0604020202020204" pitchFamily="34" charset="0"/>
+              <a:buChar char="•"/>
+              <a:defRPr sz="1800" kern="1200">
+                <a:solidFill>
+                  <a:schemeClr val="tx1"/>
+                </a:solidFill>
+                <a:latin typeface="+mn-lt"/>
+                <a:ea typeface="+mn-ea"/>
+                <a:cs typeface="+mn-cs"/>
+              </a:defRPr>
+            </a:lvl7pPr>
+            <a:lvl8pPr marL="3429000" indent="-228600" algn="l" defTabSz="914400" rtl="0" eaLnBrk="1" latinLnBrk="0" hangingPunct="1">
+              <a:lnSpc>
+                <a:spcPct val="90000"/>
+              </a:lnSpc>
+              <a:spcBef>
+                <a:spcPts val="500"/>
+              </a:spcBef>
+              <a:buFont typeface="Arial" panose="020B0604020202020204" pitchFamily="34" charset="0"/>
+              <a:buChar char="•"/>
+              <a:defRPr sz="1800" kern="1200">
+                <a:solidFill>
+                  <a:schemeClr val="tx1"/>
+                </a:solidFill>
+                <a:latin typeface="+mn-lt"/>
+                <a:ea typeface="+mn-ea"/>
+                <a:cs typeface="+mn-cs"/>
+              </a:defRPr>
+            </a:lvl8pPr>
+            <a:lvl9pPr marL="3886200" indent="-228600" algn="l" defTabSz="914400" rtl="0" eaLnBrk="1" latinLnBrk="0" hangingPunct="1">
+              <a:lnSpc>
+                <a:spcPct val="90000"/>
+              </a:lnSpc>
+              <a:spcBef>
+                <a:spcPts val="500"/>
+              </a:spcBef>
+              <a:buFont typeface="Arial" panose="020B0604020202020204" pitchFamily="34" charset="0"/>
+              <a:buChar char="•"/>
+              <a:defRPr sz="1800" kern="1200">
+                <a:solidFill>
+                  <a:schemeClr val="tx1"/>
+                </a:solidFill>
+                <a:latin typeface="+mn-lt"/>
+                <a:ea typeface="+mn-ea"/>
+                <a:cs typeface="+mn-cs"/>
+              </a:defRPr>
+            </a:lvl9pPr>
+          </a:lstStyle>
+          <a:p>
+            <a:pPr marL="0"/>
+            <a:r>
+              <a:rPr lang="en-US" dirty="0"/>
+              <a:t>Low GloSea6 Introduction</a:t>
+            </a:r>
+          </a:p>
+        </p:txBody>
+      </p:sp>
+      <p:pic>
+        <p:nvPicPr>
+          <p:cNvPr id="5" name="Content Placeholder 4" descr="A picture containing text, screenshot, font, line&#10;&#10;Description automatically generated">
+            <a:extLst>
+              <a:ext uri="{FF2B5EF4-FFF2-40B4-BE49-F238E27FC236}">
+                <a16:creationId xmlns:a16="http://schemas.microsoft.com/office/drawing/2014/main" id="{26A3390C-CAD9-FDD2-B06F-756057CB4FE1}"/>
+              </a:ext>
+            </a:extLst>
+          </p:cNvPr>
+          <p:cNvPicPr>
+            <a:picLocks noGrp="1" noChangeAspect="1"/>
+          </p:cNvPicPr>
+          <p:nvPr>
+            <p:ph sz="half" idx="2"/>
+          </p:nvPr>
+        </p:nvPicPr>
+        <p:blipFill>
+          <a:blip r:embed="rId2"/>
+          <a:stretch>
+            <a:fillRect/>
+          </a:stretch>
+        </p:blipFill>
+        <p:spPr>
+          <a:xfrm>
+            <a:off x="2135385" y="4215390"/>
+            <a:ext cx="5635229" cy="2365405"/>
+          </a:xfrm>
+        </p:spPr>
+      </p:pic>
+    </p:spTree>
+    <p:extLst>
+      <p:ext uri="{BB962C8B-B14F-4D97-AF65-F5344CB8AC3E}">
+        <p14:creationId xmlns:p14="http://schemas.microsoft.com/office/powerpoint/2010/main" val="502780945"/>
+      </p:ext>
+    </p:extLst>
+  </p:cSld>
+  <p:clrMapOvr>
+    <a:masterClrMapping/>
+  </p:clrMapOvr>
+</p:sld>
+</file>
+
+<file path=ppt/slides/slide4.xml><?xml version="1.0" encoding="utf-8"?>
+<p:sld xmlns:a="http://schemas.openxmlformats.org/drawingml/2006/main" xmlns:r="http://schemas.openxmlformats.org/officeDocument/2006/relationships" xmlns:p="http://schemas.openxmlformats.org/presentationml/2006/main">
+  <p:cSld>
+    <p:bg>
+      <p:bgPr>
+        <a:solidFill>
+          <a:schemeClr val="bg1"/>
+        </a:solidFill>
+        <a:effectLst/>
+      </p:bgPr>
+    </p:bg>
+    <p:spTree>
+      <p:nvGrpSpPr>
+        <p:cNvPr id="1" name=""/>
+        <p:cNvGrpSpPr/>
+        <p:nvPr/>
+      </p:nvGrpSpPr>
+      <p:grpSpPr>
+        <a:xfrm>
+          <a:off x="0" y="0"/>
+          <a:ext cx="0" cy="0"/>
+          <a:chOff x="0" y="0"/>
+          <a:chExt cx="0" cy="0"/>
+        </a:xfrm>
+      </p:grpSpPr>
+      <p:sp useBgFill="1">
+        <p:nvSpPr>
+          <p:cNvPr id="10" name="Rectangle 9">
+            <a:extLst>
+              <a:ext uri="{FF2B5EF4-FFF2-40B4-BE49-F238E27FC236}">
+                <a16:creationId xmlns:a16="http://schemas.microsoft.com/office/drawing/2014/main" id="{1A95671B-3CC6-4792-9114-B74FAEA224E6}"/>
+              </a:ext>
+              <a:ext uri="{C183D7F6-B498-43B3-948B-1728B52AA6E4}">
+                <adec:decorative xmlns:adec="http://schemas.microsoft.com/office/drawing/2017/decorative" val="1"/>
+              </a:ext>
+            </a:extLst>
+          </p:cNvPr>
+          <p:cNvSpPr>
+            <a:spLocks noGrp="1" noRot="1" noChangeAspect="1" noMove="1" noResize="1" noEditPoints="1" noAdjustHandles="1" noChangeArrowheads="1" noChangeShapeType="1" noTextEdit="1"/>
+          </p:cNvSpPr>
+          <p:nvPr>
+            <p:extLst>
+              <p:ext uri="{386F3935-93C4-4BCD-93E2-E3B085C9AB24}">
+                <p16:designElem xmlns:p16="http://schemas.microsoft.com/office/powerpoint/2015/main" val="1"/>
+              </p:ext>
+            </p:extLst>
+          </p:nvPr>
+        </p:nvSpPr>
+        <p:spPr>
+          <a:xfrm>
+            <a:off x="0" y="0"/>
+            <a:ext cx="9903523" cy="6858000"/>
+          </a:xfrm>
+          <a:prstGeom prst="rect">
+            <a:avLst/>
+          </a:prstGeom>
+          <a:ln>
+            <a:noFill/>
+          </a:ln>
+        </p:spPr>
+        <p:style>
+          <a:lnRef idx="2">
+            <a:schemeClr val="accent1">
+              <a:shade val="50000"/>
+            </a:schemeClr>
+          </a:lnRef>
+          <a:fillRef idx="1">
+            <a:schemeClr val="accent1"/>
+          </a:fillRef>
+          <a:effectRef idx="0">
+            <a:schemeClr val="accent1"/>
+          </a:effectRef>
+          <a:fontRef idx="minor">
+            <a:schemeClr val="lt1"/>
+          </a:fontRef>
+        </p:style>
+        <p:txBody>
+          <a:bodyPr rtlCol="0" anchor="ctr"/>
+          <a:lstStyle/>
+          <a:p>
+            <a:pPr algn="ctr"/>
+            <a:endParaRPr lang="en-US"/>
+          </a:p>
+        </p:txBody>
+      </p:sp>
+      <p:sp>
+        <p:nvSpPr>
+          <p:cNvPr id="2" name="Title 1">
+            <a:extLst>
+              <a:ext uri="{FF2B5EF4-FFF2-40B4-BE49-F238E27FC236}">
+                <a16:creationId xmlns:a16="http://schemas.microsoft.com/office/drawing/2014/main" id="{8CD68CC9-5290-CA44-80BF-980FA5C9772E}"/>
+              </a:ext>
+            </a:extLst>
+          </p:cNvPr>
+          <p:cNvSpPr>
+            <a:spLocks noGrp="1"/>
+          </p:cNvSpPr>
+          <p:nvPr>
+            <p:ph type="title"/>
+          </p:nvPr>
+        </p:nvSpPr>
+        <p:spPr>
+          <a:xfrm>
+            <a:off x="819149" y="174032"/>
+            <a:ext cx="8267700" cy="1111843"/>
+          </a:xfrm>
+        </p:spPr>
+        <p:txBody>
+          <a:bodyPr vert="horz" lIns="91440" tIns="45720" rIns="91440" bIns="45720" rtlCol="0" anchor="ctr">
+            <a:normAutofit/>
+          </a:bodyPr>
+          <a:lstStyle/>
+          <a:p>
+            <a:r>
+              <a:rPr lang="en-US" sz="3600" kern="1200" dirty="0">
+                <a:solidFill>
+                  <a:schemeClr val="tx1"/>
+                </a:solidFill>
+                <a:latin typeface="+mj-lt"/>
+                <a:ea typeface="+mj-ea"/>
+                <a:cs typeface="+mj-cs"/>
+              </a:rPr>
+              <a:t>Integrate SZ Compression in XIOS</a:t>
+            </a:r>
+          </a:p>
+        </p:txBody>
+      </p:sp>
+      <p:sp>
+        <p:nvSpPr>
+          <p:cNvPr id="4" name="Content Placeholder 2">
+            <a:extLst>
+              <a:ext uri="{FF2B5EF4-FFF2-40B4-BE49-F238E27FC236}">
+                <a16:creationId xmlns:a16="http://schemas.microsoft.com/office/drawing/2014/main" id="{B0DB67BD-27B4-564E-B96F-A0BF6F882EA1}"/>
+              </a:ext>
+            </a:extLst>
+          </p:cNvPr>
+          <p:cNvSpPr txBox="1">
+            <a:spLocks/>
+          </p:cNvSpPr>
+          <p:nvPr/>
+        </p:nvSpPr>
+        <p:spPr>
+          <a:xfrm>
+            <a:off x="819149" y="1459907"/>
+            <a:ext cx="8267699" cy="767904"/>
+          </a:xfrm>
+          <a:prstGeom prst="rect">
+            <a:avLst/>
+          </a:prstGeom>
+        </p:spPr>
+        <p:style>
+          <a:lnRef idx="1">
+            <a:schemeClr val="accent4"/>
+          </a:lnRef>
+          <a:fillRef idx="3">
+            <a:schemeClr val="accent4"/>
+          </a:fillRef>
+          <a:effectRef idx="2">
+            <a:schemeClr val="accent4"/>
+          </a:effectRef>
+          <a:fontRef idx="minor">
+            <a:schemeClr val="lt1"/>
+          </a:fontRef>
+        </p:style>
+        <p:txBody>
+          <a:bodyPr vert="horz" lIns="91440" tIns="45720" rIns="91440" bIns="45720" rtlCol="0" anchor="ctr">
+            <a:normAutofit/>
+          </a:bodyPr>
+          <a:lstStyle>
+            <a:lvl1pPr marL="228600" indent="-228600" algn="l" defTabSz="914400" rtl="0" eaLnBrk="1" latinLnBrk="0" hangingPunct="1">
+              <a:lnSpc>
+                <a:spcPct val="90000"/>
+              </a:lnSpc>
+              <a:spcBef>
+                <a:spcPts val="1000"/>
+              </a:spcBef>
+              <a:buFont typeface="Arial" panose="020B0604020202020204" pitchFamily="34" charset="0"/>
+              <a:buChar char="•"/>
+              <a:defRPr sz="2800" kern="1200">
+                <a:solidFill>
+                  <a:schemeClr val="tx1"/>
+                </a:solidFill>
+                <a:latin typeface="+mn-lt"/>
+                <a:ea typeface="+mn-ea"/>
+                <a:cs typeface="+mn-cs"/>
+              </a:defRPr>
+            </a:lvl1pPr>
+            <a:lvl2pPr marL="685800" indent="-228600" algn="l" defTabSz="914400" rtl="0" eaLnBrk="1" latinLnBrk="0" hangingPunct="1">
+              <a:lnSpc>
+                <a:spcPct val="90000"/>
+              </a:lnSpc>
+              <a:spcBef>
+                <a:spcPts val="500"/>
+              </a:spcBef>
+              <a:buFont typeface="Arial" panose="020B0604020202020204" pitchFamily="34" charset="0"/>
+              <a:buChar char="•"/>
+              <a:defRPr sz="2400" kern="1200">
+                <a:solidFill>
+                  <a:schemeClr val="tx1"/>
+                </a:solidFill>
+                <a:latin typeface="+mn-lt"/>
+                <a:ea typeface="+mn-ea"/>
+                <a:cs typeface="+mn-cs"/>
+              </a:defRPr>
+            </a:lvl2pPr>
+            <a:lvl3pPr marL="1143000" indent="-228600" algn="l" defTabSz="914400" rtl="0" eaLnBrk="1" latinLnBrk="0" hangingPunct="1">
+              <a:lnSpc>
+                <a:spcPct val="90000"/>
+              </a:lnSpc>
+              <a:spcBef>
+                <a:spcPts val="500"/>
+              </a:spcBef>
+              <a:buFont typeface="Arial" panose="020B0604020202020204" pitchFamily="34" charset="0"/>
+              <a:buChar char="•"/>
+              <a:defRPr sz="2000" kern="1200">
+                <a:solidFill>
+                  <a:schemeClr val="tx1"/>
+                </a:solidFill>
+                <a:latin typeface="+mn-lt"/>
+                <a:ea typeface="+mn-ea"/>
+                <a:cs typeface="+mn-cs"/>
+              </a:defRPr>
+            </a:lvl3pPr>
+            <a:lvl4pPr marL="1600200" indent="-228600" algn="l" defTabSz="914400" rtl="0" eaLnBrk="1" latinLnBrk="0" hangingPunct="1">
+              <a:lnSpc>
+                <a:spcPct val="90000"/>
+              </a:lnSpc>
+              <a:spcBef>
+                <a:spcPts val="500"/>
+              </a:spcBef>
+              <a:buFont typeface="Arial" panose="020B0604020202020204" pitchFamily="34" charset="0"/>
+              <a:buChar char="•"/>
+              <a:defRPr sz="1800" kern="1200">
+                <a:solidFill>
+                  <a:schemeClr val="tx1"/>
+                </a:solidFill>
+                <a:latin typeface="+mn-lt"/>
+                <a:ea typeface="+mn-ea"/>
+                <a:cs typeface="+mn-cs"/>
+              </a:defRPr>
+            </a:lvl4pPr>
+            <a:lvl5pPr marL="2057400" indent="-228600" algn="l" defTabSz="914400" rtl="0" eaLnBrk="1" latinLnBrk="0" hangingPunct="1">
+              <a:lnSpc>
+                <a:spcPct val="90000"/>
+              </a:lnSpc>
+              <a:spcBef>
+                <a:spcPts val="500"/>
+              </a:spcBef>
+              <a:buFont typeface="Arial" panose="020B0604020202020204" pitchFamily="34" charset="0"/>
+              <a:buChar char="•"/>
+              <a:defRPr sz="1800" kern="1200">
+                <a:solidFill>
+                  <a:schemeClr val="tx1"/>
+                </a:solidFill>
+                <a:latin typeface="+mn-lt"/>
+                <a:ea typeface="+mn-ea"/>
+                <a:cs typeface="+mn-cs"/>
+              </a:defRPr>
+            </a:lvl5pPr>
+            <a:lvl6pPr marL="2514600" indent="-228600" algn="l" defTabSz="914400" rtl="0" eaLnBrk="1" latinLnBrk="0" hangingPunct="1">
+              <a:lnSpc>
+                <a:spcPct val="90000"/>
+              </a:lnSpc>
+              <a:spcBef>
+                <a:spcPts val="500"/>
+              </a:spcBef>
+              <a:buFont typeface="Arial" panose="020B0604020202020204" pitchFamily="34" charset="0"/>
+              <a:buChar char="•"/>
+              <a:defRPr sz="1800" kern="1200">
+                <a:solidFill>
+                  <a:schemeClr val="tx1"/>
+                </a:solidFill>
+                <a:latin typeface="+mn-lt"/>
+                <a:ea typeface="+mn-ea"/>
+                <a:cs typeface="+mn-cs"/>
+              </a:defRPr>
+            </a:lvl6pPr>
+            <a:lvl7pPr marL="2971800" indent="-228600" algn="l" defTabSz="914400" rtl="0" eaLnBrk="1" latinLnBrk="0" hangingPunct="1">
+              <a:lnSpc>
+                <a:spcPct val="90000"/>
+              </a:lnSpc>
+              <a:spcBef>
+                <a:spcPts val="500"/>
+              </a:spcBef>
+              <a:buFont typeface="Arial" panose="020B0604020202020204" pitchFamily="34" charset="0"/>
+              <a:buChar char="•"/>
+              <a:defRPr sz="1800" kern="1200">
+                <a:solidFill>
+                  <a:schemeClr val="tx1"/>
+                </a:solidFill>
+                <a:latin typeface="+mn-lt"/>
+                <a:ea typeface="+mn-ea"/>
+                <a:cs typeface="+mn-cs"/>
+              </a:defRPr>
+            </a:lvl7pPr>
+            <a:lvl8pPr marL="3429000" indent="-228600" algn="l" defTabSz="914400" rtl="0" eaLnBrk="1" latinLnBrk="0" hangingPunct="1">
+              <a:lnSpc>
+                <a:spcPct val="90000"/>
+              </a:lnSpc>
+              <a:spcBef>
+                <a:spcPts val="500"/>
+              </a:spcBef>
+              <a:buFont typeface="Arial" panose="020B0604020202020204" pitchFamily="34" charset="0"/>
+              <a:buChar char="•"/>
+              <a:defRPr sz="1800" kern="1200">
+                <a:solidFill>
+                  <a:schemeClr val="tx1"/>
+                </a:solidFill>
+                <a:latin typeface="+mn-lt"/>
+                <a:ea typeface="+mn-ea"/>
+                <a:cs typeface="+mn-cs"/>
+              </a:defRPr>
+            </a:lvl8pPr>
+            <a:lvl9pPr marL="3886200" indent="-228600" algn="l" defTabSz="914400" rtl="0" eaLnBrk="1" latinLnBrk="0" hangingPunct="1">
+              <a:lnSpc>
+                <a:spcPct val="90000"/>
+              </a:lnSpc>
+              <a:spcBef>
+                <a:spcPts val="500"/>
+              </a:spcBef>
+              <a:buFont typeface="Arial" panose="020B0604020202020204" pitchFamily="34" charset="0"/>
+              <a:buChar char="•"/>
+              <a:defRPr sz="1800" kern="1200">
+                <a:solidFill>
+                  <a:schemeClr val="tx1"/>
+                </a:solidFill>
+                <a:latin typeface="+mn-lt"/>
+                <a:ea typeface="+mn-ea"/>
+                <a:cs typeface="+mn-cs"/>
+              </a:defRPr>
+            </a:lvl9pPr>
+          </a:lstStyle>
+          <a:p>
+            <a:pPr marL="0"/>
+            <a:r>
+              <a:rPr lang="en-US" dirty="0"/>
+              <a:t>XIOS Introduction</a:t>
+            </a:r>
+          </a:p>
+        </p:txBody>
+      </p:sp>
+      <p:sp>
+        <p:nvSpPr>
+          <p:cNvPr id="12" name="Content Placeholder 11">
+            <a:extLst>
+              <a:ext uri="{FF2B5EF4-FFF2-40B4-BE49-F238E27FC236}">
+                <a16:creationId xmlns:a16="http://schemas.microsoft.com/office/drawing/2014/main" id="{243C258F-452F-B757-EB95-FC1B37D21CC4}"/>
+              </a:ext>
+            </a:extLst>
+          </p:cNvPr>
+          <p:cNvSpPr>
+            <a:spLocks noGrp="1"/>
+          </p:cNvSpPr>
+          <p:nvPr>
+            <p:ph idx="1"/>
+          </p:nvPr>
+        </p:nvSpPr>
+        <p:spPr>
+          <a:xfrm>
+            <a:off x="681038" y="2401843"/>
+            <a:ext cx="8543925" cy="3775120"/>
+          </a:xfrm>
+        </p:spPr>
+        <p:txBody>
+          <a:bodyPr/>
+          <a:lstStyle/>
+          <a:p>
+            <a:r>
+              <a:rPr lang="en-US" dirty="0"/>
+              <a:t>XIOS is a library for managing climate data I/O. The configuration is based on XML.</a:t>
+            </a:r>
+          </a:p>
+          <a:p>
+            <a:r>
+              <a:rPr lang="en-US" dirty="0"/>
+              <a:t>XIOS can be used on attached as a library or detached mode as an external executable dedicated CPUs.</a:t>
+            </a:r>
+          </a:p>
+          <a:p>
+            <a:r>
+              <a:rPr lang="en-US" dirty="0"/>
+              <a:t>XIOS project written using C++ and have ~51K LOC for header files and ~70K LOC for implementation.</a:t>
+            </a:r>
+          </a:p>
+        </p:txBody>
+      </p:sp>
+    </p:spTree>
+    <p:extLst>
+      <p:ext uri="{BB962C8B-B14F-4D97-AF65-F5344CB8AC3E}">
+        <p14:creationId xmlns:p14="http://schemas.microsoft.com/office/powerpoint/2010/main" val="1211579756"/>
+      </p:ext>
+    </p:extLst>
+  </p:cSld>
+  <p:clrMapOvr>
+    <a:masterClrMapping/>
+  </p:clrMapOvr>
+</p:sld>
+</file>
+
+<file path=ppt/slides/slide5.xml><?xml version="1.0" encoding="utf-8"?>
+<p:sld xmlns:a="http://schemas.openxmlformats.org/drawingml/2006/main" xmlns:r="http://schemas.openxmlformats.org/officeDocument/2006/relationships" xmlns:p="http://schemas.openxmlformats.org/presentationml/2006/main">
+  <p:cSld>
+    <p:bg>
+      <p:bgPr>
+        <a:solidFill>
+          <a:schemeClr val="bg1"/>
+        </a:solidFill>
+        <a:effectLst/>
+      </p:bgPr>
+    </p:bg>
+    <p:spTree>
+      <p:nvGrpSpPr>
+        <p:cNvPr id="1" name=""/>
+        <p:cNvGrpSpPr/>
+        <p:nvPr/>
+      </p:nvGrpSpPr>
+      <p:grpSpPr>
+        <a:xfrm>
+          <a:off x="0" y="0"/>
+          <a:ext cx="0" cy="0"/>
+          <a:chOff x="0" y="0"/>
+          <a:chExt cx="0" cy="0"/>
+        </a:xfrm>
+      </p:grpSpPr>
+      <p:sp useBgFill="1">
+        <p:nvSpPr>
+          <p:cNvPr id="10" name="Rectangle 9">
+            <a:extLst>
+              <a:ext uri="{FF2B5EF4-FFF2-40B4-BE49-F238E27FC236}">
+                <a16:creationId xmlns:a16="http://schemas.microsoft.com/office/drawing/2014/main" id="{1A95671B-3CC6-4792-9114-B74FAEA224E6}"/>
+              </a:ext>
+              <a:ext uri="{C183D7F6-B498-43B3-948B-1728B52AA6E4}">
+                <adec:decorative xmlns:adec="http://schemas.microsoft.com/office/drawing/2017/decorative" val="1"/>
+              </a:ext>
+            </a:extLst>
+          </p:cNvPr>
+          <p:cNvSpPr>
+            <a:spLocks noGrp="1" noRot="1" noChangeAspect="1" noMove="1" noResize="1" noEditPoints="1" noAdjustHandles="1" noChangeArrowheads="1" noChangeShapeType="1" noTextEdit="1"/>
+          </p:cNvSpPr>
+          <p:nvPr>
+            <p:extLst>
+              <p:ext uri="{386F3935-93C4-4BCD-93E2-E3B085C9AB24}">
+                <p16:designElem xmlns:p16="http://schemas.microsoft.com/office/powerpoint/2015/main" val="1"/>
+              </p:ext>
+            </p:extLst>
+          </p:nvPr>
+        </p:nvSpPr>
+        <p:spPr>
+          <a:xfrm>
+            <a:off x="0" y="0"/>
+            <a:ext cx="9903523" cy="6858000"/>
+          </a:xfrm>
+          <a:prstGeom prst="rect">
+            <a:avLst/>
+          </a:prstGeom>
+          <a:ln>
+            <a:noFill/>
+          </a:ln>
+        </p:spPr>
+        <p:style>
+          <a:lnRef idx="2">
+            <a:schemeClr val="accent1">
+              <a:shade val="50000"/>
+            </a:schemeClr>
+          </a:lnRef>
+          <a:fillRef idx="1">
+            <a:schemeClr val="accent1"/>
+          </a:fillRef>
+          <a:effectRef idx="0">
+            <a:schemeClr val="accent1"/>
+          </a:effectRef>
+          <a:fontRef idx="minor">
+            <a:schemeClr val="lt1"/>
+          </a:fontRef>
+        </p:style>
+        <p:txBody>
+          <a:bodyPr rtlCol="0" anchor="ctr"/>
+          <a:lstStyle/>
+          <a:p>
+            <a:pPr algn="ctr"/>
+            <a:endParaRPr lang="en-US"/>
+          </a:p>
+        </p:txBody>
+      </p:sp>
+      <p:sp>
+        <p:nvSpPr>
+          <p:cNvPr id="2" name="Title 1">
+            <a:extLst>
+              <a:ext uri="{FF2B5EF4-FFF2-40B4-BE49-F238E27FC236}">
+                <a16:creationId xmlns:a16="http://schemas.microsoft.com/office/drawing/2014/main" id="{8CD68CC9-5290-CA44-80BF-980FA5C9772E}"/>
+              </a:ext>
+            </a:extLst>
+          </p:cNvPr>
+          <p:cNvSpPr>
+            <a:spLocks noGrp="1"/>
+          </p:cNvSpPr>
+          <p:nvPr>
+            <p:ph type="title"/>
+          </p:nvPr>
+        </p:nvSpPr>
+        <p:spPr>
+          <a:xfrm>
+            <a:off x="819149" y="174032"/>
+            <a:ext cx="8267700" cy="1111843"/>
+          </a:xfrm>
+        </p:spPr>
+        <p:txBody>
+          <a:bodyPr vert="horz" lIns="91440" tIns="45720" rIns="91440" bIns="45720" rtlCol="0" anchor="ctr">
+            <a:normAutofit/>
+          </a:bodyPr>
+          <a:lstStyle/>
+          <a:p>
+            <a:r>
+              <a:rPr lang="en-US" sz="3600" kern="1200" dirty="0">
+                <a:solidFill>
+                  <a:schemeClr val="tx1"/>
+                </a:solidFill>
+                <a:latin typeface="+mj-lt"/>
+                <a:ea typeface="+mj-ea"/>
+                <a:cs typeface="+mj-cs"/>
+              </a:rPr>
+              <a:t>Integrate SZ Compression in XIOS</a:t>
+            </a:r>
+          </a:p>
+        </p:txBody>
+      </p:sp>
+      <p:sp>
+        <p:nvSpPr>
+          <p:cNvPr id="4" name="Content Placeholder 2">
+            <a:extLst>
+              <a:ext uri="{FF2B5EF4-FFF2-40B4-BE49-F238E27FC236}">
+                <a16:creationId xmlns:a16="http://schemas.microsoft.com/office/drawing/2014/main" id="{B0DB67BD-27B4-564E-B96F-A0BF6F882EA1}"/>
+              </a:ext>
+            </a:extLst>
+          </p:cNvPr>
+          <p:cNvSpPr txBox="1">
+            <a:spLocks/>
+          </p:cNvSpPr>
+          <p:nvPr/>
+        </p:nvSpPr>
+        <p:spPr>
+          <a:xfrm>
+            <a:off x="819149" y="1459907"/>
+            <a:ext cx="8267699" cy="767904"/>
+          </a:xfrm>
+          <a:prstGeom prst="rect">
+            <a:avLst/>
+          </a:prstGeom>
+        </p:spPr>
+        <p:style>
+          <a:lnRef idx="1">
+            <a:schemeClr val="accent4"/>
+          </a:lnRef>
+          <a:fillRef idx="3">
+            <a:schemeClr val="accent4"/>
+          </a:fillRef>
+          <a:effectRef idx="2">
+            <a:schemeClr val="accent4"/>
+          </a:effectRef>
+          <a:fontRef idx="minor">
+            <a:schemeClr val="lt1"/>
+          </a:fontRef>
+        </p:style>
+        <p:txBody>
+          <a:bodyPr vert="horz" lIns="91440" tIns="45720" rIns="91440" bIns="45720" rtlCol="0" anchor="ctr">
+            <a:normAutofit/>
+          </a:bodyPr>
+          <a:lstStyle>
+            <a:lvl1pPr marL="228600" indent="-228600" algn="l" defTabSz="914400" rtl="0" eaLnBrk="1" latinLnBrk="0" hangingPunct="1">
+              <a:lnSpc>
+                <a:spcPct val="90000"/>
+              </a:lnSpc>
+              <a:spcBef>
+                <a:spcPts val="1000"/>
+              </a:spcBef>
+              <a:buFont typeface="Arial" panose="020B0604020202020204" pitchFamily="34" charset="0"/>
+              <a:buChar char="•"/>
+              <a:defRPr sz="2800" kern="1200">
+                <a:solidFill>
+                  <a:schemeClr val="tx1"/>
+                </a:solidFill>
+                <a:latin typeface="+mn-lt"/>
+                <a:ea typeface="+mn-ea"/>
+                <a:cs typeface="+mn-cs"/>
+              </a:defRPr>
+            </a:lvl1pPr>
+            <a:lvl2pPr marL="685800" indent="-228600" algn="l" defTabSz="914400" rtl="0" eaLnBrk="1" latinLnBrk="0" hangingPunct="1">
+              <a:lnSpc>
+                <a:spcPct val="90000"/>
+              </a:lnSpc>
+              <a:spcBef>
+                <a:spcPts val="500"/>
+              </a:spcBef>
+              <a:buFont typeface="Arial" panose="020B0604020202020204" pitchFamily="34" charset="0"/>
+              <a:buChar char="•"/>
+              <a:defRPr sz="2400" kern="1200">
+                <a:solidFill>
+                  <a:schemeClr val="tx1"/>
+                </a:solidFill>
+                <a:latin typeface="+mn-lt"/>
+                <a:ea typeface="+mn-ea"/>
+                <a:cs typeface="+mn-cs"/>
+              </a:defRPr>
+            </a:lvl2pPr>
+            <a:lvl3pPr marL="1143000" indent="-228600" algn="l" defTabSz="914400" rtl="0" eaLnBrk="1" latinLnBrk="0" hangingPunct="1">
+              <a:lnSpc>
+                <a:spcPct val="90000"/>
+              </a:lnSpc>
+              <a:spcBef>
+                <a:spcPts val="500"/>
+              </a:spcBef>
+              <a:buFont typeface="Arial" panose="020B0604020202020204" pitchFamily="34" charset="0"/>
+              <a:buChar char="•"/>
+              <a:defRPr sz="2000" kern="1200">
+                <a:solidFill>
+                  <a:schemeClr val="tx1"/>
+                </a:solidFill>
+                <a:latin typeface="+mn-lt"/>
+                <a:ea typeface="+mn-ea"/>
+                <a:cs typeface="+mn-cs"/>
+              </a:defRPr>
+            </a:lvl3pPr>
+            <a:lvl4pPr marL="1600200" indent="-228600" algn="l" defTabSz="914400" rtl="0" eaLnBrk="1" latinLnBrk="0" hangingPunct="1">
+              <a:lnSpc>
+                <a:spcPct val="90000"/>
+              </a:lnSpc>
+              <a:spcBef>
+                <a:spcPts val="500"/>
+              </a:spcBef>
+              <a:buFont typeface="Arial" panose="020B0604020202020204" pitchFamily="34" charset="0"/>
+              <a:buChar char="•"/>
+              <a:defRPr sz="1800" kern="1200">
+                <a:solidFill>
+                  <a:schemeClr val="tx1"/>
+                </a:solidFill>
+                <a:latin typeface="+mn-lt"/>
+                <a:ea typeface="+mn-ea"/>
+                <a:cs typeface="+mn-cs"/>
+              </a:defRPr>
+            </a:lvl4pPr>
+            <a:lvl5pPr marL="2057400" indent="-228600" algn="l" defTabSz="914400" rtl="0" eaLnBrk="1" latinLnBrk="0" hangingPunct="1">
+              <a:lnSpc>
+                <a:spcPct val="90000"/>
+              </a:lnSpc>
+              <a:spcBef>
+                <a:spcPts val="500"/>
+              </a:spcBef>
+              <a:buFont typeface="Arial" panose="020B0604020202020204" pitchFamily="34" charset="0"/>
+              <a:buChar char="•"/>
+              <a:defRPr sz="1800" kern="1200">
+                <a:solidFill>
+                  <a:schemeClr val="tx1"/>
+                </a:solidFill>
+                <a:latin typeface="+mn-lt"/>
+                <a:ea typeface="+mn-ea"/>
+                <a:cs typeface="+mn-cs"/>
+              </a:defRPr>
+            </a:lvl5pPr>
+            <a:lvl6pPr marL="2514600" indent="-228600" algn="l" defTabSz="914400" rtl="0" eaLnBrk="1" latinLnBrk="0" hangingPunct="1">
+              <a:lnSpc>
+                <a:spcPct val="90000"/>
+              </a:lnSpc>
+              <a:spcBef>
+                <a:spcPts val="500"/>
+              </a:spcBef>
+              <a:buFont typeface="Arial" panose="020B0604020202020204" pitchFamily="34" charset="0"/>
+              <a:buChar char="•"/>
+              <a:defRPr sz="1800" kern="1200">
+                <a:solidFill>
+                  <a:schemeClr val="tx1"/>
+                </a:solidFill>
+                <a:latin typeface="+mn-lt"/>
+                <a:ea typeface="+mn-ea"/>
+                <a:cs typeface="+mn-cs"/>
+              </a:defRPr>
+            </a:lvl6pPr>
+            <a:lvl7pPr marL="2971800" indent="-228600" algn="l" defTabSz="914400" rtl="0" eaLnBrk="1" latinLnBrk="0" hangingPunct="1">
+              <a:lnSpc>
+                <a:spcPct val="90000"/>
+              </a:lnSpc>
+              <a:spcBef>
+                <a:spcPts val="500"/>
+              </a:spcBef>
+              <a:buFont typeface="Arial" panose="020B0604020202020204" pitchFamily="34" charset="0"/>
+              <a:buChar char="•"/>
+              <a:defRPr sz="1800" kern="1200">
+                <a:solidFill>
+                  <a:schemeClr val="tx1"/>
+                </a:solidFill>
+                <a:latin typeface="+mn-lt"/>
+                <a:ea typeface="+mn-ea"/>
+                <a:cs typeface="+mn-cs"/>
+              </a:defRPr>
+            </a:lvl7pPr>
+            <a:lvl8pPr marL="3429000" indent="-228600" algn="l" defTabSz="914400" rtl="0" eaLnBrk="1" latinLnBrk="0" hangingPunct="1">
+              <a:lnSpc>
+                <a:spcPct val="90000"/>
+              </a:lnSpc>
+              <a:spcBef>
+                <a:spcPts val="500"/>
+              </a:spcBef>
+              <a:buFont typeface="Arial" panose="020B0604020202020204" pitchFamily="34" charset="0"/>
+              <a:buChar char="•"/>
+              <a:defRPr sz="1800" kern="1200">
+                <a:solidFill>
+                  <a:schemeClr val="tx1"/>
+                </a:solidFill>
+                <a:latin typeface="+mn-lt"/>
+                <a:ea typeface="+mn-ea"/>
+                <a:cs typeface="+mn-cs"/>
+              </a:defRPr>
+            </a:lvl8pPr>
+            <a:lvl9pPr marL="3886200" indent="-228600" algn="l" defTabSz="914400" rtl="0" eaLnBrk="1" latinLnBrk="0" hangingPunct="1">
+              <a:lnSpc>
+                <a:spcPct val="90000"/>
+              </a:lnSpc>
+              <a:spcBef>
+                <a:spcPts val="500"/>
+              </a:spcBef>
+              <a:buFont typeface="Arial" panose="020B0604020202020204" pitchFamily="34" charset="0"/>
+              <a:buChar char="•"/>
+              <a:defRPr sz="1800" kern="1200">
+                <a:solidFill>
+                  <a:schemeClr val="tx1"/>
+                </a:solidFill>
+                <a:latin typeface="+mn-lt"/>
+                <a:ea typeface="+mn-ea"/>
+                <a:cs typeface="+mn-cs"/>
+              </a:defRPr>
+            </a:lvl9pPr>
+          </a:lstStyle>
+          <a:p>
+            <a:pPr marL="0"/>
+            <a:r>
+              <a:rPr lang="en-US" dirty="0"/>
+              <a:t>Important files on XIOS regarding the I/O</a:t>
+            </a:r>
+          </a:p>
+        </p:txBody>
+      </p:sp>
+      <p:sp>
+        <p:nvSpPr>
+          <p:cNvPr id="12" name="Content Placeholder 11">
+            <a:extLst>
+              <a:ext uri="{FF2B5EF4-FFF2-40B4-BE49-F238E27FC236}">
+                <a16:creationId xmlns:a16="http://schemas.microsoft.com/office/drawing/2014/main" id="{243C258F-452F-B757-EB95-FC1B37D21CC4}"/>
+              </a:ext>
+            </a:extLst>
+          </p:cNvPr>
+          <p:cNvSpPr>
+            <a:spLocks noGrp="1"/>
+          </p:cNvSpPr>
+          <p:nvPr>
+            <p:ph idx="1"/>
+          </p:nvPr>
+        </p:nvSpPr>
+        <p:spPr>
+          <a:xfrm>
+            <a:off x="681038" y="2401843"/>
+            <a:ext cx="8543925" cy="3775120"/>
+          </a:xfrm>
+        </p:spPr>
+        <p:txBody>
+          <a:bodyPr>
+            <a:normAutofit fontScale="92500" lnSpcReduction="20000"/>
+          </a:bodyPr>
+          <a:lstStyle/>
+          <a:p>
+            <a:r>
+              <a:rPr lang="en-US" b="1" dirty="0"/>
+              <a:t>node/</a:t>
+            </a:r>
+            <a:r>
+              <a:rPr lang="en-US" b="1" dirty="0" err="1"/>
+              <a:t>file.cpp</a:t>
+            </a:r>
+            <a:r>
+              <a:rPr lang="en-US" dirty="0"/>
+              <a:t>: instantiate data output object and define the logic main flow.</a:t>
+            </a:r>
+          </a:p>
+          <a:p>
+            <a:r>
+              <a:rPr lang="en-US" b="1" dirty="0" err="1"/>
+              <a:t>data_output</a:t>
+            </a:r>
+            <a:r>
+              <a:rPr lang="en-US" b="1" dirty="0"/>
+              <a:t>.{</a:t>
+            </a:r>
+            <a:r>
+              <a:rPr lang="en-US" b="1" dirty="0" err="1"/>
+              <a:t>cpp,hpp</a:t>
+            </a:r>
+            <a:r>
+              <a:rPr lang="en-US" b="1" dirty="0"/>
+              <a:t>}</a:t>
+            </a:r>
+            <a:r>
+              <a:rPr lang="en-US" dirty="0"/>
+              <a:t>: Base class regarding handling data output</a:t>
+            </a:r>
+          </a:p>
+          <a:p>
+            <a:r>
+              <a:rPr lang="en-US" b="1" dirty="0"/>
+              <a:t>io/onetcdf4.{</a:t>
+            </a:r>
+            <a:r>
+              <a:rPr lang="en-US" b="1" dirty="0" err="1"/>
+              <a:t>cpp,hpp</a:t>
+            </a:r>
+            <a:r>
+              <a:rPr lang="en-US" b="1" dirty="0"/>
+              <a:t>}: </a:t>
+            </a:r>
+            <a:r>
+              <a:rPr lang="en-US" dirty="0"/>
+              <a:t>Responsibility for general output of </a:t>
+            </a:r>
+            <a:r>
+              <a:rPr lang="en-US" dirty="0" err="1"/>
+              <a:t>netCDF</a:t>
+            </a:r>
+            <a:r>
+              <a:rPr lang="en-US" dirty="0"/>
+              <a:t> capability (open, close, definition and initialize)</a:t>
+            </a:r>
+          </a:p>
+          <a:p>
+            <a:r>
+              <a:rPr lang="en-US" b="1" dirty="0"/>
+              <a:t>io/nc4_data_output.{</a:t>
+            </a:r>
+            <a:r>
+              <a:rPr lang="en-US" b="1" dirty="0" err="1"/>
+              <a:t>cpp,hpp</a:t>
+            </a:r>
+            <a:r>
+              <a:rPr lang="en-US" b="1" dirty="0"/>
+              <a:t>}: </a:t>
+            </a:r>
+            <a:r>
+              <a:rPr lang="en-US" dirty="0"/>
+              <a:t>Responsible for writing the variable, attribute, and also dimension.</a:t>
+            </a:r>
+          </a:p>
+          <a:p>
+            <a:r>
+              <a:rPr lang="en-US" b="1" dirty="0"/>
+              <a:t>io/</a:t>
+            </a:r>
+            <a:r>
+              <a:rPr lang="en-US" b="1" dirty="0" err="1"/>
+              <a:t>netCdfInterface.cpp</a:t>
+            </a:r>
+            <a:r>
+              <a:rPr lang="en-US" b="1" dirty="0"/>
+              <a:t>: </a:t>
+            </a:r>
+            <a:r>
+              <a:rPr lang="en-US" dirty="0"/>
+              <a:t>C++ wrapper of </a:t>
+            </a:r>
+            <a:r>
+              <a:rPr lang="en-US" dirty="0" err="1"/>
+              <a:t>netCDF</a:t>
+            </a:r>
+            <a:r>
+              <a:rPr lang="en-US" dirty="0"/>
+              <a:t> C API function</a:t>
+            </a:r>
+          </a:p>
+        </p:txBody>
+      </p:sp>
+    </p:spTree>
+    <p:extLst>
+      <p:ext uri="{BB962C8B-B14F-4D97-AF65-F5344CB8AC3E}">
+        <p14:creationId xmlns:p14="http://schemas.microsoft.com/office/powerpoint/2010/main" val="1993227258"/>
+      </p:ext>
+    </p:extLst>
+  </p:cSld>
+  <p:clrMapOvr>
+    <a:masterClrMapping/>
+  </p:clrMapOvr>
+</p:sld>
+</file>
+
+<file path=ppt/slides/slide6.xml><?xml version="1.0" encoding="utf-8"?>
+<p:sld xmlns:a="http://schemas.openxmlformats.org/drawingml/2006/main" xmlns:r="http://schemas.openxmlformats.org/officeDocument/2006/relationships" xmlns:p="http://schemas.openxmlformats.org/presentationml/2006/main">
+  <p:cSld>
+    <p:bg>
+      <p:bgPr>
+        <a:solidFill>
+          <a:schemeClr val="bg1"/>
+        </a:solidFill>
+        <a:effectLst/>
+      </p:bgPr>
+    </p:bg>
+    <p:spTree>
+      <p:nvGrpSpPr>
+        <p:cNvPr id="1" name=""/>
+        <p:cNvGrpSpPr/>
+        <p:nvPr/>
+      </p:nvGrpSpPr>
+      <p:grpSpPr>
+        <a:xfrm>
+          <a:off x="0" y="0"/>
+          <a:ext cx="0" cy="0"/>
+          <a:chOff x="0" y="0"/>
+          <a:chExt cx="0" cy="0"/>
+        </a:xfrm>
+      </p:grpSpPr>
+      <p:sp useBgFill="1">
+        <p:nvSpPr>
+          <p:cNvPr id="10" name="Rectangle 9">
+            <a:extLst>
+              <a:ext uri="{FF2B5EF4-FFF2-40B4-BE49-F238E27FC236}">
+                <a16:creationId xmlns:a16="http://schemas.microsoft.com/office/drawing/2014/main" id="{1A95671B-3CC6-4792-9114-B74FAEA224E6}"/>
+              </a:ext>
+              <a:ext uri="{C183D7F6-B498-43B3-948B-1728B52AA6E4}">
+                <adec:decorative xmlns:adec="http://schemas.microsoft.com/office/drawing/2017/decorative" val="1"/>
+              </a:ext>
+            </a:extLst>
+          </p:cNvPr>
+          <p:cNvSpPr>
+            <a:spLocks noGrp="1" noRot="1" noChangeAspect="1" noMove="1" noResize="1" noEditPoints="1" noAdjustHandles="1" noChangeArrowheads="1" noChangeShapeType="1" noTextEdit="1"/>
+          </p:cNvSpPr>
+          <p:nvPr>
+            <p:extLst>
+              <p:ext uri="{386F3935-93C4-4BCD-93E2-E3B085C9AB24}">
+                <p16:designElem xmlns:p16="http://schemas.microsoft.com/office/powerpoint/2015/main" val="1"/>
+              </p:ext>
+            </p:extLst>
+          </p:nvPr>
+        </p:nvSpPr>
+        <p:spPr>
+          <a:xfrm>
+            <a:off x="0" y="0"/>
+            <a:ext cx="9903523" cy="6858000"/>
+          </a:xfrm>
+          <a:prstGeom prst="rect">
+            <a:avLst/>
+          </a:prstGeom>
+          <a:ln>
+            <a:noFill/>
+          </a:ln>
+        </p:spPr>
+        <p:style>
+          <a:lnRef idx="2">
+            <a:schemeClr val="accent1">
+              <a:shade val="50000"/>
+            </a:schemeClr>
+          </a:lnRef>
+          <a:fillRef idx="1">
+            <a:schemeClr val="accent1"/>
+          </a:fillRef>
+          <a:effectRef idx="0">
+            <a:schemeClr val="accent1"/>
+          </a:effectRef>
+          <a:fontRef idx="minor">
+            <a:schemeClr val="lt1"/>
+          </a:fontRef>
+        </p:style>
+        <p:txBody>
+          <a:bodyPr rtlCol="0" anchor="ctr"/>
+          <a:lstStyle/>
+          <a:p>
+            <a:pPr algn="ctr"/>
+            <a:endParaRPr lang="en-US"/>
+          </a:p>
+        </p:txBody>
+      </p:sp>
+      <p:sp>
+        <p:nvSpPr>
+          <p:cNvPr id="2" name="Title 1">
+            <a:extLst>
+              <a:ext uri="{FF2B5EF4-FFF2-40B4-BE49-F238E27FC236}">
+                <a16:creationId xmlns:a16="http://schemas.microsoft.com/office/drawing/2014/main" id="{8CD68CC9-5290-CA44-80BF-980FA5C9772E}"/>
+              </a:ext>
+            </a:extLst>
+          </p:cNvPr>
+          <p:cNvSpPr>
+            <a:spLocks noGrp="1"/>
+          </p:cNvSpPr>
+          <p:nvPr>
+            <p:ph type="title"/>
+          </p:nvPr>
+        </p:nvSpPr>
+        <p:spPr>
+          <a:xfrm>
+            <a:off x="819149" y="174032"/>
+            <a:ext cx="8267700" cy="1111843"/>
+          </a:xfrm>
+        </p:spPr>
+        <p:txBody>
+          <a:bodyPr vert="horz" lIns="91440" tIns="45720" rIns="91440" bIns="45720" rtlCol="0" anchor="ctr">
+            <a:normAutofit/>
+          </a:bodyPr>
+          <a:lstStyle/>
+          <a:p>
+            <a:r>
+              <a:rPr lang="en-US" sz="3600" kern="1200" dirty="0">
+                <a:solidFill>
+                  <a:schemeClr val="tx1"/>
+                </a:solidFill>
+                <a:latin typeface="+mj-lt"/>
+                <a:ea typeface="+mj-ea"/>
+                <a:cs typeface="+mj-cs"/>
+              </a:rPr>
+              <a:t>Integrate SZ Compression in XIOS</a:t>
+            </a:r>
+          </a:p>
+        </p:txBody>
+      </p:sp>
+      <p:sp>
+        <p:nvSpPr>
+          <p:cNvPr id="4" name="Content Placeholder 2">
+            <a:extLst>
+              <a:ext uri="{FF2B5EF4-FFF2-40B4-BE49-F238E27FC236}">
+                <a16:creationId xmlns:a16="http://schemas.microsoft.com/office/drawing/2014/main" id="{B0DB67BD-27B4-564E-B96F-A0BF6F882EA1}"/>
+              </a:ext>
+            </a:extLst>
+          </p:cNvPr>
+          <p:cNvSpPr txBox="1">
+            <a:spLocks/>
+          </p:cNvSpPr>
+          <p:nvPr/>
+        </p:nvSpPr>
+        <p:spPr>
+          <a:xfrm>
+            <a:off x="819149" y="1459907"/>
+            <a:ext cx="8267699" cy="767904"/>
+          </a:xfrm>
+          <a:prstGeom prst="rect">
+            <a:avLst/>
+          </a:prstGeom>
+        </p:spPr>
+        <p:style>
+          <a:lnRef idx="1">
+            <a:schemeClr val="accent4"/>
+          </a:lnRef>
+          <a:fillRef idx="3">
+            <a:schemeClr val="accent4"/>
+          </a:fillRef>
+          <a:effectRef idx="2">
+            <a:schemeClr val="accent4"/>
+          </a:effectRef>
+          <a:fontRef idx="minor">
+            <a:schemeClr val="lt1"/>
+          </a:fontRef>
+        </p:style>
+        <p:txBody>
+          <a:bodyPr vert="horz" lIns="91440" tIns="45720" rIns="91440" bIns="45720" rtlCol="0" anchor="ctr">
+            <a:normAutofit/>
+          </a:bodyPr>
+          <a:lstStyle>
+            <a:lvl1pPr marL="228600" indent="-228600" algn="l" defTabSz="914400" rtl="0" eaLnBrk="1" latinLnBrk="0" hangingPunct="1">
+              <a:lnSpc>
+                <a:spcPct val="90000"/>
+              </a:lnSpc>
+              <a:spcBef>
+                <a:spcPts val="1000"/>
+              </a:spcBef>
+              <a:buFont typeface="Arial" panose="020B0604020202020204" pitchFamily="34" charset="0"/>
+              <a:buChar char="•"/>
+              <a:defRPr sz="2800" kern="1200">
+                <a:solidFill>
+                  <a:schemeClr val="tx1"/>
+                </a:solidFill>
+                <a:latin typeface="+mn-lt"/>
+                <a:ea typeface="+mn-ea"/>
+                <a:cs typeface="+mn-cs"/>
+              </a:defRPr>
+            </a:lvl1pPr>
+            <a:lvl2pPr marL="685800" indent="-228600" algn="l" defTabSz="914400" rtl="0" eaLnBrk="1" latinLnBrk="0" hangingPunct="1">
+              <a:lnSpc>
+                <a:spcPct val="90000"/>
+              </a:lnSpc>
+              <a:spcBef>
+                <a:spcPts val="500"/>
+              </a:spcBef>
+              <a:buFont typeface="Arial" panose="020B0604020202020204" pitchFamily="34" charset="0"/>
+              <a:buChar char="•"/>
+              <a:defRPr sz="2400" kern="1200">
+                <a:solidFill>
+                  <a:schemeClr val="tx1"/>
+                </a:solidFill>
+                <a:latin typeface="+mn-lt"/>
+                <a:ea typeface="+mn-ea"/>
+                <a:cs typeface="+mn-cs"/>
+              </a:defRPr>
+            </a:lvl2pPr>
+            <a:lvl3pPr marL="1143000" indent="-228600" algn="l" defTabSz="914400" rtl="0" eaLnBrk="1" latinLnBrk="0" hangingPunct="1">
+              <a:lnSpc>
+                <a:spcPct val="90000"/>
+              </a:lnSpc>
+              <a:spcBef>
+                <a:spcPts val="500"/>
+              </a:spcBef>
+              <a:buFont typeface="Arial" panose="020B0604020202020204" pitchFamily="34" charset="0"/>
+              <a:buChar char="•"/>
+              <a:defRPr sz="2000" kern="1200">
+                <a:solidFill>
+                  <a:schemeClr val="tx1"/>
+                </a:solidFill>
+                <a:latin typeface="+mn-lt"/>
+                <a:ea typeface="+mn-ea"/>
+                <a:cs typeface="+mn-cs"/>
+              </a:defRPr>
+            </a:lvl3pPr>
+            <a:lvl4pPr marL="1600200" indent="-228600" algn="l" defTabSz="914400" rtl="0" eaLnBrk="1" latinLnBrk="0" hangingPunct="1">
+              <a:lnSpc>
+                <a:spcPct val="90000"/>
+              </a:lnSpc>
+              <a:spcBef>
+                <a:spcPts val="500"/>
+              </a:spcBef>
+              <a:buFont typeface="Arial" panose="020B0604020202020204" pitchFamily="34" charset="0"/>
+              <a:buChar char="•"/>
+              <a:defRPr sz="1800" kern="1200">
+                <a:solidFill>
+                  <a:schemeClr val="tx1"/>
+                </a:solidFill>
+                <a:latin typeface="+mn-lt"/>
+                <a:ea typeface="+mn-ea"/>
+                <a:cs typeface="+mn-cs"/>
+              </a:defRPr>
+            </a:lvl4pPr>
+            <a:lvl5pPr marL="2057400" indent="-228600" algn="l" defTabSz="914400" rtl="0" eaLnBrk="1" latinLnBrk="0" hangingPunct="1">
+              <a:lnSpc>
+                <a:spcPct val="90000"/>
+              </a:lnSpc>
+              <a:spcBef>
+                <a:spcPts val="500"/>
+              </a:spcBef>
+              <a:buFont typeface="Arial" panose="020B0604020202020204" pitchFamily="34" charset="0"/>
+              <a:buChar char="•"/>
+              <a:defRPr sz="1800" kern="1200">
+                <a:solidFill>
+                  <a:schemeClr val="tx1"/>
+                </a:solidFill>
+                <a:latin typeface="+mn-lt"/>
+                <a:ea typeface="+mn-ea"/>
+                <a:cs typeface="+mn-cs"/>
+              </a:defRPr>
+            </a:lvl5pPr>
+            <a:lvl6pPr marL="2514600" indent="-228600" algn="l" defTabSz="914400" rtl="0" eaLnBrk="1" latinLnBrk="0" hangingPunct="1">
+              <a:lnSpc>
+                <a:spcPct val="90000"/>
+              </a:lnSpc>
+              <a:spcBef>
+                <a:spcPts val="500"/>
+              </a:spcBef>
+              <a:buFont typeface="Arial" panose="020B0604020202020204" pitchFamily="34" charset="0"/>
+              <a:buChar char="•"/>
+              <a:defRPr sz="1800" kern="1200">
+                <a:solidFill>
+                  <a:schemeClr val="tx1"/>
+                </a:solidFill>
+                <a:latin typeface="+mn-lt"/>
+                <a:ea typeface="+mn-ea"/>
+                <a:cs typeface="+mn-cs"/>
+              </a:defRPr>
+            </a:lvl6pPr>
+            <a:lvl7pPr marL="2971800" indent="-228600" algn="l" defTabSz="914400" rtl="0" eaLnBrk="1" latinLnBrk="0" hangingPunct="1">
+              <a:lnSpc>
+                <a:spcPct val="90000"/>
+              </a:lnSpc>
+              <a:spcBef>
+                <a:spcPts val="500"/>
+              </a:spcBef>
+              <a:buFont typeface="Arial" panose="020B0604020202020204" pitchFamily="34" charset="0"/>
+              <a:buChar char="•"/>
+              <a:defRPr sz="1800" kern="1200">
+                <a:solidFill>
+                  <a:schemeClr val="tx1"/>
+                </a:solidFill>
+                <a:latin typeface="+mn-lt"/>
+                <a:ea typeface="+mn-ea"/>
+                <a:cs typeface="+mn-cs"/>
+              </a:defRPr>
+            </a:lvl7pPr>
+            <a:lvl8pPr marL="3429000" indent="-228600" algn="l" defTabSz="914400" rtl="0" eaLnBrk="1" latinLnBrk="0" hangingPunct="1">
+              <a:lnSpc>
+                <a:spcPct val="90000"/>
+              </a:lnSpc>
+              <a:spcBef>
+                <a:spcPts val="500"/>
+              </a:spcBef>
+              <a:buFont typeface="Arial" panose="020B0604020202020204" pitchFamily="34" charset="0"/>
+              <a:buChar char="•"/>
+              <a:defRPr sz="1800" kern="1200">
+                <a:solidFill>
+                  <a:schemeClr val="tx1"/>
+                </a:solidFill>
+                <a:latin typeface="+mn-lt"/>
+                <a:ea typeface="+mn-ea"/>
+                <a:cs typeface="+mn-cs"/>
+              </a:defRPr>
+            </a:lvl8pPr>
+            <a:lvl9pPr marL="3886200" indent="-228600" algn="l" defTabSz="914400" rtl="0" eaLnBrk="1" latinLnBrk="0" hangingPunct="1">
+              <a:lnSpc>
+                <a:spcPct val="90000"/>
+              </a:lnSpc>
+              <a:spcBef>
+                <a:spcPts val="500"/>
+              </a:spcBef>
+              <a:buFont typeface="Arial" panose="020B0604020202020204" pitchFamily="34" charset="0"/>
+              <a:buChar char="•"/>
+              <a:defRPr sz="1800" kern="1200">
+                <a:solidFill>
+                  <a:schemeClr val="tx1"/>
+                </a:solidFill>
+                <a:latin typeface="+mn-lt"/>
+                <a:ea typeface="+mn-ea"/>
+                <a:cs typeface="+mn-cs"/>
+              </a:defRPr>
+            </a:lvl9pPr>
+          </a:lstStyle>
+          <a:p>
+            <a:pPr marL="0"/>
+            <a:r>
+              <a:rPr lang="en-US" dirty="0"/>
+              <a:t>SZ Introduction</a:t>
+            </a:r>
+          </a:p>
+        </p:txBody>
+      </p:sp>
+      <p:sp>
+        <p:nvSpPr>
+          <p:cNvPr id="12" name="Content Placeholder 11">
+            <a:extLst>
+              <a:ext uri="{FF2B5EF4-FFF2-40B4-BE49-F238E27FC236}">
+                <a16:creationId xmlns:a16="http://schemas.microsoft.com/office/drawing/2014/main" id="{243C258F-452F-B757-EB95-FC1B37D21CC4}"/>
+              </a:ext>
+            </a:extLst>
+          </p:cNvPr>
+          <p:cNvSpPr>
+            <a:spLocks noGrp="1"/>
+          </p:cNvSpPr>
+          <p:nvPr>
+            <p:ph idx="1"/>
+          </p:nvPr>
+        </p:nvSpPr>
+        <p:spPr>
+          <a:xfrm>
+            <a:off x="681038" y="2401843"/>
+            <a:ext cx="8543925" cy="3775120"/>
+          </a:xfrm>
+        </p:spPr>
+        <p:txBody>
+          <a:bodyPr/>
+          <a:lstStyle/>
+          <a:p>
+            <a:r>
+              <a:rPr lang="en-US" dirty="0"/>
+              <a:t>SZ is lossless compression that offer high compression ratio supported C and Fortran API.</a:t>
+            </a:r>
+          </a:p>
+          <a:p>
+            <a:r>
+              <a:rPr lang="en-US" dirty="0"/>
+              <a:t>SZ using </a:t>
+            </a:r>
+            <a:r>
+              <a:rPr lang="en-US" dirty="0" err="1"/>
+              <a:t>sz.config</a:t>
+            </a:r>
+            <a:r>
+              <a:rPr lang="en-US" dirty="0"/>
+              <a:t> file to configure the compression such as </a:t>
+            </a:r>
+            <a:r>
+              <a:rPr lang="en-US" dirty="0" err="1"/>
+              <a:t>errorBoundMode</a:t>
+            </a:r>
+            <a:r>
+              <a:rPr lang="en-US" dirty="0"/>
+              <a:t>, </a:t>
+            </a:r>
+            <a:r>
+              <a:rPr lang="en-US" dirty="0" err="1"/>
+              <a:t>absErrBound</a:t>
+            </a:r>
+            <a:r>
+              <a:rPr lang="en-US" dirty="0"/>
+              <a:t>, </a:t>
+            </a:r>
+            <a:r>
+              <a:rPr lang="en-US" dirty="0" err="1"/>
+              <a:t>relBoundRatio</a:t>
+            </a:r>
+            <a:r>
+              <a:rPr lang="en-US" dirty="0"/>
+              <a:t> etc.</a:t>
+            </a:r>
+          </a:p>
+          <a:p>
+            <a:endParaRPr lang="en-US" dirty="0"/>
+          </a:p>
+        </p:txBody>
+      </p:sp>
+    </p:spTree>
+    <p:extLst>
+      <p:ext uri="{BB962C8B-B14F-4D97-AF65-F5344CB8AC3E}">
+        <p14:creationId xmlns:p14="http://schemas.microsoft.com/office/powerpoint/2010/main" val="4061422846"/>
+      </p:ext>
+    </p:extLst>
+  </p:cSld>
+  <p:clrMapOvr>
+    <a:masterClrMapping/>
+  </p:clrMapOvr>
+</p:sld>
+</file>
+
+<file path=ppt/slides/slide7.xml><?xml version="1.0" encoding="utf-8"?>
+<p:sld xmlns:a="http://schemas.openxmlformats.org/drawingml/2006/main" xmlns:r="http://schemas.openxmlformats.org/officeDocument/2006/relationships" xmlns:p="http://schemas.openxmlformats.org/presentationml/2006/main">
+  <p:cSld>
+    <p:bg>
+      <p:bgPr>
+        <a:solidFill>
+          <a:schemeClr val="bg1"/>
+        </a:solidFill>
+        <a:effectLst/>
+      </p:bgPr>
+    </p:bg>
+    <p:spTree>
+      <p:nvGrpSpPr>
+        <p:cNvPr id="1" name=""/>
+        <p:cNvGrpSpPr/>
+        <p:nvPr/>
+      </p:nvGrpSpPr>
+      <p:grpSpPr>
+        <a:xfrm>
+          <a:off x="0" y="0"/>
+          <a:ext cx="0" cy="0"/>
+          <a:chOff x="0" y="0"/>
+          <a:chExt cx="0" cy="0"/>
+        </a:xfrm>
+      </p:grpSpPr>
+      <p:sp useBgFill="1">
+        <p:nvSpPr>
+          <p:cNvPr id="10" name="Rectangle 9">
+            <a:extLst>
+              <a:ext uri="{FF2B5EF4-FFF2-40B4-BE49-F238E27FC236}">
+                <a16:creationId xmlns:a16="http://schemas.microsoft.com/office/drawing/2014/main" id="{1A95671B-3CC6-4792-9114-B74FAEA224E6}"/>
+              </a:ext>
+              <a:ext uri="{C183D7F6-B498-43B3-948B-1728B52AA6E4}">
+                <adec:decorative xmlns:adec="http://schemas.microsoft.com/office/drawing/2017/decorative" val="1"/>
+              </a:ext>
+            </a:extLst>
+          </p:cNvPr>
+          <p:cNvSpPr>
+            <a:spLocks noGrp="1" noRot="1" noChangeAspect="1" noMove="1" noResize="1" noEditPoints="1" noAdjustHandles="1" noChangeArrowheads="1" noChangeShapeType="1" noTextEdit="1"/>
+          </p:cNvSpPr>
+          <p:nvPr>
+            <p:extLst>
+              <p:ext uri="{386F3935-93C4-4BCD-93E2-E3B085C9AB24}">
+                <p16:designElem xmlns:p16="http://schemas.microsoft.com/office/powerpoint/2015/main" val="1"/>
+              </p:ext>
+            </p:extLst>
+          </p:nvPr>
+        </p:nvSpPr>
+        <p:spPr>
+          <a:xfrm>
+            <a:off x="0" y="0"/>
+            <a:ext cx="9903523" cy="6858000"/>
+          </a:xfrm>
+          <a:prstGeom prst="rect">
+            <a:avLst/>
+          </a:prstGeom>
+          <a:ln>
+            <a:noFill/>
+          </a:ln>
+        </p:spPr>
+        <p:style>
+          <a:lnRef idx="2">
+            <a:schemeClr val="accent1">
+              <a:shade val="50000"/>
+            </a:schemeClr>
+          </a:lnRef>
+          <a:fillRef idx="1">
+            <a:schemeClr val="accent1"/>
+          </a:fillRef>
+          <a:effectRef idx="0">
+            <a:schemeClr val="accent1"/>
+          </a:effectRef>
+          <a:fontRef idx="minor">
+            <a:schemeClr val="lt1"/>
+          </a:fontRef>
+        </p:style>
+        <p:txBody>
+          <a:bodyPr rtlCol="0" anchor="ctr"/>
+          <a:lstStyle/>
+          <a:p>
+            <a:pPr algn="ctr"/>
+            <a:endParaRPr lang="en-US"/>
+          </a:p>
+        </p:txBody>
+      </p:sp>
+      <p:sp>
+        <p:nvSpPr>
+          <p:cNvPr id="2" name="Title 1">
+            <a:extLst>
+              <a:ext uri="{FF2B5EF4-FFF2-40B4-BE49-F238E27FC236}">
+                <a16:creationId xmlns:a16="http://schemas.microsoft.com/office/drawing/2014/main" id="{8CD68CC9-5290-CA44-80BF-980FA5C9772E}"/>
+              </a:ext>
+            </a:extLst>
+          </p:cNvPr>
+          <p:cNvSpPr>
+            <a:spLocks noGrp="1"/>
+          </p:cNvSpPr>
+          <p:nvPr>
+            <p:ph type="title"/>
+          </p:nvPr>
+        </p:nvSpPr>
+        <p:spPr>
+          <a:xfrm>
+            <a:off x="819149" y="174032"/>
+            <a:ext cx="8267700" cy="1111843"/>
+          </a:xfrm>
+        </p:spPr>
+        <p:txBody>
+          <a:bodyPr vert="horz" lIns="91440" tIns="45720" rIns="91440" bIns="45720" rtlCol="0" anchor="ctr">
+            <a:normAutofit/>
+          </a:bodyPr>
+          <a:lstStyle/>
+          <a:p>
+            <a:r>
+              <a:rPr lang="en-US" sz="3600" kern="1200" dirty="0">
+                <a:solidFill>
+                  <a:schemeClr val="tx1"/>
+                </a:solidFill>
+                <a:latin typeface="+mj-lt"/>
+                <a:ea typeface="+mj-ea"/>
+                <a:cs typeface="+mj-cs"/>
+              </a:rPr>
+              <a:t>Integrate SZ Compression in XIOS</a:t>
+            </a:r>
+          </a:p>
+        </p:txBody>
+      </p:sp>
+      <p:sp>
+        <p:nvSpPr>
+          <p:cNvPr id="4" name="Content Placeholder 2">
+            <a:extLst>
+              <a:ext uri="{FF2B5EF4-FFF2-40B4-BE49-F238E27FC236}">
+                <a16:creationId xmlns:a16="http://schemas.microsoft.com/office/drawing/2014/main" id="{B0DB67BD-27B4-564E-B96F-A0BF6F882EA1}"/>
+              </a:ext>
+            </a:extLst>
+          </p:cNvPr>
+          <p:cNvSpPr txBox="1">
+            <a:spLocks/>
+          </p:cNvSpPr>
+          <p:nvPr/>
+        </p:nvSpPr>
+        <p:spPr>
+          <a:xfrm>
+            <a:off x="819149" y="1459907"/>
+            <a:ext cx="8267699" cy="767904"/>
+          </a:xfrm>
+          <a:prstGeom prst="rect">
+            <a:avLst/>
+          </a:prstGeom>
+        </p:spPr>
+        <p:style>
+          <a:lnRef idx="1">
+            <a:schemeClr val="accent4"/>
+          </a:lnRef>
+          <a:fillRef idx="3">
+            <a:schemeClr val="accent4"/>
+          </a:fillRef>
+          <a:effectRef idx="2">
+            <a:schemeClr val="accent4"/>
+          </a:effectRef>
+          <a:fontRef idx="minor">
+            <a:schemeClr val="lt1"/>
+          </a:fontRef>
+        </p:style>
+        <p:txBody>
+          <a:bodyPr vert="horz" lIns="91440" tIns="45720" rIns="91440" bIns="45720" rtlCol="0" anchor="ctr">
+            <a:normAutofit/>
+          </a:bodyPr>
+          <a:lstStyle>
+            <a:lvl1pPr marL="228600" indent="-228600" algn="l" defTabSz="914400" rtl="0" eaLnBrk="1" latinLnBrk="0" hangingPunct="1">
+              <a:lnSpc>
+                <a:spcPct val="90000"/>
+              </a:lnSpc>
+              <a:spcBef>
+                <a:spcPts val="1000"/>
+              </a:spcBef>
+              <a:buFont typeface="Arial" panose="020B0604020202020204" pitchFamily="34" charset="0"/>
+              <a:buChar char="•"/>
+              <a:defRPr sz="2800" kern="1200">
+                <a:solidFill>
+                  <a:schemeClr val="tx1"/>
+                </a:solidFill>
+                <a:latin typeface="+mn-lt"/>
+                <a:ea typeface="+mn-ea"/>
+                <a:cs typeface="+mn-cs"/>
+              </a:defRPr>
+            </a:lvl1pPr>
+            <a:lvl2pPr marL="685800" indent="-228600" algn="l" defTabSz="914400" rtl="0" eaLnBrk="1" latinLnBrk="0" hangingPunct="1">
+              <a:lnSpc>
+                <a:spcPct val="90000"/>
+              </a:lnSpc>
+              <a:spcBef>
+                <a:spcPts val="500"/>
+              </a:spcBef>
+              <a:buFont typeface="Arial" panose="020B0604020202020204" pitchFamily="34" charset="0"/>
+              <a:buChar char="•"/>
+              <a:defRPr sz="2400" kern="1200">
+                <a:solidFill>
+                  <a:schemeClr val="tx1"/>
+                </a:solidFill>
+                <a:latin typeface="+mn-lt"/>
+                <a:ea typeface="+mn-ea"/>
+                <a:cs typeface="+mn-cs"/>
+              </a:defRPr>
+            </a:lvl2pPr>
+            <a:lvl3pPr marL="1143000" indent="-228600" algn="l" defTabSz="914400" rtl="0" eaLnBrk="1" latinLnBrk="0" hangingPunct="1">
+              <a:lnSpc>
+                <a:spcPct val="90000"/>
+              </a:lnSpc>
+              <a:spcBef>
+                <a:spcPts val="500"/>
+              </a:spcBef>
+              <a:buFont typeface="Arial" panose="020B0604020202020204" pitchFamily="34" charset="0"/>
+              <a:buChar char="•"/>
+              <a:defRPr sz="2000" kern="1200">
+                <a:solidFill>
+                  <a:schemeClr val="tx1"/>
+                </a:solidFill>
+                <a:latin typeface="+mn-lt"/>
+                <a:ea typeface="+mn-ea"/>
+                <a:cs typeface="+mn-cs"/>
+              </a:defRPr>
+            </a:lvl3pPr>
+            <a:lvl4pPr marL="1600200" indent="-228600" algn="l" defTabSz="914400" rtl="0" eaLnBrk="1" latinLnBrk="0" hangingPunct="1">
+              <a:lnSpc>
+                <a:spcPct val="90000"/>
+              </a:lnSpc>
+              <a:spcBef>
+                <a:spcPts val="500"/>
+              </a:spcBef>
+              <a:buFont typeface="Arial" panose="020B0604020202020204" pitchFamily="34" charset="0"/>
+              <a:buChar char="•"/>
+              <a:defRPr sz="1800" kern="1200">
+                <a:solidFill>
+                  <a:schemeClr val="tx1"/>
+                </a:solidFill>
+                <a:latin typeface="+mn-lt"/>
+                <a:ea typeface="+mn-ea"/>
+                <a:cs typeface="+mn-cs"/>
+              </a:defRPr>
+            </a:lvl4pPr>
+            <a:lvl5pPr marL="2057400" indent="-228600" algn="l" defTabSz="914400" rtl="0" eaLnBrk="1" latinLnBrk="0" hangingPunct="1">
+              <a:lnSpc>
+                <a:spcPct val="90000"/>
+              </a:lnSpc>
+              <a:spcBef>
+                <a:spcPts val="500"/>
+              </a:spcBef>
+              <a:buFont typeface="Arial" panose="020B0604020202020204" pitchFamily="34" charset="0"/>
+              <a:buChar char="•"/>
+              <a:defRPr sz="1800" kern="1200">
+                <a:solidFill>
+                  <a:schemeClr val="tx1"/>
+                </a:solidFill>
+                <a:latin typeface="+mn-lt"/>
+                <a:ea typeface="+mn-ea"/>
+                <a:cs typeface="+mn-cs"/>
+              </a:defRPr>
+            </a:lvl5pPr>
+            <a:lvl6pPr marL="2514600" indent="-228600" algn="l" defTabSz="914400" rtl="0" eaLnBrk="1" latinLnBrk="0" hangingPunct="1">
+              <a:lnSpc>
+                <a:spcPct val="90000"/>
+              </a:lnSpc>
+              <a:spcBef>
+                <a:spcPts val="500"/>
+              </a:spcBef>
+              <a:buFont typeface="Arial" panose="020B0604020202020204" pitchFamily="34" charset="0"/>
+              <a:buChar char="•"/>
+              <a:defRPr sz="1800" kern="1200">
+                <a:solidFill>
+                  <a:schemeClr val="tx1"/>
+                </a:solidFill>
+                <a:latin typeface="+mn-lt"/>
+                <a:ea typeface="+mn-ea"/>
+                <a:cs typeface="+mn-cs"/>
+              </a:defRPr>
+            </a:lvl6pPr>
+            <a:lvl7pPr marL="2971800" indent="-228600" algn="l" defTabSz="914400" rtl="0" eaLnBrk="1" latinLnBrk="0" hangingPunct="1">
+              <a:lnSpc>
+                <a:spcPct val="90000"/>
+              </a:lnSpc>
+              <a:spcBef>
+                <a:spcPts val="500"/>
+              </a:spcBef>
+              <a:buFont typeface="Arial" panose="020B0604020202020204" pitchFamily="34" charset="0"/>
+              <a:buChar char="•"/>
+              <a:defRPr sz="1800" kern="1200">
+                <a:solidFill>
+                  <a:schemeClr val="tx1"/>
+                </a:solidFill>
+                <a:latin typeface="+mn-lt"/>
+                <a:ea typeface="+mn-ea"/>
+                <a:cs typeface="+mn-cs"/>
+              </a:defRPr>
+            </a:lvl7pPr>
+            <a:lvl8pPr marL="3429000" indent="-228600" algn="l" defTabSz="914400" rtl="0" eaLnBrk="1" latinLnBrk="0" hangingPunct="1">
+              <a:lnSpc>
+                <a:spcPct val="90000"/>
+              </a:lnSpc>
+              <a:spcBef>
+                <a:spcPts val="500"/>
+              </a:spcBef>
+              <a:buFont typeface="Arial" panose="020B0604020202020204" pitchFamily="34" charset="0"/>
+              <a:buChar char="•"/>
+              <a:defRPr sz="1800" kern="1200">
+                <a:solidFill>
+                  <a:schemeClr val="tx1"/>
+                </a:solidFill>
+                <a:latin typeface="+mn-lt"/>
+                <a:ea typeface="+mn-ea"/>
+                <a:cs typeface="+mn-cs"/>
+              </a:defRPr>
+            </a:lvl8pPr>
+            <a:lvl9pPr marL="3886200" indent="-228600" algn="l" defTabSz="914400" rtl="0" eaLnBrk="1" latinLnBrk="0" hangingPunct="1">
+              <a:lnSpc>
+                <a:spcPct val="90000"/>
+              </a:lnSpc>
+              <a:spcBef>
+                <a:spcPts val="500"/>
+              </a:spcBef>
+              <a:buFont typeface="Arial" panose="020B0604020202020204" pitchFamily="34" charset="0"/>
+              <a:buChar char="•"/>
+              <a:defRPr sz="1800" kern="1200">
+                <a:solidFill>
+                  <a:schemeClr val="tx1"/>
+                </a:solidFill>
+                <a:latin typeface="+mn-lt"/>
+                <a:ea typeface="+mn-ea"/>
+                <a:cs typeface="+mn-cs"/>
+              </a:defRPr>
+            </a:lvl9pPr>
+          </a:lstStyle>
+          <a:p>
+            <a:pPr marL="0"/>
+            <a:r>
+              <a:rPr lang="en-US" dirty="0"/>
+              <a:t>Proposed Integration</a:t>
+            </a:r>
+          </a:p>
+        </p:txBody>
+      </p:sp>
+      <p:sp>
+        <p:nvSpPr>
+          <p:cNvPr id="6" name="Content Placeholder 5">
+            <a:extLst>
+              <a:ext uri="{FF2B5EF4-FFF2-40B4-BE49-F238E27FC236}">
+                <a16:creationId xmlns:a16="http://schemas.microsoft.com/office/drawing/2014/main" id="{AD46290A-7900-A519-0912-1BDFD53D40E6}"/>
+              </a:ext>
+            </a:extLst>
+          </p:cNvPr>
+          <p:cNvSpPr>
+            <a:spLocks noGrp="1"/>
+          </p:cNvSpPr>
+          <p:nvPr>
+            <p:ph idx="1"/>
+          </p:nvPr>
+        </p:nvSpPr>
+        <p:spPr>
+          <a:xfrm>
+            <a:off x="681038" y="2401843"/>
+            <a:ext cx="8543925" cy="1505139"/>
+          </a:xfrm>
+        </p:spPr>
+        <p:txBody>
+          <a:bodyPr>
+            <a:normAutofit fontScale="77500" lnSpcReduction="20000"/>
+          </a:bodyPr>
+          <a:lstStyle/>
+          <a:p>
+            <a:r>
+              <a:rPr lang="en-US" dirty="0"/>
+              <a:t>The climate data uses </a:t>
+            </a:r>
+            <a:r>
+              <a:rPr lang="en-US" dirty="0" err="1"/>
+              <a:t>NetCDF</a:t>
+            </a:r>
+            <a:r>
+              <a:rPr lang="en-US" dirty="0"/>
+              <a:t> format to store the model.</a:t>
+            </a:r>
+          </a:p>
+          <a:p>
+            <a:r>
+              <a:rPr lang="en-US" dirty="0"/>
+              <a:t>The H5Z-SZ filter support to apply SZ compression for NetCDF4 format</a:t>
+            </a:r>
+          </a:p>
+          <a:p>
+            <a:r>
+              <a:rPr lang="en-US" dirty="0"/>
+              <a:t>The approach to implement SZ compression as shown below figure</a:t>
+            </a:r>
+          </a:p>
+          <a:p>
+            <a:endParaRPr lang="en-US" dirty="0"/>
+          </a:p>
+        </p:txBody>
+      </p:sp>
+      <p:pic>
+        <p:nvPicPr>
+          <p:cNvPr id="7" name="Picture 6" descr="A picture containing text, screenshot, font, diagram&#10;&#10;Description automatically generated">
+            <a:extLst>
+              <a:ext uri="{FF2B5EF4-FFF2-40B4-BE49-F238E27FC236}">
+                <a16:creationId xmlns:a16="http://schemas.microsoft.com/office/drawing/2014/main" id="{FA1C4A7C-CA20-1C03-E2E5-424B0ECBD62C}"/>
+              </a:ext>
+            </a:extLst>
+          </p:cNvPr>
+          <p:cNvPicPr>
+            <a:picLocks noChangeAspect="1"/>
+          </p:cNvPicPr>
+          <p:nvPr/>
+        </p:nvPicPr>
+        <p:blipFill>
+          <a:blip r:embed="rId2"/>
+          <a:stretch>
+            <a:fillRect/>
+          </a:stretch>
+        </p:blipFill>
+        <p:spPr>
+          <a:xfrm>
+            <a:off x="681037" y="3687718"/>
+            <a:ext cx="8543926" cy="2328220"/>
+          </a:xfrm>
+          <a:prstGeom prst="rect">
+            <a:avLst/>
+          </a:prstGeom>
+        </p:spPr>
+      </p:pic>
+    </p:spTree>
+    <p:extLst>
+      <p:ext uri="{BB962C8B-B14F-4D97-AF65-F5344CB8AC3E}">
+        <p14:creationId xmlns:p14="http://schemas.microsoft.com/office/powerpoint/2010/main" val="4135278916"/>
+      </p:ext>
+    </p:extLst>
+  </p:cSld>
+  <p:clrMapOvr>
+    <a:masterClrMapping/>
+  </p:clrMapOvr>
+</p:sld>
+</file>
+
+<file path=ppt/slides/slide8.xml><?xml version="1.0" encoding="utf-8"?>
+<p:sld xmlns:a="http://schemas.openxmlformats.org/drawingml/2006/main" xmlns:r="http://schemas.openxmlformats.org/officeDocument/2006/relationships" xmlns:p="http://schemas.openxmlformats.org/presentationml/2006/main">
+  <p:cSld>
+    <p:spTree>
+      <p:nvGrpSpPr>
+        <p:cNvPr id="1" name=""/>
+        <p:cNvGrpSpPr/>
+        <p:nvPr/>
+      </p:nvGrpSpPr>
+      <p:grpSpPr>
+        <a:xfrm>
+          <a:off x="0" y="0"/>
+          <a:ext cx="0" cy="0"/>
+          <a:chOff x="0" y="0"/>
+          <a:chExt cx="0" cy="0"/>
+        </a:xfrm>
+      </p:grpSpPr>
+      <p:sp>
+        <p:nvSpPr>
+          <p:cNvPr id="2" name="Title 1">
+            <a:extLst>
+              <a:ext uri="{FF2B5EF4-FFF2-40B4-BE49-F238E27FC236}">
+                <a16:creationId xmlns:a16="http://schemas.microsoft.com/office/drawing/2014/main" id="{A3519FDB-625D-B164-7E61-BE65F97C13FB}"/>
+              </a:ext>
+            </a:extLst>
+          </p:cNvPr>
+          <p:cNvSpPr>
+            <a:spLocks noGrp="1"/>
+          </p:cNvSpPr>
+          <p:nvPr>
+            <p:ph type="title"/>
+          </p:nvPr>
+        </p:nvSpPr>
+        <p:spPr/>
+        <p:txBody>
+          <a:bodyPr/>
+          <a:lstStyle/>
+          <a:p>
+            <a:r>
+              <a:rPr lang="en-US" dirty="0"/>
+              <a:t>Preparing Different Scenarios</a:t>
+            </a:r>
+          </a:p>
+        </p:txBody>
+      </p:sp>
+      <p:sp>
+        <p:nvSpPr>
+          <p:cNvPr id="3" name="Content Placeholder 2">
+            <a:extLst>
+              <a:ext uri="{FF2B5EF4-FFF2-40B4-BE49-F238E27FC236}">
+                <a16:creationId xmlns:a16="http://schemas.microsoft.com/office/drawing/2014/main" id="{1331C16C-C90F-628F-B867-5A02479A6747}"/>
+              </a:ext>
+            </a:extLst>
+          </p:cNvPr>
+          <p:cNvSpPr>
+            <a:spLocks noGrp="1"/>
+          </p:cNvSpPr>
+          <p:nvPr>
+            <p:ph idx="1"/>
+          </p:nvPr>
+        </p:nvSpPr>
+        <p:spPr>
+          <a:xfrm>
+            <a:off x="681038" y="2328671"/>
+            <a:ext cx="8543925" cy="3848291"/>
+          </a:xfrm>
+        </p:spPr>
+        <p:txBody>
+          <a:bodyPr/>
+          <a:lstStyle/>
+          <a:p>
+            <a:r>
+              <a:rPr lang="en-US" dirty="0"/>
+              <a:t>The different scenarios and configurations are needed to perform different scenarios evaluation</a:t>
+            </a:r>
+          </a:p>
+          <a:p>
+            <a:r>
+              <a:rPr lang="en-US" dirty="0"/>
+              <a:t>The Low GloSea6 codebase is managed using </a:t>
+            </a:r>
+            <a:r>
+              <a:rPr lang="en-US"/>
+              <a:t>subversion + FCM </a:t>
+            </a:r>
+            <a:r>
+              <a:rPr lang="en-US" dirty="0"/>
+              <a:t>and the XIOS codebase is managed using git</a:t>
+            </a:r>
+          </a:p>
+          <a:p>
+            <a:r>
+              <a:rPr lang="en-US" dirty="0"/>
+              <a:t>The VCS supports creating branches to help develop and incubate features. This feature can help to have different scenarios without comment/uncomment code.</a:t>
+            </a:r>
+          </a:p>
+          <a:p>
+            <a:endParaRPr lang="en-US" dirty="0"/>
+          </a:p>
+          <a:p>
+            <a:endParaRPr lang="en-US" dirty="0"/>
+          </a:p>
+        </p:txBody>
+      </p:sp>
+      <p:sp>
+        <p:nvSpPr>
+          <p:cNvPr id="4" name="Content Placeholder 2">
+            <a:extLst>
+              <a:ext uri="{FF2B5EF4-FFF2-40B4-BE49-F238E27FC236}">
+                <a16:creationId xmlns:a16="http://schemas.microsoft.com/office/drawing/2014/main" id="{ADFB6ED1-232D-9A0E-F728-7910A8F07624}"/>
+              </a:ext>
+            </a:extLst>
+          </p:cNvPr>
+          <p:cNvSpPr txBox="1">
+            <a:spLocks/>
+          </p:cNvSpPr>
+          <p:nvPr/>
+        </p:nvSpPr>
+        <p:spPr>
+          <a:xfrm>
+            <a:off x="819149" y="1459907"/>
+            <a:ext cx="8267699" cy="767904"/>
+          </a:xfrm>
+          <a:prstGeom prst="rect">
+            <a:avLst/>
+          </a:prstGeom>
+        </p:spPr>
+        <p:style>
+          <a:lnRef idx="1">
+            <a:schemeClr val="accent4"/>
+          </a:lnRef>
+          <a:fillRef idx="3">
+            <a:schemeClr val="accent4"/>
+          </a:fillRef>
+          <a:effectRef idx="2">
+            <a:schemeClr val="accent4"/>
+          </a:effectRef>
+          <a:fontRef idx="minor">
+            <a:schemeClr val="lt1"/>
+          </a:fontRef>
+        </p:style>
+        <p:txBody>
+          <a:bodyPr vert="horz" lIns="91440" tIns="45720" rIns="91440" bIns="45720" rtlCol="0" anchor="ctr">
+            <a:normAutofit/>
+          </a:bodyPr>
+          <a:lstStyle>
+            <a:lvl1pPr marL="228600" indent="-228600" algn="l" defTabSz="914400" rtl="0" eaLnBrk="1" latinLnBrk="0" hangingPunct="1">
+              <a:lnSpc>
+                <a:spcPct val="90000"/>
+              </a:lnSpc>
+              <a:spcBef>
+                <a:spcPts val="1000"/>
+              </a:spcBef>
+              <a:buFont typeface="Arial" panose="020B0604020202020204" pitchFamily="34" charset="0"/>
+              <a:buChar char="•"/>
+              <a:defRPr sz="2800" kern="1200">
+                <a:solidFill>
+                  <a:schemeClr val="tx1"/>
+                </a:solidFill>
+                <a:latin typeface="+mn-lt"/>
+                <a:ea typeface="+mn-ea"/>
+                <a:cs typeface="+mn-cs"/>
+              </a:defRPr>
+            </a:lvl1pPr>
+            <a:lvl2pPr marL="685800" indent="-228600" algn="l" defTabSz="914400" rtl="0" eaLnBrk="1" latinLnBrk="0" hangingPunct="1">
+              <a:lnSpc>
+                <a:spcPct val="90000"/>
+              </a:lnSpc>
+              <a:spcBef>
+                <a:spcPts val="500"/>
+              </a:spcBef>
+              <a:buFont typeface="Arial" panose="020B0604020202020204" pitchFamily="34" charset="0"/>
+              <a:buChar char="•"/>
+              <a:defRPr sz="2400" kern="1200">
+                <a:solidFill>
+                  <a:schemeClr val="tx1"/>
+                </a:solidFill>
+                <a:latin typeface="+mn-lt"/>
+                <a:ea typeface="+mn-ea"/>
+                <a:cs typeface="+mn-cs"/>
+              </a:defRPr>
+            </a:lvl2pPr>
+            <a:lvl3pPr marL="1143000" indent="-228600" algn="l" defTabSz="914400" rtl="0" eaLnBrk="1" latinLnBrk="0" hangingPunct="1">
+              <a:lnSpc>
+                <a:spcPct val="90000"/>
+              </a:lnSpc>
+              <a:spcBef>
+                <a:spcPts val="500"/>
+              </a:spcBef>
+              <a:buFont typeface="Arial" panose="020B0604020202020204" pitchFamily="34" charset="0"/>
+              <a:buChar char="•"/>
+              <a:defRPr sz="2000" kern="1200">
+                <a:solidFill>
+                  <a:schemeClr val="tx1"/>
+                </a:solidFill>
+                <a:latin typeface="+mn-lt"/>
+                <a:ea typeface="+mn-ea"/>
+                <a:cs typeface="+mn-cs"/>
+              </a:defRPr>
+            </a:lvl3pPr>
+            <a:lvl4pPr marL="1600200" indent="-228600" algn="l" defTabSz="914400" rtl="0" eaLnBrk="1" latinLnBrk="0" hangingPunct="1">
+              <a:lnSpc>
+                <a:spcPct val="90000"/>
+              </a:lnSpc>
+              <a:spcBef>
+                <a:spcPts val="500"/>
+              </a:spcBef>
+              <a:buFont typeface="Arial" panose="020B0604020202020204" pitchFamily="34" charset="0"/>
+              <a:buChar char="•"/>
+              <a:defRPr sz="1800" kern="1200">
+                <a:solidFill>
+                  <a:schemeClr val="tx1"/>
+                </a:solidFill>
+                <a:latin typeface="+mn-lt"/>
+                <a:ea typeface="+mn-ea"/>
+                <a:cs typeface="+mn-cs"/>
+              </a:defRPr>
+            </a:lvl4pPr>
+            <a:lvl5pPr marL="2057400" indent="-228600" algn="l" defTabSz="914400" rtl="0" eaLnBrk="1" latinLnBrk="0" hangingPunct="1">
+              <a:lnSpc>
+                <a:spcPct val="90000"/>
+              </a:lnSpc>
+              <a:spcBef>
+                <a:spcPts val="500"/>
+              </a:spcBef>
+              <a:buFont typeface="Arial" panose="020B0604020202020204" pitchFamily="34" charset="0"/>
+              <a:buChar char="•"/>
+              <a:defRPr sz="1800" kern="1200">
+                <a:solidFill>
+                  <a:schemeClr val="tx1"/>
+                </a:solidFill>
+                <a:latin typeface="+mn-lt"/>
+                <a:ea typeface="+mn-ea"/>
+                <a:cs typeface="+mn-cs"/>
+              </a:defRPr>
+            </a:lvl5pPr>
+            <a:lvl6pPr marL="2514600" indent="-228600" algn="l" defTabSz="914400" rtl="0" eaLnBrk="1" latinLnBrk="0" hangingPunct="1">
+              <a:lnSpc>
+                <a:spcPct val="90000"/>
+              </a:lnSpc>
+              <a:spcBef>
+                <a:spcPts val="500"/>
+              </a:spcBef>
+              <a:buFont typeface="Arial" panose="020B0604020202020204" pitchFamily="34" charset="0"/>
+              <a:buChar char="•"/>
+              <a:defRPr sz="1800" kern="1200">
+                <a:solidFill>
+                  <a:schemeClr val="tx1"/>
+                </a:solidFill>
+                <a:latin typeface="+mn-lt"/>
+                <a:ea typeface="+mn-ea"/>
+                <a:cs typeface="+mn-cs"/>
+              </a:defRPr>
+            </a:lvl6pPr>
+            <a:lvl7pPr marL="2971800" indent="-228600" algn="l" defTabSz="914400" rtl="0" eaLnBrk="1" latinLnBrk="0" hangingPunct="1">
+              <a:lnSpc>
+                <a:spcPct val="90000"/>
+              </a:lnSpc>
+              <a:spcBef>
+                <a:spcPts val="500"/>
+              </a:spcBef>
+              <a:buFont typeface="Arial" panose="020B0604020202020204" pitchFamily="34" charset="0"/>
+              <a:buChar char="•"/>
+              <a:defRPr sz="1800" kern="1200">
+                <a:solidFill>
+                  <a:schemeClr val="tx1"/>
+                </a:solidFill>
+                <a:latin typeface="+mn-lt"/>
+                <a:ea typeface="+mn-ea"/>
+                <a:cs typeface="+mn-cs"/>
+              </a:defRPr>
+            </a:lvl7pPr>
+            <a:lvl8pPr marL="3429000" indent="-228600" algn="l" defTabSz="914400" rtl="0" eaLnBrk="1" latinLnBrk="0" hangingPunct="1">
+              <a:lnSpc>
+                <a:spcPct val="90000"/>
+              </a:lnSpc>
+              <a:spcBef>
+                <a:spcPts val="500"/>
+              </a:spcBef>
+              <a:buFont typeface="Arial" panose="020B0604020202020204" pitchFamily="34" charset="0"/>
+              <a:buChar char="•"/>
+              <a:defRPr sz="1800" kern="1200">
+                <a:solidFill>
+                  <a:schemeClr val="tx1"/>
+                </a:solidFill>
+                <a:latin typeface="+mn-lt"/>
+                <a:ea typeface="+mn-ea"/>
+                <a:cs typeface="+mn-cs"/>
+              </a:defRPr>
+            </a:lvl8pPr>
+            <a:lvl9pPr marL="3886200" indent="-228600" algn="l" defTabSz="914400" rtl="0" eaLnBrk="1" latinLnBrk="0" hangingPunct="1">
+              <a:lnSpc>
+                <a:spcPct val="90000"/>
+              </a:lnSpc>
+              <a:spcBef>
+                <a:spcPts val="500"/>
+              </a:spcBef>
+              <a:buFont typeface="Arial" panose="020B0604020202020204" pitchFamily="34" charset="0"/>
+              <a:buChar char="•"/>
+              <a:defRPr sz="1800" kern="1200">
+                <a:solidFill>
+                  <a:schemeClr val="tx1"/>
+                </a:solidFill>
+                <a:latin typeface="+mn-lt"/>
+                <a:ea typeface="+mn-ea"/>
+                <a:cs typeface="+mn-cs"/>
+              </a:defRPr>
+            </a:lvl9pPr>
+          </a:lstStyle>
+          <a:p>
+            <a:pPr marL="0"/>
+            <a:r>
+              <a:rPr lang="en-US" dirty="0"/>
+              <a:t>VCS Branching</a:t>
+            </a:r>
+          </a:p>
+        </p:txBody>
+      </p:sp>
+    </p:spTree>
+    <p:extLst>
+      <p:ext uri="{BB962C8B-B14F-4D97-AF65-F5344CB8AC3E}">
+        <p14:creationId xmlns:p14="http://schemas.microsoft.com/office/powerpoint/2010/main" val="807937657"/>
+      </p:ext>
+    </p:extLst>
+  </p:cSld>
+  <p:clrMapOvr>
+    <a:masterClrMapping/>
+  </p:clrMapOvr>
+</p:sld>
+</file>
+
+<file path=ppt/slides/slide9.xml><?xml version="1.0" encoding="utf-8"?>
+<p:sld xmlns:a="http://schemas.openxmlformats.org/drawingml/2006/main" xmlns:r="http://schemas.openxmlformats.org/officeDocument/2006/relationships" xmlns:p="http://schemas.openxmlformats.org/presentationml/2006/main">
+  <p:cSld>
+    <p:spTree>
+      <p:nvGrpSpPr>
+        <p:cNvPr id="1" name=""/>
+        <p:cNvGrpSpPr/>
+        <p:nvPr/>
+      </p:nvGrpSpPr>
+      <p:grpSpPr>
+        <a:xfrm>
+          <a:off x="0" y="0"/>
+          <a:ext cx="0" cy="0"/>
+          <a:chOff x="0" y="0"/>
+          <a:chExt cx="0" cy="0"/>
+        </a:xfrm>
+      </p:grpSpPr>
+      <p:sp>
+        <p:nvSpPr>
+          <p:cNvPr id="2" name="Title 1">
+            <a:extLst>
+              <a:ext uri="{FF2B5EF4-FFF2-40B4-BE49-F238E27FC236}">
+                <a16:creationId xmlns:a16="http://schemas.microsoft.com/office/drawing/2014/main" id="{0DC339BA-BF21-FCEC-8889-FBB70964739F}"/>
+              </a:ext>
+            </a:extLst>
+          </p:cNvPr>
+          <p:cNvSpPr>
+            <a:spLocks noGrp="1"/>
+          </p:cNvSpPr>
+          <p:nvPr>
+            <p:ph type="title"/>
+          </p:nvPr>
+        </p:nvSpPr>
+        <p:spPr/>
+        <p:txBody>
+          <a:bodyPr/>
+          <a:lstStyle/>
+          <a:p>
+            <a:r>
+              <a:rPr lang="en-US" dirty="0"/>
+              <a:t>Preparing Different Scenarios</a:t>
+            </a:r>
+          </a:p>
+        </p:txBody>
+      </p:sp>
+      <p:sp>
+        <p:nvSpPr>
+          <p:cNvPr id="3" name="Content Placeholder 2">
+            <a:extLst>
+              <a:ext uri="{FF2B5EF4-FFF2-40B4-BE49-F238E27FC236}">
+                <a16:creationId xmlns:a16="http://schemas.microsoft.com/office/drawing/2014/main" id="{B47661CB-E6AB-5FD1-401E-A482AF9BDC16}"/>
+              </a:ext>
+            </a:extLst>
+          </p:cNvPr>
+          <p:cNvSpPr>
+            <a:spLocks noGrp="1"/>
+          </p:cNvSpPr>
+          <p:nvPr>
+            <p:ph idx="1"/>
+          </p:nvPr>
+        </p:nvSpPr>
+        <p:spPr>
+          <a:xfrm>
+            <a:off x="681038" y="2389631"/>
+            <a:ext cx="8543925" cy="3787331"/>
+          </a:xfrm>
+        </p:spPr>
+        <p:txBody>
+          <a:bodyPr/>
+          <a:lstStyle/>
+          <a:p>
+            <a:r>
+              <a:rPr lang="en-US" dirty="0"/>
+              <a:t>Applied different branches for scenarios:</a:t>
+            </a:r>
+          </a:p>
+          <a:p>
+            <a:pPr lvl="1"/>
+            <a:r>
+              <a:rPr lang="en-US" dirty="0" err="1"/>
+              <a:t>Nocompress</a:t>
+            </a:r>
+            <a:r>
+              <a:rPr lang="en-US" dirty="0"/>
+              <a:t>: branches/dev/</a:t>
+            </a:r>
+            <a:r>
+              <a:rPr lang="en-US" dirty="0" err="1"/>
+              <a:t>changwon</a:t>
+            </a:r>
+            <a:endParaRPr lang="en-US" dirty="0"/>
+          </a:p>
+          <a:p>
+            <a:pPr lvl="1"/>
+            <a:r>
+              <a:rPr lang="en-US" dirty="0" err="1"/>
+              <a:t>gzip</a:t>
+            </a:r>
+            <a:r>
+              <a:rPr lang="en-US" dirty="0"/>
+              <a:t>: branches/dev/</a:t>
+            </a:r>
+            <a:r>
+              <a:rPr lang="en-US" dirty="0" err="1"/>
+              <a:t>hongik</a:t>
+            </a:r>
+            <a:endParaRPr lang="en-US" dirty="0"/>
+          </a:p>
+          <a:p>
+            <a:r>
+              <a:rPr lang="en-US" dirty="0"/>
+              <a:t>Other examples:</a:t>
+            </a:r>
+          </a:p>
+          <a:p>
+            <a:pPr lvl="1"/>
+            <a:r>
+              <a:rPr lang="en-US" dirty="0"/>
+              <a:t>main: stable branch at production</a:t>
+            </a:r>
+          </a:p>
+          <a:p>
+            <a:pPr lvl="1"/>
+            <a:r>
+              <a:rPr lang="en-US" dirty="0"/>
+              <a:t>develop: pre-production code</a:t>
+            </a:r>
+          </a:p>
+          <a:p>
+            <a:pPr lvl="1"/>
+            <a:r>
+              <a:rPr lang="en-US" dirty="0"/>
+              <a:t>feature/x-feature: development of new feature</a:t>
+            </a:r>
+          </a:p>
+          <a:p>
+            <a:pPr lvl="1"/>
+            <a:endParaRPr lang="en-US" dirty="0"/>
+          </a:p>
+          <a:p>
+            <a:pPr lvl="1"/>
+            <a:endParaRPr lang="en-US" dirty="0"/>
+          </a:p>
+        </p:txBody>
+      </p:sp>
+      <p:sp>
+        <p:nvSpPr>
+          <p:cNvPr id="4" name="Content Placeholder 2">
+            <a:extLst>
+              <a:ext uri="{FF2B5EF4-FFF2-40B4-BE49-F238E27FC236}">
+                <a16:creationId xmlns:a16="http://schemas.microsoft.com/office/drawing/2014/main" id="{F5565075-36BF-FF9A-D49C-3525E37E9CE9}"/>
+              </a:ext>
+            </a:extLst>
+          </p:cNvPr>
+          <p:cNvSpPr txBox="1">
+            <a:spLocks/>
+          </p:cNvSpPr>
+          <p:nvPr/>
+        </p:nvSpPr>
+        <p:spPr>
+          <a:xfrm>
+            <a:off x="819149" y="1459907"/>
+            <a:ext cx="8267699" cy="767904"/>
+          </a:xfrm>
+          <a:prstGeom prst="rect">
+            <a:avLst/>
+          </a:prstGeom>
+        </p:spPr>
+        <p:style>
+          <a:lnRef idx="1">
+            <a:schemeClr val="accent4"/>
+          </a:lnRef>
+          <a:fillRef idx="3">
+            <a:schemeClr val="accent4"/>
+          </a:fillRef>
+          <a:effectRef idx="2">
+            <a:schemeClr val="accent4"/>
+          </a:effectRef>
+          <a:fontRef idx="minor">
+            <a:schemeClr val="lt1"/>
+          </a:fontRef>
+        </p:style>
+        <p:txBody>
+          <a:bodyPr vert="horz" lIns="91440" tIns="45720" rIns="91440" bIns="45720" rtlCol="0" anchor="ctr">
+            <a:normAutofit/>
+          </a:bodyPr>
+          <a:lstStyle>
+            <a:lvl1pPr marL="228600" indent="-228600" algn="l" defTabSz="914400" rtl="0" eaLnBrk="1" latinLnBrk="0" hangingPunct="1">
+              <a:lnSpc>
+                <a:spcPct val="90000"/>
+              </a:lnSpc>
+              <a:spcBef>
+                <a:spcPts val="1000"/>
+              </a:spcBef>
+              <a:buFont typeface="Arial" panose="020B0604020202020204" pitchFamily="34" charset="0"/>
+              <a:buChar char="•"/>
+              <a:defRPr sz="2800" kern="1200">
+                <a:solidFill>
+                  <a:schemeClr val="tx1"/>
+                </a:solidFill>
+                <a:latin typeface="+mn-lt"/>
+                <a:ea typeface="+mn-ea"/>
+                <a:cs typeface="+mn-cs"/>
+              </a:defRPr>
+            </a:lvl1pPr>
+            <a:lvl2pPr marL="685800" indent="-228600" algn="l" defTabSz="914400" rtl="0" eaLnBrk="1" latinLnBrk="0" hangingPunct="1">
+              <a:lnSpc>
+                <a:spcPct val="90000"/>
+              </a:lnSpc>
+              <a:spcBef>
+                <a:spcPts val="500"/>
+              </a:spcBef>
+              <a:buFont typeface="Arial" panose="020B0604020202020204" pitchFamily="34" charset="0"/>
+              <a:buChar char="•"/>
+              <a:defRPr sz="2400" kern="1200">
+                <a:solidFill>
+                  <a:schemeClr val="tx1"/>
+                </a:solidFill>
+                <a:latin typeface="+mn-lt"/>
+                <a:ea typeface="+mn-ea"/>
+                <a:cs typeface="+mn-cs"/>
+              </a:defRPr>
+            </a:lvl2pPr>
+            <a:lvl3pPr marL="1143000" indent="-228600" algn="l" defTabSz="914400" rtl="0" eaLnBrk="1" latinLnBrk="0" hangingPunct="1">
+              <a:lnSpc>
+                <a:spcPct val="90000"/>
+              </a:lnSpc>
+              <a:spcBef>
+                <a:spcPts val="500"/>
+              </a:spcBef>
+              <a:buFont typeface="Arial" panose="020B0604020202020204" pitchFamily="34" charset="0"/>
+              <a:buChar char="•"/>
+              <a:defRPr sz="2000" kern="1200">
+                <a:solidFill>
+                  <a:schemeClr val="tx1"/>
+                </a:solidFill>
+                <a:latin typeface="+mn-lt"/>
+                <a:ea typeface="+mn-ea"/>
+                <a:cs typeface="+mn-cs"/>
+              </a:defRPr>
+            </a:lvl3pPr>
+            <a:lvl4pPr marL="1600200" indent="-228600" algn="l" defTabSz="914400" rtl="0" eaLnBrk="1" latinLnBrk="0" hangingPunct="1">
+              <a:lnSpc>
+                <a:spcPct val="90000"/>
+              </a:lnSpc>
+              <a:spcBef>
+                <a:spcPts val="500"/>
+              </a:spcBef>
+              <a:buFont typeface="Arial" panose="020B0604020202020204" pitchFamily="34" charset="0"/>
+              <a:buChar char="•"/>
+              <a:defRPr sz="1800" kern="1200">
+                <a:solidFill>
+                  <a:schemeClr val="tx1"/>
+                </a:solidFill>
+                <a:latin typeface="+mn-lt"/>
+                <a:ea typeface="+mn-ea"/>
+                <a:cs typeface="+mn-cs"/>
+              </a:defRPr>
+            </a:lvl4pPr>
+            <a:lvl5pPr marL="2057400" indent="-228600" algn="l" defTabSz="914400" rtl="0" eaLnBrk="1" latinLnBrk="0" hangingPunct="1">
+              <a:lnSpc>
+                <a:spcPct val="90000"/>
+              </a:lnSpc>
+              <a:spcBef>
+                <a:spcPts val="500"/>
+              </a:spcBef>
+              <a:buFont typeface="Arial" panose="020B0604020202020204" pitchFamily="34" charset="0"/>
+              <a:buChar char="•"/>
+              <a:defRPr sz="1800" kern="1200">
+                <a:solidFill>
+                  <a:schemeClr val="tx1"/>
+                </a:solidFill>
+                <a:latin typeface="+mn-lt"/>
+                <a:ea typeface="+mn-ea"/>
+                <a:cs typeface="+mn-cs"/>
+              </a:defRPr>
+            </a:lvl5pPr>
+            <a:lvl6pPr marL="2514600" indent="-228600" algn="l" defTabSz="914400" rtl="0" eaLnBrk="1" latinLnBrk="0" hangingPunct="1">
+              <a:lnSpc>
+                <a:spcPct val="90000"/>
+              </a:lnSpc>
+              <a:spcBef>
+                <a:spcPts val="500"/>
+              </a:spcBef>
+              <a:buFont typeface="Arial" panose="020B0604020202020204" pitchFamily="34" charset="0"/>
+              <a:buChar char="•"/>
+              <a:defRPr sz="1800" kern="1200">
+                <a:solidFill>
+                  <a:schemeClr val="tx1"/>
+                </a:solidFill>
+                <a:latin typeface="+mn-lt"/>
+                <a:ea typeface="+mn-ea"/>
+                <a:cs typeface="+mn-cs"/>
+              </a:defRPr>
+            </a:lvl6pPr>
+            <a:lvl7pPr marL="2971800" indent="-228600" algn="l" defTabSz="914400" rtl="0" eaLnBrk="1" latinLnBrk="0" hangingPunct="1">
+              <a:lnSpc>
+                <a:spcPct val="90000"/>
+              </a:lnSpc>
+              <a:spcBef>
+                <a:spcPts val="500"/>
+              </a:spcBef>
+              <a:buFont typeface="Arial" panose="020B0604020202020204" pitchFamily="34" charset="0"/>
+              <a:buChar char="•"/>
+              <a:defRPr sz="1800" kern="1200">
+                <a:solidFill>
+                  <a:schemeClr val="tx1"/>
+                </a:solidFill>
+                <a:latin typeface="+mn-lt"/>
+                <a:ea typeface="+mn-ea"/>
+                <a:cs typeface="+mn-cs"/>
+              </a:defRPr>
+            </a:lvl7pPr>
+            <a:lvl8pPr marL="3429000" indent="-228600" algn="l" defTabSz="914400" rtl="0" eaLnBrk="1" latinLnBrk="0" hangingPunct="1">
+              <a:lnSpc>
+                <a:spcPct val="90000"/>
+              </a:lnSpc>
+              <a:spcBef>
+                <a:spcPts val="500"/>
+              </a:spcBef>
+              <a:buFont typeface="Arial" panose="020B0604020202020204" pitchFamily="34" charset="0"/>
+              <a:buChar char="•"/>
+              <a:defRPr sz="1800" kern="1200">
+                <a:solidFill>
+                  <a:schemeClr val="tx1"/>
+                </a:solidFill>
+                <a:latin typeface="+mn-lt"/>
+                <a:ea typeface="+mn-ea"/>
+                <a:cs typeface="+mn-cs"/>
+              </a:defRPr>
+            </a:lvl8pPr>
+            <a:lvl9pPr marL="3886200" indent="-228600" algn="l" defTabSz="914400" rtl="0" eaLnBrk="1" latinLnBrk="0" hangingPunct="1">
+              <a:lnSpc>
+                <a:spcPct val="90000"/>
+              </a:lnSpc>
+              <a:spcBef>
+                <a:spcPts val="500"/>
+              </a:spcBef>
+              <a:buFont typeface="Arial" panose="020B0604020202020204" pitchFamily="34" charset="0"/>
+              <a:buChar char="•"/>
+              <a:defRPr sz="1800" kern="1200">
+                <a:solidFill>
+                  <a:schemeClr val="tx1"/>
+                </a:solidFill>
+                <a:latin typeface="+mn-lt"/>
+                <a:ea typeface="+mn-ea"/>
+                <a:cs typeface="+mn-cs"/>
+              </a:defRPr>
+            </a:lvl9pPr>
+          </a:lstStyle>
+          <a:p>
+            <a:pPr marL="0"/>
+            <a:r>
+              <a:rPr lang="en-US" dirty="0"/>
+              <a:t>Examples</a:t>
+            </a:r>
+          </a:p>
+        </p:txBody>
+      </p:sp>
+    </p:spTree>
+    <p:extLst>
+      <p:ext uri="{BB962C8B-B14F-4D97-AF65-F5344CB8AC3E}">
+        <p14:creationId xmlns:p14="http://schemas.microsoft.com/office/powerpoint/2010/main" val="887008805"/>
       </p:ext>
     </p:extLst>
   </p:cSld>
